--- a/LSY_Weekly/졸작위클리플랜.pptx
+++ b/LSY_Weekly/졸작위클리플랜.pptx
@@ -246,7 +246,7 @@
           <a:p>
             <a:fld id="{7B93B1CF-19A2-4A5A-8278-D6E633D4BA1E}" type="datetimeFigureOut">
               <a:rPr lang="ko-KR" altLang="en-US" smtClean="0"/>
-              <a:t>2019-09-09</a:t>
+              <a:t>2019-09-17</a:t>
             </a:fld>
             <a:endParaRPr lang="ko-KR" altLang="en-US"/>
           </a:p>
@@ -416,7 +416,7 @@
           <a:p>
             <a:fld id="{7B93B1CF-19A2-4A5A-8278-D6E633D4BA1E}" type="datetimeFigureOut">
               <a:rPr lang="ko-KR" altLang="en-US" smtClean="0"/>
-              <a:t>2019-09-09</a:t>
+              <a:t>2019-09-17</a:t>
             </a:fld>
             <a:endParaRPr lang="ko-KR" altLang="en-US"/>
           </a:p>
@@ -596,7 +596,7 @@
           <a:p>
             <a:fld id="{7B93B1CF-19A2-4A5A-8278-D6E633D4BA1E}" type="datetimeFigureOut">
               <a:rPr lang="ko-KR" altLang="en-US" smtClean="0"/>
-              <a:t>2019-09-09</a:t>
+              <a:t>2019-09-17</a:t>
             </a:fld>
             <a:endParaRPr lang="ko-KR" altLang="en-US"/>
           </a:p>
@@ -766,7 +766,7 @@
           <a:p>
             <a:fld id="{7B93B1CF-19A2-4A5A-8278-D6E633D4BA1E}" type="datetimeFigureOut">
               <a:rPr lang="ko-KR" altLang="en-US" smtClean="0"/>
-              <a:t>2019-09-09</a:t>
+              <a:t>2019-09-17</a:t>
             </a:fld>
             <a:endParaRPr lang="ko-KR" altLang="en-US"/>
           </a:p>
@@ -1012,7 +1012,7 @@
           <a:p>
             <a:fld id="{7B93B1CF-19A2-4A5A-8278-D6E633D4BA1E}" type="datetimeFigureOut">
               <a:rPr lang="ko-KR" altLang="en-US" smtClean="0"/>
-              <a:t>2019-09-09</a:t>
+              <a:t>2019-09-17</a:t>
             </a:fld>
             <a:endParaRPr lang="ko-KR" altLang="en-US"/>
           </a:p>
@@ -1244,7 +1244,7 @@
           <a:p>
             <a:fld id="{7B93B1CF-19A2-4A5A-8278-D6E633D4BA1E}" type="datetimeFigureOut">
               <a:rPr lang="ko-KR" altLang="en-US" smtClean="0"/>
-              <a:t>2019-09-09</a:t>
+              <a:t>2019-09-17</a:t>
             </a:fld>
             <a:endParaRPr lang="ko-KR" altLang="en-US"/>
           </a:p>
@@ -1611,7 +1611,7 @@
           <a:p>
             <a:fld id="{7B93B1CF-19A2-4A5A-8278-D6E633D4BA1E}" type="datetimeFigureOut">
               <a:rPr lang="ko-KR" altLang="en-US" smtClean="0"/>
-              <a:t>2019-09-09</a:t>
+              <a:t>2019-09-17</a:t>
             </a:fld>
             <a:endParaRPr lang="ko-KR" altLang="en-US"/>
           </a:p>
@@ -1729,7 +1729,7 @@
           <a:p>
             <a:fld id="{7B93B1CF-19A2-4A5A-8278-D6E633D4BA1E}" type="datetimeFigureOut">
               <a:rPr lang="ko-KR" altLang="en-US" smtClean="0"/>
-              <a:t>2019-09-09</a:t>
+              <a:t>2019-09-17</a:t>
             </a:fld>
             <a:endParaRPr lang="ko-KR" altLang="en-US"/>
           </a:p>
@@ -1824,7 +1824,7 @@
           <a:p>
             <a:fld id="{7B93B1CF-19A2-4A5A-8278-D6E633D4BA1E}" type="datetimeFigureOut">
               <a:rPr lang="ko-KR" altLang="en-US" smtClean="0"/>
-              <a:t>2019-09-09</a:t>
+              <a:t>2019-09-17</a:t>
             </a:fld>
             <a:endParaRPr lang="ko-KR" altLang="en-US"/>
           </a:p>
@@ -2101,7 +2101,7 @@
           <a:p>
             <a:fld id="{7B93B1CF-19A2-4A5A-8278-D6E633D4BA1E}" type="datetimeFigureOut">
               <a:rPr lang="ko-KR" altLang="en-US" smtClean="0"/>
-              <a:t>2019-09-09</a:t>
+              <a:t>2019-09-17</a:t>
             </a:fld>
             <a:endParaRPr lang="ko-KR" altLang="en-US"/>
           </a:p>
@@ -2354,7 +2354,7 @@
           <a:p>
             <a:fld id="{7B93B1CF-19A2-4A5A-8278-D6E633D4BA1E}" type="datetimeFigureOut">
               <a:rPr lang="ko-KR" altLang="en-US" smtClean="0"/>
-              <a:t>2019-09-09</a:t>
+              <a:t>2019-09-17</a:t>
             </a:fld>
             <a:endParaRPr lang="ko-KR" altLang="en-US"/>
           </a:p>
@@ -2567,7 +2567,7 @@
           <a:p>
             <a:fld id="{7B93B1CF-19A2-4A5A-8278-D6E633D4BA1E}" type="datetimeFigureOut">
               <a:rPr lang="ko-KR" altLang="en-US" smtClean="0"/>
-              <a:t>2019-09-09</a:t>
+              <a:t>2019-09-17</a:t>
             </a:fld>
             <a:endParaRPr lang="ko-KR" altLang="en-US"/>
           </a:p>
@@ -2981,14 +2981,14 @@
           <p:nvPr>
             <p:extLst>
               <p:ext uri="{D42A27DB-BD31-4B8C-83A1-F6EECF244321}">
-                <p14:modId xmlns:p14="http://schemas.microsoft.com/office/powerpoint/2010/main" val="4072774713"/>
+                <p14:modId xmlns:p14="http://schemas.microsoft.com/office/powerpoint/2010/main" val="2471338988"/>
               </p:ext>
             </p:extLst>
           </p:nvPr>
         </p:nvGraphicFramePr>
         <p:xfrm>
           <a:off x="1588" y="806450"/>
-          <a:ext cx="12190411" cy="5283801"/>
+          <a:ext cx="12190411" cy="5466183"/>
         </p:xfrm>
         <a:graphic>
           <a:graphicData uri="http://schemas.openxmlformats.org/drawingml/2006/table">
@@ -4531,10 +4531,10 @@
                           <a:latin typeface="메이플스토리" panose="02000300000000000000" pitchFamily="2" charset="-127"/>
                           <a:ea typeface="메이플스토리" panose="02000300000000000000" pitchFamily="2" charset="-127"/>
                         </a:rPr>
-                        <a:t>한 모델 찾고</a:t>
-                      </a:r>
-                      <a:r>
-                        <a:rPr kumimoji="1" lang="en-US" altLang="ko-KR" sz="1050" b="1" i="0" u="none" strike="noStrike" cap="none" normalizeH="0" baseline="0" dirty="0" smtClean="0">
+                        <a:t>한 모델 </a:t>
+                      </a:r>
+                      <a:r>
+                        <a:rPr kumimoji="1" lang="ko-KR" altLang="en-US" sz="1050" b="1" i="0" u="none" strike="noStrike" cap="none" normalizeH="0" baseline="0" dirty="0" smtClean="0">
                           <a:ln>
                             <a:noFill/>
                           </a:ln>
@@ -4545,21 +4545,7 @@
                           <a:latin typeface="메이플스토리" panose="02000300000000000000" pitchFamily="2" charset="-127"/>
                           <a:ea typeface="메이플스토리" panose="02000300000000000000" pitchFamily="2" charset="-127"/>
                         </a:rPr>
-                        <a:t>,</a:t>
-                      </a:r>
-                      <a:r>
-                        <a:rPr kumimoji="1" lang="ko-KR" altLang="en-US" sz="1050" b="1" i="0" u="none" strike="noStrike" cap="none" normalizeH="0" baseline="0" dirty="0" smtClean="0">
-                          <a:ln>
-                            <a:noFill/>
-                          </a:ln>
-                          <a:solidFill>
-                            <a:schemeClr val="tx1"/>
-                          </a:solidFill>
-                          <a:effectLst/>
-                          <a:latin typeface="메이플스토리" panose="02000300000000000000" pitchFamily="2" charset="-127"/>
-                          <a:ea typeface="메이플스토리" panose="02000300000000000000" pitchFamily="2" charset="-127"/>
-                        </a:rPr>
-                        <a:t> 언 팩 하기</a:t>
+                        <a:t>조사</a:t>
                       </a:r>
                       <a:endParaRPr kumimoji="1" lang="en-US" altLang="ko-KR" sz="1050" b="1" i="0" u="none" strike="noStrike" cap="none" normalizeH="0" baseline="0" dirty="0" smtClean="0">
                         <a:ln>
@@ -4602,7 +4588,21 @@
                           <a:latin typeface="메이플스토리" panose="02000300000000000000" pitchFamily="2" charset="-127"/>
                           <a:ea typeface="메이플스토리" panose="02000300000000000000" pitchFamily="2" charset="-127"/>
                         </a:rPr>
-                        <a:t>- Steep </a:t>
+                        <a:t>- </a:t>
+                      </a:r>
+                      <a:r>
+                        <a:rPr kumimoji="1" lang="en-US" altLang="ko-KR" sz="1050" b="1" i="0" u="none" strike="noStrike" cap="none" normalizeH="0" baseline="0" dirty="0" smtClean="0">
+                          <a:ln>
+                            <a:noFill/>
+                          </a:ln>
+                          <a:solidFill>
+                            <a:schemeClr val="tx1"/>
+                          </a:solidFill>
+                          <a:effectLst/>
+                          <a:latin typeface="메이플스토리" panose="02000300000000000000" pitchFamily="2" charset="-127"/>
+                          <a:ea typeface="메이플스토리" panose="02000300000000000000" pitchFamily="2" charset="-127"/>
+                        </a:rPr>
+                        <a:t>Steep </a:t>
                       </a:r>
                       <a:r>
                         <a:rPr kumimoji="1" lang="ko-KR" altLang="en-US" sz="1050" b="1" i="0" u="none" strike="noStrike" cap="none" normalizeH="0" baseline="0" dirty="0" smtClean="0">
@@ -4840,7 +4840,21 @@
                           <a:latin typeface="메이플스토리" panose="02000300000000000000" pitchFamily="2" charset="-127"/>
                           <a:ea typeface="메이플스토리" panose="02000300000000000000" pitchFamily="2" charset="-127"/>
                         </a:rPr>
-                        <a:t>추석 연휴 까지 대략적인 모델 정리 </a:t>
+                        <a:t>추석 연휴 까지 대략적인 </a:t>
+                      </a:r>
+                      <a:r>
+                        <a:rPr kumimoji="1" lang="ko-KR" altLang="en-US" sz="1050" b="1" i="0" u="none" strike="noStrike" cap="none" normalizeH="0" baseline="0" dirty="0" smtClean="0">
+                          <a:ln>
+                            <a:noFill/>
+                          </a:ln>
+                          <a:solidFill>
+                            <a:schemeClr val="tx1"/>
+                          </a:solidFill>
+                          <a:effectLst/>
+                          <a:latin typeface="메이플스토리" panose="02000300000000000000" pitchFamily="2" charset="-127"/>
+                          <a:ea typeface="메이플스토리" panose="02000300000000000000" pitchFamily="2" charset="-127"/>
+                        </a:rPr>
+                        <a:t>기획 </a:t>
                       </a:r>
                       <a:r>
                         <a:rPr kumimoji="1" lang="en-US" altLang="ko-KR" sz="1050" b="1" i="0" u="none" strike="noStrike" cap="none" normalizeH="0" baseline="0" dirty="0" smtClean="0">
@@ -4868,8 +4882,51 @@
                           <a:latin typeface="메이플스토리" panose="02000300000000000000" pitchFamily="2" charset="-127"/>
                           <a:ea typeface="메이플스토리" panose="02000300000000000000" pitchFamily="2" charset="-127"/>
                         </a:rPr>
-                        <a:t>분석 완료</a:t>
-                      </a:r>
+                        <a:t>분석 </a:t>
+                      </a:r>
+                      <a:r>
+                        <a:rPr kumimoji="1" lang="ko-KR" altLang="en-US" sz="1050" b="1" i="0" u="none" strike="noStrike" cap="none" normalizeH="0" baseline="0" dirty="0" smtClean="0">
+                          <a:ln>
+                            <a:noFill/>
+                          </a:ln>
+                          <a:solidFill>
+                            <a:schemeClr val="tx1"/>
+                          </a:solidFill>
+                          <a:effectLst/>
+                          <a:latin typeface="메이플스토리" panose="02000300000000000000" pitchFamily="2" charset="-127"/>
+                          <a:ea typeface="메이플스토리" panose="02000300000000000000" pitchFamily="2" charset="-127"/>
+                        </a:rPr>
+                        <a:t>완료</a:t>
+                      </a:r>
+                      <a:endParaRPr kumimoji="1" lang="en-US" altLang="ko-KR" sz="1050" b="1" i="0" u="none" strike="noStrike" cap="none" normalizeH="0" baseline="0" dirty="0" smtClean="0">
+                        <a:ln>
+                          <a:noFill/>
+                        </a:ln>
+                        <a:solidFill>
+                          <a:schemeClr val="tx1"/>
+                        </a:solidFill>
+                        <a:effectLst/>
+                        <a:latin typeface="메이플스토리" panose="02000300000000000000" pitchFamily="2" charset="-127"/>
+                        <a:ea typeface="메이플스토리" panose="02000300000000000000" pitchFamily="2" charset="-127"/>
+                      </a:endParaRPr>
+                    </a:p>
+                    <a:p>
+                      <a:pPr marL="0" marR="0" lvl="0" indent="0" algn="l" defTabSz="914400" rtl="0" eaLnBrk="1" fontAlgn="base" latinLnBrk="1" hangingPunct="1">
+                        <a:lnSpc>
+                          <a:spcPct val="100000"/>
+                        </a:lnSpc>
+                        <a:spcBef>
+                          <a:spcPct val="20000"/>
+                        </a:spcBef>
+                        <a:spcAft>
+                          <a:spcPct val="0"/>
+                        </a:spcAft>
+                        <a:buClrTx/>
+                        <a:buSzTx/>
+                        <a:buFontTx/>
+                        <a:buNone/>
+                        <a:tabLst/>
+                      </a:pPr>
                       <a:endParaRPr kumimoji="1" lang="en-US" altLang="ko-KR" sz="1050" b="1" i="0" u="none" strike="noStrike" cap="none" normalizeH="0" baseline="0" dirty="0" smtClean="0">
                         <a:ln>
                           <a:noFill/>
@@ -4916,7 +4973,7 @@
                         <a:t>- </a:t>
                       </a:r>
                       <a:r>
-                        <a:rPr kumimoji="1" lang="ko-KR" altLang="en-US" sz="1050" b="1" i="0" u="none" strike="noStrike" cap="none" normalizeH="0" baseline="0" dirty="0" smtClean="0">
+                        <a:rPr kumimoji="1" lang="en-US" altLang="ko-KR" sz="1050" b="1" i="0" u="none" strike="noStrike" cap="none" normalizeH="0" baseline="0" dirty="0" smtClean="0">
                           <a:ln>
                             <a:noFill/>
                           </a:ln>
@@ -4927,110 +4984,7 @@
                           <a:latin typeface="메이플스토리" panose="02000300000000000000" pitchFamily="2" charset="-127"/>
                           <a:ea typeface="메이플스토리" panose="02000300000000000000" pitchFamily="2" charset="-127"/>
                         </a:rPr>
-                        <a:t>모델 파일 별로 이름 수정 </a:t>
-                      </a:r>
-                      <a:r>
-                        <a:rPr kumimoji="1" lang="en-US" altLang="ko-KR" sz="1050" b="1" i="0" u="none" strike="noStrike" cap="none" normalizeH="0" baseline="0" dirty="0" smtClean="0">
-                          <a:ln>
-                            <a:noFill/>
-                          </a:ln>
-                          <a:solidFill>
-                            <a:schemeClr val="tx1"/>
-                          </a:solidFill>
-                          <a:effectLst/>
-                          <a:latin typeface="메이플스토리" panose="02000300000000000000" pitchFamily="2" charset="-127"/>
-                          <a:ea typeface="메이플스토리" panose="02000300000000000000" pitchFamily="2" charset="-127"/>
-                        </a:rPr>
-                        <a:t>&amp;  </a:t>
-                      </a:r>
-                    </a:p>
-                    <a:p>
-                      <a:pPr marL="0" marR="0" lvl="0" indent="0" algn="l" defTabSz="914400" rtl="0" eaLnBrk="1" fontAlgn="base" latinLnBrk="1" hangingPunct="1">
-                        <a:lnSpc>
-                          <a:spcPct val="100000"/>
-                        </a:lnSpc>
-                        <a:spcBef>
-                          <a:spcPct val="20000"/>
-                        </a:spcBef>
-                        <a:spcAft>
-                          <a:spcPct val="0"/>
-                        </a:spcAft>
-                        <a:buClrTx/>
-                        <a:buSzTx/>
-                        <a:buFontTx/>
-                        <a:buNone/>
-                        <a:tabLst/>
-                      </a:pPr>
-                      <a:r>
-                        <a:rPr kumimoji="1" lang="en-US" altLang="ko-KR" sz="1050" b="1" i="0" u="none" strike="noStrike" cap="none" normalizeH="0" baseline="0" dirty="0" smtClean="0">
-                          <a:ln>
-                            <a:noFill/>
-                          </a:ln>
-                          <a:solidFill>
-                            <a:schemeClr val="tx1"/>
-                          </a:solidFill>
-                          <a:effectLst/>
-                          <a:latin typeface="메이플스토리" panose="02000300000000000000" pitchFamily="2" charset="-127"/>
-                          <a:ea typeface="메이플스토리" panose="02000300000000000000" pitchFamily="2" charset="-127"/>
-                        </a:rPr>
-                        <a:t>   </a:t>
-                      </a:r>
-                      <a:r>
-                        <a:rPr kumimoji="1" lang="ko-KR" altLang="en-US" sz="1050" b="1" i="0" u="none" strike="noStrike" cap="none" normalizeH="0" baseline="0" dirty="0" smtClean="0">
-                          <a:ln>
-                            <a:noFill/>
-                          </a:ln>
-                          <a:solidFill>
-                            <a:schemeClr val="tx1"/>
-                          </a:solidFill>
-                          <a:effectLst/>
-                          <a:latin typeface="메이플스토리" panose="02000300000000000000" pitchFamily="2" charset="-127"/>
-                          <a:ea typeface="메이플스토리" panose="02000300000000000000" pitchFamily="2" charset="-127"/>
-                        </a:rPr>
-                        <a:t>정리</a:t>
-                      </a:r>
-                      <a:endParaRPr kumimoji="1" lang="en-US" altLang="ko-KR" sz="1050" b="1" i="0" u="none" strike="noStrike" cap="none" normalizeH="0" baseline="0" dirty="0" smtClean="0">
-                        <a:ln>
-                          <a:noFill/>
-                        </a:ln>
-                        <a:solidFill>
-                          <a:schemeClr val="tx1"/>
-                        </a:solidFill>
-                        <a:effectLst/>
-                        <a:latin typeface="메이플스토리" panose="02000300000000000000" pitchFamily="2" charset="-127"/>
-                        <a:ea typeface="메이플스토리" panose="02000300000000000000" pitchFamily="2" charset="-127"/>
-                      </a:endParaRPr>
-                    </a:p>
-                    <a:p>
-                      <a:pPr marL="0" marR="0" lvl="0" indent="0" algn="l" defTabSz="914400" rtl="0" eaLnBrk="1" fontAlgn="base" latinLnBrk="1" hangingPunct="1">
-                        <a:lnSpc>
-                          <a:spcPct val="100000"/>
-                        </a:lnSpc>
-                        <a:spcBef>
-                          <a:spcPct val="20000"/>
-                        </a:spcBef>
-                        <a:spcAft>
-                          <a:spcPct val="0"/>
-                        </a:spcAft>
-                        <a:buClrTx/>
-                        <a:buSzTx/>
-                        <a:buFontTx/>
-                        <a:buNone/>
-                        <a:tabLst/>
-                      </a:pPr>
-                      <a:r>
-                        <a:rPr kumimoji="1" lang="en-US" altLang="ko-KR" sz="1050" b="1" i="0" u="none" strike="noStrike" cap="none" normalizeH="0" baseline="0" dirty="0" smtClean="0">
-                          <a:ln>
-                            <a:noFill/>
-                          </a:ln>
-                          <a:solidFill>
-                            <a:schemeClr val="tx1"/>
-                          </a:solidFill>
-                          <a:effectLst/>
-                          <a:latin typeface="메이플스토리" panose="02000300000000000000" pitchFamily="2" charset="-127"/>
-                          <a:ea typeface="메이플스토리" panose="02000300000000000000" pitchFamily="2" charset="-127"/>
-                        </a:rPr>
-                        <a:t>- Steep </a:t>
+                        <a:t>Steep </a:t>
                       </a:r>
                       <a:r>
                         <a:rPr kumimoji="1" lang="ko-KR" altLang="en-US" sz="1050" b="1" i="0" u="none" strike="noStrike" cap="none" normalizeH="0" baseline="0" dirty="0" smtClean="0">
@@ -5176,17 +5130,6 @@
                         </a:rPr>
                         <a:t>12</a:t>
                       </a:r>
-                      <a:endParaRPr kumimoji="1" lang="en-US" altLang="ko-KR" sz="1050" b="1" i="0" u="none" strike="noStrike" cap="none" normalizeH="0" baseline="0" dirty="0" smtClean="0">
-                        <a:ln>
-                          <a:noFill/>
-                        </a:ln>
-                        <a:solidFill>
-                          <a:srgbClr val="FF0000"/>
-                        </a:solidFill>
-                        <a:effectLst/>
-                        <a:latin typeface="메이플스토리" panose="02000300000000000000" pitchFamily="2" charset="-127"/>
-                        <a:ea typeface="메이플스토리" panose="02000300000000000000" pitchFamily="2" charset="-127"/>
-                      </a:endParaRPr>
                     </a:p>
                   </a:txBody>
                   <a:tcPr horzOverflow="overflow">
@@ -5740,7 +5683,78 @@
                           <a:latin typeface="메이플스토리" panose="02000300000000000000" pitchFamily="2" charset="-127"/>
                           <a:ea typeface="메이플스토리" panose="02000300000000000000" pitchFamily="2" charset="-127"/>
                         </a:rPr>
-                        <a:t>일주일 간 각자 조사한 분석 자료를 토대로 게임 기획서 제작</a:t>
+                        <a:t>일주일 간 각자 조사한 분석 자료를 토대로 게임 기획서 </a:t>
+                      </a:r>
+                      <a:r>
+                        <a:rPr kumimoji="1" lang="ko-KR" altLang="en-US" sz="1050" b="1" i="0" u="none" strike="noStrike" cap="none" normalizeH="0" baseline="0" dirty="0" smtClean="0">
+                          <a:ln>
+                            <a:noFill/>
+                          </a:ln>
+                          <a:solidFill>
+                            <a:schemeClr val="tx1"/>
+                          </a:solidFill>
+                          <a:effectLst/>
+                          <a:latin typeface="메이플스토리" panose="02000300000000000000" pitchFamily="2" charset="-127"/>
+                          <a:ea typeface="메이플스토리" panose="02000300000000000000" pitchFamily="2" charset="-127"/>
+                        </a:rPr>
+                        <a:t>제작</a:t>
+                      </a:r>
+                      <a:endParaRPr kumimoji="1" lang="en-US" altLang="ko-KR" sz="1050" b="1" i="0" u="none" strike="noStrike" cap="none" normalizeH="0" baseline="0" dirty="0" smtClean="0">
+                        <a:ln>
+                          <a:noFill/>
+                        </a:ln>
+                        <a:solidFill>
+                          <a:schemeClr val="tx1"/>
+                        </a:solidFill>
+                        <a:effectLst/>
+                        <a:latin typeface="메이플스토리" panose="02000300000000000000" pitchFamily="2" charset="-127"/>
+                        <a:ea typeface="메이플스토리" panose="02000300000000000000" pitchFamily="2" charset="-127"/>
+                      </a:endParaRPr>
+                    </a:p>
+                    <a:p>
+                      <a:pPr marL="171450" marR="0" lvl="0" indent="-171450" algn="l" defTabSz="914400" rtl="0" eaLnBrk="1" fontAlgn="base" latinLnBrk="1" hangingPunct="1">
+                        <a:lnSpc>
+                          <a:spcPct val="100000"/>
+                        </a:lnSpc>
+                        <a:spcBef>
+                          <a:spcPct val="20000"/>
+                        </a:spcBef>
+                        <a:spcAft>
+                          <a:spcPct val="0"/>
+                        </a:spcAft>
+                        <a:buClrTx/>
+                        <a:buSzTx/>
+                        <a:buFontTx/>
+                        <a:buChar char="-"/>
+                        <a:tabLst/>
+                      </a:pPr>
+                      <a:r>
+                        <a:rPr kumimoji="1" lang="en-US" altLang="ko-KR" sz="1050" b="1" i="0" u="none" strike="noStrike" cap="none" normalizeH="0" baseline="0" dirty="0" smtClean="0">
+                          <a:ln>
+                            <a:noFill/>
+                          </a:ln>
+                          <a:solidFill>
+                            <a:schemeClr val="tx1"/>
+                          </a:solidFill>
+                          <a:effectLst/>
+                          <a:latin typeface="메이플스토리" panose="02000300000000000000" pitchFamily="2" charset="-127"/>
+                          <a:ea typeface="메이플스토리" panose="02000300000000000000" pitchFamily="2" charset="-127"/>
+                        </a:rPr>
+                        <a:t>Steep </a:t>
+                      </a:r>
+                      <a:r>
+                        <a:rPr kumimoji="1" lang="ko-KR" altLang="en-US" sz="1050" b="1" i="0" u="none" strike="noStrike" cap="none" normalizeH="0" baseline="0" dirty="0" smtClean="0">
+                          <a:ln>
+                            <a:noFill/>
+                          </a:ln>
+                          <a:solidFill>
+                            <a:schemeClr val="tx1"/>
+                          </a:solidFill>
+                          <a:effectLst/>
+                          <a:latin typeface="메이플스토리" panose="02000300000000000000" pitchFamily="2" charset="-127"/>
+                          <a:ea typeface="메이플스토리" panose="02000300000000000000" pitchFamily="2" charset="-127"/>
+                        </a:rPr>
+                        <a:t>분석 종합</a:t>
                       </a:r>
                       <a:endParaRPr kumimoji="1" lang="en-US" altLang="ko-KR" sz="1050" b="1" i="0" u="none" strike="noStrike" cap="none" normalizeH="0" baseline="0" dirty="0" smtClean="0">
                         <a:ln>
@@ -5845,6 +5859,814 @@
                           <a:ea typeface="메이플스토리" panose="02000300000000000000" pitchFamily="2" charset="-127"/>
                         </a:rPr>
                         <a:t>17 </a:t>
+                      </a:r>
+                    </a:p>
+                    <a:p>
+                      <a:pPr marL="0" marR="0" lvl="0" indent="0" algn="l" defTabSz="914400" rtl="0" eaLnBrk="1" fontAlgn="base" latinLnBrk="1" hangingPunct="1">
+                        <a:lnSpc>
+                          <a:spcPct val="100000"/>
+                        </a:lnSpc>
+                        <a:spcBef>
+                          <a:spcPct val="20000"/>
+                        </a:spcBef>
+                        <a:spcAft>
+                          <a:spcPct val="0"/>
+                        </a:spcAft>
+                        <a:buClrTx/>
+                        <a:buSzTx/>
+                        <a:buFontTx/>
+                        <a:buNone/>
+                        <a:tabLst/>
+                      </a:pPr>
+                      <a:r>
+                        <a:rPr kumimoji="1" lang="ko-KR" altLang="en-US" sz="1050" b="1" i="0" u="none" strike="noStrike" cap="none" normalizeH="0" baseline="0" dirty="0" smtClean="0">
+                          <a:ln>
+                            <a:noFill/>
+                          </a:ln>
+                          <a:solidFill>
+                            <a:schemeClr val="tx1"/>
+                          </a:solidFill>
+                          <a:effectLst/>
+                          <a:latin typeface="메이플스토리" panose="02000300000000000000" pitchFamily="2" charset="-127"/>
+                          <a:ea typeface="메이플스토리" panose="02000300000000000000" pitchFamily="2" charset="-127"/>
+                        </a:rPr>
+                        <a:t>졸업작품 회의</a:t>
+                      </a:r>
+                      <a:endParaRPr kumimoji="1" lang="en-US" altLang="ko-KR" sz="1050" b="1" i="0" u="none" strike="noStrike" cap="none" normalizeH="0" baseline="0" dirty="0" smtClean="0">
+                        <a:ln>
+                          <a:noFill/>
+                        </a:ln>
+                        <a:solidFill>
+                          <a:schemeClr val="tx1"/>
+                        </a:solidFill>
+                        <a:effectLst/>
+                        <a:latin typeface="메이플스토리" panose="02000300000000000000" pitchFamily="2" charset="-127"/>
+                        <a:ea typeface="메이플스토리" panose="02000300000000000000" pitchFamily="2" charset="-127"/>
+                      </a:endParaRPr>
+                    </a:p>
+                    <a:p>
+                      <a:pPr marL="171450" marR="0" lvl="0" indent="-171450" algn="l" defTabSz="914400" rtl="0" eaLnBrk="1" fontAlgn="base" latinLnBrk="1" hangingPunct="1">
+                        <a:lnSpc>
+                          <a:spcPct val="100000"/>
+                        </a:lnSpc>
+                        <a:spcBef>
+                          <a:spcPct val="20000"/>
+                        </a:spcBef>
+                        <a:spcAft>
+                          <a:spcPct val="0"/>
+                        </a:spcAft>
+                        <a:buClrTx/>
+                        <a:buSzTx/>
+                        <a:buFontTx/>
+                        <a:buChar char="-"/>
+                        <a:tabLst/>
+                      </a:pPr>
+                      <a:r>
+                        <a:rPr kumimoji="1" lang="ko-KR" altLang="en-US" sz="1050" b="1" i="0" u="none" strike="noStrike" cap="none" normalizeH="0" baseline="0" dirty="0" smtClean="0">
+                          <a:ln>
+                            <a:noFill/>
+                          </a:ln>
+                          <a:solidFill>
+                            <a:schemeClr val="tx1"/>
+                          </a:solidFill>
+                          <a:effectLst/>
+                          <a:latin typeface="메이플스토리" panose="02000300000000000000" pitchFamily="2" charset="-127"/>
+                          <a:ea typeface="메이플스토리" panose="02000300000000000000" pitchFamily="2" charset="-127"/>
+                        </a:rPr>
+                        <a:t>게임 </a:t>
+                      </a:r>
+                      <a:r>
+                        <a:rPr kumimoji="1" lang="ko-KR" altLang="en-US" sz="1050" b="1" i="0" u="none" strike="noStrike" cap="none" normalizeH="0" baseline="0" dirty="0" smtClean="0">
+                          <a:ln>
+                            <a:noFill/>
+                          </a:ln>
+                          <a:solidFill>
+                            <a:schemeClr val="tx1"/>
+                          </a:solidFill>
+                          <a:effectLst/>
+                          <a:latin typeface="메이플스토리" panose="02000300000000000000" pitchFamily="2" charset="-127"/>
+                          <a:ea typeface="메이플스토리" panose="02000300000000000000" pitchFamily="2" charset="-127"/>
+                        </a:rPr>
+                        <a:t>기획서 정리 </a:t>
+                      </a:r>
+                      <a:r>
+                        <a:rPr kumimoji="1" lang="en-US" altLang="ko-KR" sz="1050" b="1" i="0" u="none" strike="noStrike" cap="none" normalizeH="0" baseline="0" dirty="0" smtClean="0">
+                          <a:ln>
+                            <a:noFill/>
+                          </a:ln>
+                          <a:solidFill>
+                            <a:schemeClr val="tx1"/>
+                          </a:solidFill>
+                          <a:effectLst/>
+                          <a:latin typeface="메이플스토리" panose="02000300000000000000" pitchFamily="2" charset="-127"/>
+                          <a:ea typeface="메이플스토리" panose="02000300000000000000" pitchFamily="2" charset="-127"/>
+                        </a:rPr>
+                        <a:t>&amp; </a:t>
+                      </a:r>
+                      <a:r>
+                        <a:rPr kumimoji="1" lang="ko-KR" altLang="en-US" sz="1050" b="1" i="0" u="none" strike="noStrike" cap="none" normalizeH="0" baseline="0" dirty="0" smtClean="0">
+                          <a:ln>
+                            <a:noFill/>
+                          </a:ln>
+                          <a:solidFill>
+                            <a:schemeClr val="tx1"/>
+                          </a:solidFill>
+                          <a:effectLst/>
+                          <a:latin typeface="메이플스토리" panose="02000300000000000000" pitchFamily="2" charset="-127"/>
+                          <a:ea typeface="메이플스토리" panose="02000300000000000000" pitchFamily="2" charset="-127"/>
+                        </a:rPr>
+                        <a:t>수정</a:t>
+                      </a:r>
+                      <a:endParaRPr kumimoji="1" lang="en-US" altLang="ko-KR" sz="1050" b="1" i="0" u="none" strike="noStrike" cap="none" normalizeH="0" baseline="0" dirty="0" smtClean="0">
+                        <a:ln>
+                          <a:noFill/>
+                        </a:ln>
+                        <a:solidFill>
+                          <a:schemeClr val="tx1"/>
+                        </a:solidFill>
+                        <a:effectLst/>
+                        <a:latin typeface="메이플스토리" panose="02000300000000000000" pitchFamily="2" charset="-127"/>
+                        <a:ea typeface="메이플스토리" panose="02000300000000000000" pitchFamily="2" charset="-127"/>
+                      </a:endParaRPr>
+                    </a:p>
+                    <a:p>
+                      <a:pPr marL="0" marR="0" lvl="0" indent="0" algn="l" defTabSz="914400" rtl="0" eaLnBrk="1" fontAlgn="base" latinLnBrk="1" hangingPunct="1">
+                        <a:lnSpc>
+                          <a:spcPct val="100000"/>
+                        </a:lnSpc>
+                        <a:spcBef>
+                          <a:spcPct val="20000"/>
+                        </a:spcBef>
+                        <a:spcAft>
+                          <a:spcPct val="0"/>
+                        </a:spcAft>
+                        <a:buClrTx/>
+                        <a:buSzTx/>
+                        <a:buFontTx/>
+                        <a:buNone/>
+                        <a:tabLst/>
+                      </a:pPr>
+                      <a:endParaRPr kumimoji="1" lang="en-US" altLang="ko-KR" sz="1050" b="1" i="0" u="none" strike="noStrike" cap="none" normalizeH="0" baseline="0" dirty="0" smtClean="0">
+                        <a:ln>
+                          <a:noFill/>
+                        </a:ln>
+                        <a:solidFill>
+                          <a:schemeClr val="tx1"/>
+                        </a:solidFill>
+                        <a:effectLst/>
+                        <a:latin typeface="메이플스토리" panose="02000300000000000000" pitchFamily="2" charset="-127"/>
+                        <a:ea typeface="메이플스토리" panose="02000300000000000000" pitchFamily="2" charset="-127"/>
+                      </a:endParaRPr>
+                    </a:p>
+                    <a:p>
+                      <a:pPr marL="0" marR="0" lvl="0" indent="0" algn="l" defTabSz="914400" rtl="0" eaLnBrk="1" fontAlgn="base" latinLnBrk="1" hangingPunct="1">
+                        <a:lnSpc>
+                          <a:spcPct val="100000"/>
+                        </a:lnSpc>
+                        <a:spcBef>
+                          <a:spcPct val="20000"/>
+                        </a:spcBef>
+                        <a:spcAft>
+                          <a:spcPct val="0"/>
+                        </a:spcAft>
+                        <a:buClrTx/>
+                        <a:buSzTx/>
+                        <a:buFontTx/>
+                        <a:buNone/>
+                        <a:tabLst/>
+                      </a:pPr>
+                      <a:endParaRPr kumimoji="1" lang="en-US" altLang="ko-KR" sz="1050" b="1" i="0" u="none" strike="noStrike" cap="none" normalizeH="0" baseline="0" dirty="0" smtClean="0">
+                        <a:ln>
+                          <a:noFill/>
+                        </a:ln>
+                        <a:solidFill>
+                          <a:schemeClr val="tx1"/>
+                        </a:solidFill>
+                        <a:effectLst/>
+                        <a:latin typeface="메이플스토리" panose="02000300000000000000" pitchFamily="2" charset="-127"/>
+                        <a:ea typeface="메이플스토리" panose="02000300000000000000" pitchFamily="2" charset="-127"/>
+                      </a:endParaRPr>
+                    </a:p>
+                  </a:txBody>
+                  <a:tcPr horzOverflow="overflow">
+                    <a:lnL w="12700" cap="flat" cmpd="sng" algn="ctr">
+                      <a:solidFill>
+                        <a:schemeClr val="bg1">
+                          <a:lumMod val="75000"/>
+                        </a:schemeClr>
+                      </a:solidFill>
+                      <a:prstDash val="solid"/>
+                      <a:round/>
+                      <a:headEnd type="none" w="med" len="med"/>
+                      <a:tailEnd type="none" w="med" len="med"/>
+                    </a:lnL>
+                    <a:lnR w="12700" cap="flat" cmpd="sng" algn="ctr">
+                      <a:solidFill>
+                        <a:schemeClr val="bg1">
+                          <a:lumMod val="75000"/>
+                        </a:schemeClr>
+                      </a:solidFill>
+                      <a:prstDash val="solid"/>
+                      <a:round/>
+                      <a:headEnd type="none" w="med" len="med"/>
+                      <a:tailEnd type="none" w="med" len="med"/>
+                    </a:lnR>
+                    <a:lnT w="12700" cap="flat" cmpd="sng" algn="ctr">
+                      <a:solidFill>
+                        <a:schemeClr val="bg1">
+                          <a:lumMod val="75000"/>
+                        </a:schemeClr>
+                      </a:solidFill>
+                      <a:prstDash val="solid"/>
+                      <a:round/>
+                      <a:headEnd type="none" w="med" len="med"/>
+                      <a:tailEnd type="none" w="med" len="med"/>
+                    </a:lnT>
+                    <a:lnB w="12700" cap="flat" cmpd="sng" algn="ctr">
+                      <a:solidFill>
+                        <a:schemeClr val="bg1">
+                          <a:lumMod val="75000"/>
+                        </a:schemeClr>
+                      </a:solidFill>
+                      <a:prstDash val="solid"/>
+                      <a:round/>
+                      <a:headEnd type="none" w="med" len="med"/>
+                      <a:tailEnd type="none" w="med" len="med"/>
+                    </a:lnB>
+                    <a:lnTlToBr>
+                      <a:noFill/>
+                    </a:lnTlToBr>
+                    <a:lnBlToTr>
+                      <a:noFill/>
+                    </a:lnBlToTr>
+                    <a:noFill/>
+                  </a:tcPr>
+                </a:tc>
+                <a:tc>
+                  <a:txBody>
+                    <a:bodyPr/>
+                    <a:lstStyle/>
+                    <a:p>
+                      <a:pPr marL="0" marR="0" lvl="0" indent="0" algn="l" defTabSz="914400" rtl="0" eaLnBrk="1" fontAlgn="base" latinLnBrk="1" hangingPunct="1">
+                        <a:lnSpc>
+                          <a:spcPct val="100000"/>
+                        </a:lnSpc>
+                        <a:spcBef>
+                          <a:spcPct val="20000"/>
+                        </a:spcBef>
+                        <a:spcAft>
+                          <a:spcPct val="0"/>
+                        </a:spcAft>
+                        <a:buClrTx/>
+                        <a:buSzTx/>
+                        <a:buFontTx/>
+                        <a:buNone/>
+                        <a:tabLst/>
+                      </a:pPr>
+                      <a:r>
+                        <a:rPr kumimoji="1" lang="en-US" altLang="ko-KR" sz="1050" b="1" i="0" u="none" strike="noStrike" cap="none" normalizeH="0" baseline="0" dirty="0" smtClean="0">
+                          <a:ln>
+                            <a:noFill/>
+                          </a:ln>
+                          <a:solidFill>
+                            <a:schemeClr val="bg2">
+                              <a:lumMod val="75000"/>
+                            </a:schemeClr>
+                          </a:solidFill>
+                          <a:effectLst/>
+                          <a:latin typeface="메이플스토리" panose="02000300000000000000" pitchFamily="2" charset="-127"/>
+                          <a:ea typeface="메이플스토리" panose="02000300000000000000" pitchFamily="2" charset="-127"/>
+                        </a:rPr>
+                        <a:t>18</a:t>
+                      </a:r>
+                    </a:p>
+                    <a:p>
+                      <a:pPr marL="0" marR="0" lvl="0" indent="0" algn="l" defTabSz="914400" rtl="0" eaLnBrk="1" fontAlgn="base" latinLnBrk="1" hangingPunct="1">
+                        <a:lnSpc>
+                          <a:spcPct val="100000"/>
+                        </a:lnSpc>
+                        <a:spcBef>
+                          <a:spcPct val="20000"/>
+                        </a:spcBef>
+                        <a:spcAft>
+                          <a:spcPct val="0"/>
+                        </a:spcAft>
+                        <a:buClrTx/>
+                        <a:buSzTx/>
+                        <a:buFontTx/>
+                        <a:buNone/>
+                        <a:tabLst/>
+                      </a:pPr>
+                      <a:r>
+                        <a:rPr kumimoji="1" lang="ko-KR" altLang="en-US" sz="1050" b="1" i="0" u="none" strike="noStrike" cap="none" normalizeH="0" baseline="0" dirty="0" smtClean="0">
+                          <a:ln>
+                            <a:noFill/>
+                          </a:ln>
+                          <a:solidFill>
+                            <a:schemeClr val="tx1"/>
+                          </a:solidFill>
+                          <a:effectLst/>
+                          <a:latin typeface="메이플스토리" panose="02000300000000000000" pitchFamily="2" charset="-127"/>
+                          <a:ea typeface="메이플스토리" panose="02000300000000000000" pitchFamily="2" charset="-127"/>
+                        </a:rPr>
+                        <a:t>졸업작품 기획 검사 시작</a:t>
+                      </a:r>
+                      <a:endParaRPr kumimoji="1" lang="en-US" altLang="ko-KR" sz="1050" b="1" i="0" u="none" strike="noStrike" cap="none" normalizeH="0" baseline="0" dirty="0" smtClean="0">
+                        <a:ln>
+                          <a:noFill/>
+                        </a:ln>
+                        <a:solidFill>
+                          <a:schemeClr val="tx1"/>
+                        </a:solidFill>
+                        <a:effectLst/>
+                        <a:latin typeface="메이플스토리" panose="02000300000000000000" pitchFamily="2" charset="-127"/>
+                        <a:ea typeface="메이플스토리" panose="02000300000000000000" pitchFamily="2" charset="-127"/>
+                      </a:endParaRPr>
+                    </a:p>
+                    <a:p>
+                      <a:pPr marL="0" marR="0" lvl="0" indent="0" algn="l" defTabSz="914400" rtl="0" eaLnBrk="1" fontAlgn="base" latinLnBrk="1" hangingPunct="1">
+                        <a:lnSpc>
+                          <a:spcPct val="100000"/>
+                        </a:lnSpc>
+                        <a:spcBef>
+                          <a:spcPct val="20000"/>
+                        </a:spcBef>
+                        <a:spcAft>
+                          <a:spcPct val="0"/>
+                        </a:spcAft>
+                        <a:buClrTx/>
+                        <a:buSzTx/>
+                        <a:buFontTx/>
+                        <a:buNone/>
+                        <a:tabLst/>
+                      </a:pPr>
+                      <a:r>
+                        <a:rPr kumimoji="1" lang="en-US" altLang="ko-KR" sz="1050" b="1" i="0" u="none" strike="noStrike" cap="none" normalizeH="0" baseline="0" dirty="0" smtClean="0">
+                          <a:ln>
+                            <a:noFill/>
+                          </a:ln>
+                          <a:solidFill>
+                            <a:schemeClr val="bg2">
+                              <a:lumMod val="75000"/>
+                            </a:schemeClr>
+                          </a:solidFill>
+                          <a:effectLst/>
+                          <a:latin typeface="메이플스토리" panose="02000300000000000000" pitchFamily="2" charset="-127"/>
+                          <a:ea typeface="메이플스토리" panose="02000300000000000000" pitchFamily="2" charset="-127"/>
+                        </a:rPr>
+                        <a:t>- 16:30</a:t>
+                      </a:r>
+                      <a:r>
+                        <a:rPr kumimoji="1" lang="ko-KR" altLang="en-US" sz="1050" b="1" i="0" u="none" strike="noStrike" cap="none" normalizeH="0" baseline="0" dirty="0" smtClean="0">
+                          <a:ln>
+                            <a:noFill/>
+                          </a:ln>
+                          <a:solidFill>
+                            <a:schemeClr val="bg2">
+                              <a:lumMod val="75000"/>
+                            </a:schemeClr>
+                          </a:solidFill>
+                          <a:effectLst/>
+                          <a:latin typeface="메이플스토리" panose="02000300000000000000" pitchFamily="2" charset="-127"/>
+                          <a:ea typeface="메이플스토리" panose="02000300000000000000" pitchFamily="2" charset="-127"/>
+                        </a:rPr>
+                        <a:t> 분 교수님 연구실</a:t>
+                      </a:r>
+                      <a:endParaRPr kumimoji="1" lang="en-US" altLang="ko-KR" sz="1050" b="1" i="0" u="none" strike="noStrike" cap="none" normalizeH="0" baseline="0" dirty="0" smtClean="0">
+                        <a:ln>
+                          <a:noFill/>
+                        </a:ln>
+                        <a:solidFill>
+                          <a:schemeClr val="bg2">
+                            <a:lumMod val="75000"/>
+                          </a:schemeClr>
+                        </a:solidFill>
+                        <a:effectLst/>
+                        <a:latin typeface="메이플스토리" panose="02000300000000000000" pitchFamily="2" charset="-127"/>
+                        <a:ea typeface="메이플스토리" panose="02000300000000000000" pitchFamily="2" charset="-127"/>
+                      </a:endParaRPr>
+                    </a:p>
+                  </a:txBody>
+                  <a:tcPr horzOverflow="overflow">
+                    <a:lnL w="12700" cap="flat" cmpd="sng" algn="ctr">
+                      <a:solidFill>
+                        <a:schemeClr val="bg1">
+                          <a:lumMod val="75000"/>
+                        </a:schemeClr>
+                      </a:solidFill>
+                      <a:prstDash val="solid"/>
+                      <a:round/>
+                      <a:headEnd type="none" w="med" len="med"/>
+                      <a:tailEnd type="none" w="med" len="med"/>
+                    </a:lnL>
+                    <a:lnR w="12700" cap="flat" cmpd="sng" algn="ctr">
+                      <a:solidFill>
+                        <a:schemeClr val="bg1">
+                          <a:lumMod val="75000"/>
+                        </a:schemeClr>
+                      </a:solidFill>
+                      <a:prstDash val="solid"/>
+                      <a:round/>
+                      <a:headEnd type="none" w="med" len="med"/>
+                      <a:tailEnd type="none" w="med" len="med"/>
+                    </a:lnR>
+                    <a:lnT w="12700" cap="flat" cmpd="sng" algn="ctr">
+                      <a:solidFill>
+                        <a:schemeClr val="bg1">
+                          <a:lumMod val="75000"/>
+                        </a:schemeClr>
+                      </a:solidFill>
+                      <a:prstDash val="solid"/>
+                      <a:round/>
+                      <a:headEnd type="none" w="med" len="med"/>
+                      <a:tailEnd type="none" w="med" len="med"/>
+                    </a:lnT>
+                    <a:lnB w="12700" cap="flat" cmpd="sng" algn="ctr">
+                      <a:solidFill>
+                        <a:schemeClr val="bg1">
+                          <a:lumMod val="75000"/>
+                        </a:schemeClr>
+                      </a:solidFill>
+                      <a:prstDash val="solid"/>
+                      <a:round/>
+                      <a:headEnd type="none" w="med" len="med"/>
+                      <a:tailEnd type="none" w="med" len="med"/>
+                    </a:lnB>
+                    <a:lnTlToBr>
+                      <a:noFill/>
+                    </a:lnTlToBr>
+                    <a:lnBlToTr>
+                      <a:noFill/>
+                    </a:lnBlToTr>
+                    <a:noFill/>
+                  </a:tcPr>
+                </a:tc>
+                <a:tc>
+                  <a:txBody>
+                    <a:bodyPr/>
+                    <a:lstStyle/>
+                    <a:p>
+                      <a:pPr marL="0" marR="0" lvl="0" indent="0" algn="l" defTabSz="914400" rtl="0" eaLnBrk="1" fontAlgn="base" latinLnBrk="1" hangingPunct="1">
+                        <a:lnSpc>
+                          <a:spcPct val="100000"/>
+                        </a:lnSpc>
+                        <a:spcBef>
+                          <a:spcPct val="20000"/>
+                        </a:spcBef>
+                        <a:spcAft>
+                          <a:spcPct val="0"/>
+                        </a:spcAft>
+                        <a:buClrTx/>
+                        <a:buSzTx/>
+                        <a:buFontTx/>
+                        <a:buNone/>
+                        <a:tabLst/>
+                      </a:pPr>
+                      <a:r>
+                        <a:rPr kumimoji="1" lang="en-US" altLang="ko-KR" sz="1050" b="1" i="0" u="none" strike="noStrike" cap="none" normalizeH="0" baseline="0" dirty="0" smtClean="0">
+                          <a:ln>
+                            <a:noFill/>
+                          </a:ln>
+                          <a:solidFill>
+                            <a:schemeClr val="bg2">
+                              <a:lumMod val="75000"/>
+                            </a:schemeClr>
+                          </a:solidFill>
+                          <a:effectLst/>
+                          <a:latin typeface="메이플스토리" panose="02000300000000000000" pitchFamily="2" charset="-127"/>
+                          <a:ea typeface="메이플스토리" panose="02000300000000000000" pitchFamily="2" charset="-127"/>
+                        </a:rPr>
+                        <a:t>19</a:t>
+                      </a:r>
+                    </a:p>
+                    <a:p>
+                      <a:pPr marL="0" marR="0" lvl="0" indent="0" algn="l" defTabSz="914400" rtl="0" eaLnBrk="1" fontAlgn="base" latinLnBrk="1" hangingPunct="1">
+                        <a:lnSpc>
+                          <a:spcPct val="100000"/>
+                        </a:lnSpc>
+                        <a:spcBef>
+                          <a:spcPct val="20000"/>
+                        </a:spcBef>
+                        <a:spcAft>
+                          <a:spcPct val="0"/>
+                        </a:spcAft>
+                        <a:buClrTx/>
+                        <a:buSzTx/>
+                        <a:buFontTx/>
+                        <a:buNone/>
+                        <a:tabLst/>
+                      </a:pPr>
+                      <a:r>
+                        <a:rPr kumimoji="1" lang="ko-KR" altLang="en-US" sz="1050" b="1" i="0" u="none" strike="noStrike" cap="none" normalizeH="0" baseline="0" dirty="0" smtClean="0">
+                          <a:ln>
+                            <a:noFill/>
+                          </a:ln>
+                          <a:solidFill>
+                            <a:schemeClr val="tx1"/>
+                          </a:solidFill>
+                          <a:effectLst/>
+                          <a:latin typeface="메이플스토리" panose="02000300000000000000" pitchFamily="2" charset="-127"/>
+                          <a:ea typeface="메이플스토리" panose="02000300000000000000" pitchFamily="2" charset="-127"/>
+                        </a:rPr>
+                        <a:t>교수님 피드백을 바탕으로 기획</a:t>
+                      </a:r>
+                      <a:r>
+                        <a:rPr kumimoji="1" lang="en-US" altLang="ko-KR" sz="1050" b="1" i="0" u="none" strike="noStrike" cap="none" normalizeH="0" baseline="0" dirty="0" smtClean="0">
+                          <a:ln>
+                            <a:noFill/>
+                          </a:ln>
+                          <a:solidFill>
+                            <a:schemeClr val="tx1"/>
+                          </a:solidFill>
+                          <a:effectLst/>
+                          <a:latin typeface="메이플스토리" panose="02000300000000000000" pitchFamily="2" charset="-127"/>
+                          <a:ea typeface="메이플스토리" panose="02000300000000000000" pitchFamily="2" charset="-127"/>
+                        </a:rPr>
+                        <a:t>, </a:t>
+                      </a:r>
+                      <a:r>
+                        <a:rPr kumimoji="1" lang="ko-KR" altLang="en-US" sz="1050" b="1" i="0" u="none" strike="noStrike" cap="none" normalizeH="0" baseline="0" dirty="0" smtClean="0">
+                          <a:ln>
+                            <a:noFill/>
+                          </a:ln>
+                          <a:solidFill>
+                            <a:schemeClr val="tx1"/>
+                          </a:solidFill>
+                          <a:effectLst/>
+                          <a:latin typeface="메이플스토리" panose="02000300000000000000" pitchFamily="2" charset="-127"/>
+                          <a:ea typeface="메이플스토리" panose="02000300000000000000" pitchFamily="2" charset="-127"/>
+                        </a:rPr>
+                        <a:t>계획 수정</a:t>
+                      </a:r>
+                      <a:endParaRPr kumimoji="1" lang="en-US" altLang="ko-KR" sz="1050" b="1" i="0" u="none" strike="noStrike" cap="none" normalizeH="0" baseline="0" dirty="0" smtClean="0">
+                        <a:ln>
+                          <a:noFill/>
+                        </a:ln>
+                        <a:solidFill>
+                          <a:schemeClr val="tx1"/>
+                        </a:solidFill>
+                        <a:effectLst/>
+                        <a:latin typeface="메이플스토리" panose="02000300000000000000" pitchFamily="2" charset="-127"/>
+                        <a:ea typeface="메이플스토리" panose="02000300000000000000" pitchFamily="2" charset="-127"/>
+                      </a:endParaRPr>
+                    </a:p>
+                    <a:p>
+                      <a:pPr marL="0" marR="0" lvl="0" indent="0" algn="l" defTabSz="914400" rtl="0" eaLnBrk="1" fontAlgn="base" latinLnBrk="1" hangingPunct="1">
+                        <a:lnSpc>
+                          <a:spcPct val="100000"/>
+                        </a:lnSpc>
+                        <a:spcBef>
+                          <a:spcPct val="20000"/>
+                        </a:spcBef>
+                        <a:spcAft>
+                          <a:spcPct val="0"/>
+                        </a:spcAft>
+                        <a:buClrTx/>
+                        <a:buSzTx/>
+                        <a:buFontTx/>
+                        <a:buNone/>
+                        <a:tabLst/>
+                      </a:pPr>
+                      <a:r>
+                        <a:rPr kumimoji="1" lang="ko-KR" altLang="en-US" sz="1050" b="1" i="0" u="none" strike="noStrike" cap="none" normalizeH="0" baseline="0" dirty="0" smtClean="0">
+                          <a:ln>
+                            <a:noFill/>
+                          </a:ln>
+                          <a:solidFill>
+                            <a:schemeClr val="tx1"/>
+                          </a:solidFill>
+                          <a:effectLst/>
+                          <a:latin typeface="메이플스토리" panose="02000300000000000000" pitchFamily="2" charset="-127"/>
+                          <a:ea typeface="메이플스토리" panose="02000300000000000000" pitchFamily="2" charset="-127"/>
+                        </a:rPr>
+                        <a:t>비슷한 분위기의 게임 언 팩 </a:t>
+                      </a:r>
+                      <a:r>
+                        <a:rPr kumimoji="1" lang="en-US" altLang="ko-KR" sz="1050" b="1" i="0" u="none" strike="noStrike" cap="none" normalizeH="0" baseline="0" dirty="0" smtClean="0">
+                          <a:ln>
+                            <a:noFill/>
+                          </a:ln>
+                          <a:solidFill>
+                            <a:schemeClr val="tx1"/>
+                          </a:solidFill>
+                          <a:effectLst/>
+                          <a:latin typeface="메이플스토리" panose="02000300000000000000" pitchFamily="2" charset="-127"/>
+                          <a:ea typeface="메이플스토리" panose="02000300000000000000" pitchFamily="2" charset="-127"/>
+                        </a:rPr>
+                        <a:t>/</a:t>
+                      </a:r>
+                      <a:r>
+                        <a:rPr kumimoji="1" lang="ko-KR" altLang="en-US" sz="1050" b="1" i="0" u="none" strike="noStrike" cap="none" normalizeH="0" baseline="0" dirty="0" smtClean="0">
+                          <a:ln>
+                            <a:noFill/>
+                          </a:ln>
+                          <a:solidFill>
+                            <a:schemeClr val="tx1"/>
+                          </a:solidFill>
+                          <a:effectLst/>
+                          <a:latin typeface="메이플스토리" panose="02000300000000000000" pitchFamily="2" charset="-127"/>
+                          <a:ea typeface="메이플스토리" panose="02000300000000000000" pitchFamily="2" charset="-127"/>
+                        </a:rPr>
+                        <a:t>모델 정리 시작</a:t>
+                      </a:r>
+                      <a:endParaRPr kumimoji="1" lang="en-US" altLang="ko-KR" sz="1050" b="1" i="0" u="none" strike="noStrike" cap="none" normalizeH="0" baseline="0" dirty="0" smtClean="0">
+                        <a:ln>
+                          <a:noFill/>
+                        </a:ln>
+                        <a:solidFill>
+                          <a:schemeClr val="tx1"/>
+                        </a:solidFill>
+                        <a:effectLst/>
+                        <a:latin typeface="메이플스토리" panose="02000300000000000000" pitchFamily="2" charset="-127"/>
+                        <a:ea typeface="메이플스토리" panose="02000300000000000000" pitchFamily="2" charset="-127"/>
+                      </a:endParaRPr>
+                    </a:p>
+                    <a:p>
+                      <a:pPr marL="0" marR="0" lvl="0" indent="0" algn="l" defTabSz="914400" rtl="0" eaLnBrk="1" fontAlgn="base" latinLnBrk="1" hangingPunct="1">
+                        <a:lnSpc>
+                          <a:spcPct val="100000"/>
+                        </a:lnSpc>
+                        <a:spcBef>
+                          <a:spcPct val="20000"/>
+                        </a:spcBef>
+                        <a:spcAft>
+                          <a:spcPct val="0"/>
+                        </a:spcAft>
+                        <a:buClrTx/>
+                        <a:buSzTx/>
+                        <a:buFontTx/>
+                        <a:buNone/>
+                        <a:tabLst/>
+                      </a:pPr>
+                      <a:r>
+                        <a:rPr kumimoji="1" lang="en-US" altLang="ko-KR" sz="1050" b="1" i="0" u="none" strike="noStrike" cap="none" normalizeH="0" baseline="0" dirty="0" smtClean="0">
+                          <a:ln>
+                            <a:noFill/>
+                          </a:ln>
+                          <a:solidFill>
+                            <a:schemeClr val="bg2">
+                              <a:lumMod val="75000"/>
+                            </a:schemeClr>
+                          </a:solidFill>
+                          <a:effectLst/>
+                          <a:latin typeface="메이플스토리" panose="02000300000000000000" pitchFamily="2" charset="-127"/>
+                          <a:ea typeface="메이플스토리" panose="02000300000000000000" pitchFamily="2" charset="-127"/>
+                        </a:rPr>
+                        <a:t>- A way out </a:t>
+                      </a:r>
+                      <a:r>
+                        <a:rPr kumimoji="1" lang="ko-KR" altLang="en-US" sz="1050" b="1" i="0" u="none" strike="noStrike" cap="none" normalizeH="0" baseline="0" dirty="0" smtClean="0">
+                          <a:ln>
+                            <a:noFill/>
+                          </a:ln>
+                          <a:solidFill>
+                            <a:schemeClr val="bg2">
+                              <a:lumMod val="75000"/>
+                            </a:schemeClr>
+                          </a:solidFill>
+                          <a:effectLst/>
+                          <a:latin typeface="메이플스토리" panose="02000300000000000000" pitchFamily="2" charset="-127"/>
+                          <a:ea typeface="메이플스토리" panose="02000300000000000000" pitchFamily="2" charset="-127"/>
+                        </a:rPr>
+                        <a:t>다운</a:t>
+                      </a:r>
+                      <a:r>
+                        <a:rPr kumimoji="1" lang="en-US" altLang="ko-KR" sz="1050" b="1" i="0" u="none" strike="noStrike" cap="none" normalizeH="0" baseline="0" dirty="0" smtClean="0">
+                          <a:ln>
+                            <a:noFill/>
+                          </a:ln>
+                          <a:solidFill>
+                            <a:schemeClr val="bg2">
+                              <a:lumMod val="75000"/>
+                            </a:schemeClr>
+                          </a:solidFill>
+                          <a:effectLst/>
+                          <a:latin typeface="메이플스토리" panose="02000300000000000000" pitchFamily="2" charset="-127"/>
+                          <a:ea typeface="메이플스토리" panose="02000300000000000000" pitchFamily="2" charset="-127"/>
+                        </a:rPr>
+                        <a:t>, </a:t>
+                      </a:r>
+                      <a:r>
+                        <a:rPr kumimoji="1" lang="ko-KR" altLang="en-US" sz="1050" b="1" i="0" u="none" strike="noStrike" cap="none" normalizeH="0" baseline="0" dirty="0" smtClean="0">
+                          <a:ln>
+                            <a:noFill/>
+                          </a:ln>
+                          <a:solidFill>
+                            <a:schemeClr val="bg2">
+                              <a:lumMod val="75000"/>
+                            </a:schemeClr>
+                          </a:solidFill>
+                          <a:effectLst/>
+                          <a:latin typeface="메이플스토리" panose="02000300000000000000" pitchFamily="2" charset="-127"/>
+                          <a:ea typeface="메이플스토리" panose="02000300000000000000" pitchFamily="2" charset="-127"/>
+                        </a:rPr>
+                        <a:t>언 팩 </a:t>
+                      </a:r>
+                      <a:endParaRPr kumimoji="1" lang="en-US" altLang="ko-KR" sz="1050" b="1" i="0" u="none" strike="noStrike" cap="none" normalizeH="0" baseline="0" dirty="0" smtClean="0">
+                        <a:ln>
+                          <a:noFill/>
+                        </a:ln>
+                        <a:solidFill>
+                          <a:schemeClr val="bg2">
+                            <a:lumMod val="75000"/>
+                          </a:schemeClr>
+                        </a:solidFill>
+                        <a:effectLst/>
+                        <a:latin typeface="메이플스토리" panose="02000300000000000000" pitchFamily="2" charset="-127"/>
+                        <a:ea typeface="메이플스토리" panose="02000300000000000000" pitchFamily="2" charset="-127"/>
+                      </a:endParaRPr>
+                    </a:p>
+                  </a:txBody>
+                  <a:tcPr horzOverflow="overflow">
+                    <a:lnL w="12700" cap="flat" cmpd="sng" algn="ctr">
+                      <a:solidFill>
+                        <a:schemeClr val="bg1">
+                          <a:lumMod val="75000"/>
+                        </a:schemeClr>
+                      </a:solidFill>
+                      <a:prstDash val="solid"/>
+                      <a:round/>
+                      <a:headEnd type="none" w="med" len="med"/>
+                      <a:tailEnd type="none" w="med" len="med"/>
+                    </a:lnL>
+                    <a:lnR w="12700" cap="flat" cmpd="sng" algn="ctr">
+                      <a:solidFill>
+                        <a:schemeClr val="bg1">
+                          <a:lumMod val="75000"/>
+                        </a:schemeClr>
+                      </a:solidFill>
+                      <a:prstDash val="solid"/>
+                      <a:round/>
+                      <a:headEnd type="none" w="med" len="med"/>
+                      <a:tailEnd type="none" w="med" len="med"/>
+                    </a:lnR>
+                    <a:lnT w="12700" cap="flat" cmpd="sng" algn="ctr">
+                      <a:solidFill>
+                        <a:schemeClr val="bg1">
+                          <a:lumMod val="75000"/>
+                        </a:schemeClr>
+                      </a:solidFill>
+                      <a:prstDash val="solid"/>
+                      <a:round/>
+                      <a:headEnd type="none" w="med" len="med"/>
+                      <a:tailEnd type="none" w="med" len="med"/>
+                    </a:lnT>
+                    <a:lnB w="12700" cap="flat" cmpd="sng" algn="ctr">
+                      <a:solidFill>
+                        <a:schemeClr val="bg1">
+                          <a:lumMod val="75000"/>
+                        </a:schemeClr>
+                      </a:solidFill>
+                      <a:prstDash val="solid"/>
+                      <a:round/>
+                      <a:headEnd type="none" w="med" len="med"/>
+                      <a:tailEnd type="none" w="med" len="med"/>
+                    </a:lnB>
+                    <a:lnTlToBr>
+                      <a:noFill/>
+                    </a:lnTlToBr>
+                    <a:lnBlToTr>
+                      <a:noFill/>
+                    </a:lnBlToTr>
+                    <a:noFill/>
+                  </a:tcPr>
+                </a:tc>
+                <a:tc>
+                  <a:txBody>
+                    <a:bodyPr/>
+                    <a:lstStyle/>
+                    <a:p>
+                      <a:pPr marL="0" marR="0" lvl="0" indent="0" algn="l" defTabSz="914400" rtl="0" eaLnBrk="1" fontAlgn="base" latinLnBrk="1" hangingPunct="1">
+                        <a:lnSpc>
+                          <a:spcPct val="100000"/>
+                        </a:lnSpc>
+                        <a:spcBef>
+                          <a:spcPct val="20000"/>
+                        </a:spcBef>
+                        <a:spcAft>
+                          <a:spcPct val="0"/>
+                        </a:spcAft>
+                        <a:buClrTx/>
+                        <a:buSzTx/>
+                        <a:buFontTx/>
+                        <a:buNone/>
+                        <a:tabLst/>
+                      </a:pPr>
+                      <a:r>
+                        <a:rPr kumimoji="1" lang="en-US" altLang="ko-KR" sz="1050" b="1" i="0" u="none" strike="noStrike" cap="none" normalizeH="0" baseline="0" dirty="0" smtClean="0">
+                          <a:ln>
+                            <a:noFill/>
+                          </a:ln>
+                          <a:solidFill>
+                            <a:schemeClr val="bg2">
+                              <a:lumMod val="75000"/>
+                            </a:schemeClr>
+                          </a:solidFill>
+                          <a:effectLst/>
+                          <a:latin typeface="메이플스토리" panose="02000300000000000000" pitchFamily="2" charset="-127"/>
+                          <a:ea typeface="메이플스토리" panose="02000300000000000000" pitchFamily="2" charset="-127"/>
+                        </a:rPr>
+                        <a:t>20  </a:t>
                       </a:r>
                       <a:endParaRPr kumimoji="1" lang="en-US" altLang="ko-KR" sz="1050" b="1" i="0" u="none" strike="noStrike" cap="none" normalizeH="0" baseline="0" dirty="0" smtClean="0">
                         <a:ln>
@@ -5889,7 +6711,7 @@
                           <a:latin typeface="메이플스토리" panose="02000300000000000000" pitchFamily="2" charset="-127"/>
                           <a:ea typeface="메이플스토리" panose="02000300000000000000" pitchFamily="2" charset="-127"/>
                         </a:rPr>
-                        <a:t>졸업작품 회의</a:t>
+                        <a:t>부족한 공부 시작</a:t>
                       </a:r>
                       <a:endParaRPr kumimoji="1" lang="en-US" altLang="ko-KR" sz="1050" b="1" i="0" u="none" strike="noStrike" cap="none" normalizeH="0" baseline="0" dirty="0" smtClean="0">
                         <a:ln>
@@ -5932,7 +6754,7 @@
                           <a:latin typeface="메이플스토리" panose="02000300000000000000" pitchFamily="2" charset="-127"/>
                           <a:ea typeface="메이플스토리" panose="02000300000000000000" pitchFamily="2" charset="-127"/>
                         </a:rPr>
-                        <a:t>- </a:t>
+                        <a:t>(</a:t>
                       </a:r>
                       <a:r>
                         <a:rPr kumimoji="1" lang="ko-KR" altLang="en-US" sz="1050" b="1" i="0" u="none" strike="noStrike" cap="none" normalizeH="0" baseline="0" dirty="0" smtClean="0">
@@ -5946,7 +6768,7 @@
                           <a:latin typeface="메이플스토리" panose="02000300000000000000" pitchFamily="2" charset="-127"/>
                           <a:ea typeface="메이플스토리" panose="02000300000000000000" pitchFamily="2" charset="-127"/>
                         </a:rPr>
-                        <a:t>게임 기획서 정리 </a:t>
+                        <a:t>수학</a:t>
                       </a:r>
                       <a:r>
                         <a:rPr kumimoji="1" lang="en-US" altLang="ko-KR" sz="1050" b="1" i="0" u="none" strike="noStrike" cap="none" normalizeH="0" baseline="0" dirty="0" smtClean="0">
@@ -5960,7 +6782,7 @@
                           <a:latin typeface="메이플스토리" panose="02000300000000000000" pitchFamily="2" charset="-127"/>
                           <a:ea typeface="메이플스토리" panose="02000300000000000000" pitchFamily="2" charset="-127"/>
                         </a:rPr>
-                        <a:t>&amp; </a:t>
+                        <a:t>, </a:t>
                       </a:r>
                       <a:r>
                         <a:rPr kumimoji="1" lang="ko-KR" altLang="en-US" sz="1050" b="1" i="0" u="none" strike="noStrike" cap="none" normalizeH="0" baseline="0" dirty="0" smtClean="0">
@@ -5974,111 +6796,21 @@
                           <a:latin typeface="메이플스토리" panose="02000300000000000000" pitchFamily="2" charset="-127"/>
                           <a:ea typeface="메이플스토리" panose="02000300000000000000" pitchFamily="2" charset="-127"/>
                         </a:rPr>
-                        <a:t>수정</a:t>
-                      </a:r>
-                      <a:endParaRPr kumimoji="1" lang="en-US" altLang="ko-KR" sz="1050" b="1" i="0" u="none" strike="noStrike" cap="none" normalizeH="0" baseline="0" dirty="0" smtClean="0">
-                        <a:ln>
-                          <a:noFill/>
-                        </a:ln>
-                        <a:solidFill>
-                          <a:schemeClr val="tx1"/>
-                        </a:solidFill>
-                        <a:effectLst/>
-                        <a:latin typeface="메이플스토리" panose="02000300000000000000" pitchFamily="2" charset="-127"/>
-                        <a:ea typeface="메이플스토리" panose="02000300000000000000" pitchFamily="2" charset="-127"/>
-                      </a:endParaRPr>
-                    </a:p>
-                  </a:txBody>
-                  <a:tcPr horzOverflow="overflow">
-                    <a:lnL w="12700" cap="flat" cmpd="sng" algn="ctr">
-                      <a:solidFill>
-                        <a:schemeClr val="bg1">
-                          <a:lumMod val="75000"/>
-                        </a:schemeClr>
-                      </a:solidFill>
-                      <a:prstDash val="solid"/>
-                      <a:round/>
-                      <a:headEnd type="none" w="med" len="med"/>
-                      <a:tailEnd type="none" w="med" len="med"/>
-                    </a:lnL>
-                    <a:lnR w="12700" cap="flat" cmpd="sng" algn="ctr">
-                      <a:solidFill>
-                        <a:schemeClr val="bg1">
-                          <a:lumMod val="75000"/>
-                        </a:schemeClr>
-                      </a:solidFill>
-                      <a:prstDash val="solid"/>
-                      <a:round/>
-                      <a:headEnd type="none" w="med" len="med"/>
-                      <a:tailEnd type="none" w="med" len="med"/>
-                    </a:lnR>
-                    <a:lnT w="12700" cap="flat" cmpd="sng" algn="ctr">
-                      <a:solidFill>
-                        <a:schemeClr val="bg1">
-                          <a:lumMod val="75000"/>
-                        </a:schemeClr>
-                      </a:solidFill>
-                      <a:prstDash val="solid"/>
-                      <a:round/>
-                      <a:headEnd type="none" w="med" len="med"/>
-                      <a:tailEnd type="none" w="med" len="med"/>
-                    </a:lnT>
-                    <a:lnB w="12700" cap="flat" cmpd="sng" algn="ctr">
-                      <a:solidFill>
-                        <a:schemeClr val="bg1">
-                          <a:lumMod val="75000"/>
-                        </a:schemeClr>
-                      </a:solidFill>
-                      <a:prstDash val="solid"/>
-                      <a:round/>
-                      <a:headEnd type="none" w="med" len="med"/>
-                      <a:tailEnd type="none" w="med" len="med"/>
-                    </a:lnB>
-                    <a:lnTlToBr>
-                      <a:noFill/>
-                    </a:lnTlToBr>
-                    <a:lnBlToTr>
-                      <a:noFill/>
-                    </a:lnBlToTr>
-                    <a:noFill/>
-                  </a:tcPr>
-                </a:tc>
-                <a:tc>
-                  <a:txBody>
-                    <a:bodyPr/>
-                    <a:lstStyle/>
-                    <a:p>
-                      <a:pPr marL="0" marR="0" lvl="0" indent="0" algn="l" defTabSz="914400" rtl="0" eaLnBrk="1" fontAlgn="base" latinLnBrk="1" hangingPunct="1">
-                        <a:lnSpc>
-                          <a:spcPct val="100000"/>
-                        </a:lnSpc>
-                        <a:spcBef>
-                          <a:spcPct val="20000"/>
-                        </a:spcBef>
-                        <a:spcAft>
-                          <a:spcPct val="0"/>
-                        </a:spcAft>
-                        <a:buClrTx/>
-                        <a:buSzTx/>
-                        <a:buFontTx/>
-                        <a:buNone/>
-                        <a:tabLst/>
-                      </a:pPr>
+                        <a:t>다이렉트 </a:t>
+                      </a:r>
                       <a:r>
                         <a:rPr kumimoji="1" lang="en-US" altLang="ko-KR" sz="1050" b="1" i="0" u="none" strike="noStrike" cap="none" normalizeH="0" baseline="0" dirty="0" smtClean="0">
                           <a:ln>
                             <a:noFill/>
                           </a:ln>
                           <a:solidFill>
-                            <a:schemeClr val="bg2">
-                              <a:lumMod val="75000"/>
-                            </a:schemeClr>
-                          </a:solidFill>
-                          <a:effectLst/>
-                          <a:latin typeface="메이플스토리" panose="02000300000000000000" pitchFamily="2" charset="-127"/>
-                          <a:ea typeface="메이플스토리" panose="02000300000000000000" pitchFamily="2" charset="-127"/>
-                        </a:rPr>
-                        <a:t>18</a:t>
+                            <a:schemeClr val="tx1"/>
+                          </a:solidFill>
+                          <a:effectLst/>
+                          <a:latin typeface="메이플스토리" panose="02000300000000000000" pitchFamily="2" charset="-127"/>
+                          <a:ea typeface="메이플스토리" panose="02000300000000000000" pitchFamily="2" charset="-127"/>
+                        </a:rPr>
+                        <a:t>12…)</a:t>
                       </a:r>
                     </a:p>
                     <a:p>
@@ -6110,7 +6842,7 @@
                           <a:latin typeface="메이플스토리" panose="02000300000000000000" pitchFamily="2" charset="-127"/>
                           <a:ea typeface="메이플스토리" panose="02000300000000000000" pitchFamily="2" charset="-127"/>
                         </a:rPr>
-                        <a:t>졸업작품 기획 검사 시작</a:t>
+                        <a:t>필요한 게임 모델 정리 </a:t>
                       </a:r>
                       <a:endParaRPr kumimoji="1" lang="en-US" altLang="ko-KR" sz="1050" b="1" i="0" u="none" strike="noStrike" cap="none" normalizeH="0" baseline="0" dirty="0" smtClean="0">
                         <a:ln>
@@ -6123,255 +6855,6 @@
                         <a:latin typeface="메이플스토리" panose="02000300000000000000" pitchFamily="2" charset="-127"/>
                         <a:ea typeface="메이플스토리" panose="02000300000000000000" pitchFamily="2" charset="-127"/>
                       </a:endParaRPr>
-                    </a:p>
-                    <a:p>
-                      <a:pPr marL="0" marR="0" lvl="0" indent="0" algn="l" defTabSz="914400" rtl="0" eaLnBrk="1" fontAlgn="base" latinLnBrk="1" hangingPunct="1">
-                        <a:lnSpc>
-                          <a:spcPct val="100000"/>
-                        </a:lnSpc>
-                        <a:spcBef>
-                          <a:spcPct val="20000"/>
-                        </a:spcBef>
-                        <a:spcAft>
-                          <a:spcPct val="0"/>
-                        </a:spcAft>
-                        <a:buClrTx/>
-                        <a:buSzTx/>
-                        <a:buFontTx/>
-                        <a:buNone/>
-                        <a:tabLst/>
-                      </a:pPr>
-                      <a:r>
-                        <a:rPr kumimoji="1" lang="en-US" altLang="ko-KR" sz="1050" b="1" i="0" u="none" strike="noStrike" cap="none" normalizeH="0" baseline="0" dirty="0" smtClean="0">
-                          <a:ln>
-                            <a:noFill/>
-                          </a:ln>
-                          <a:solidFill>
-                            <a:schemeClr val="bg2">
-                              <a:lumMod val="75000"/>
-                            </a:schemeClr>
-                          </a:solidFill>
-                          <a:effectLst/>
-                          <a:latin typeface="메이플스토리" panose="02000300000000000000" pitchFamily="2" charset="-127"/>
-                          <a:ea typeface="메이플스토리" panose="02000300000000000000" pitchFamily="2" charset="-127"/>
-                        </a:rPr>
-                        <a:t>- 16:30</a:t>
-                      </a:r>
-                      <a:r>
-                        <a:rPr kumimoji="1" lang="ko-KR" altLang="en-US" sz="1050" b="1" i="0" u="none" strike="noStrike" cap="none" normalizeH="0" baseline="0" dirty="0" smtClean="0">
-                          <a:ln>
-                            <a:noFill/>
-                          </a:ln>
-                          <a:solidFill>
-                            <a:schemeClr val="bg2">
-                              <a:lumMod val="75000"/>
-                            </a:schemeClr>
-                          </a:solidFill>
-                          <a:effectLst/>
-                          <a:latin typeface="메이플스토리" panose="02000300000000000000" pitchFamily="2" charset="-127"/>
-                          <a:ea typeface="메이플스토리" panose="02000300000000000000" pitchFamily="2" charset="-127"/>
-                        </a:rPr>
-                        <a:t> 분 교수님 연구실</a:t>
-                      </a:r>
-                      <a:endParaRPr kumimoji="1" lang="en-US" altLang="ko-KR" sz="1050" b="1" i="0" u="none" strike="noStrike" cap="none" normalizeH="0" baseline="0" dirty="0" smtClean="0">
-                        <a:ln>
-                          <a:noFill/>
-                        </a:ln>
-                        <a:solidFill>
-                          <a:schemeClr val="bg2">
-                            <a:lumMod val="75000"/>
-                          </a:schemeClr>
-                        </a:solidFill>
-                        <a:effectLst/>
-                        <a:latin typeface="메이플스토리" panose="02000300000000000000" pitchFamily="2" charset="-127"/>
-                        <a:ea typeface="메이플스토리" panose="02000300000000000000" pitchFamily="2" charset="-127"/>
-                      </a:endParaRPr>
-                    </a:p>
-                  </a:txBody>
-                  <a:tcPr horzOverflow="overflow">
-                    <a:lnL w="12700" cap="flat" cmpd="sng" algn="ctr">
-                      <a:solidFill>
-                        <a:schemeClr val="bg1">
-                          <a:lumMod val="75000"/>
-                        </a:schemeClr>
-                      </a:solidFill>
-                      <a:prstDash val="solid"/>
-                      <a:round/>
-                      <a:headEnd type="none" w="med" len="med"/>
-                      <a:tailEnd type="none" w="med" len="med"/>
-                    </a:lnL>
-                    <a:lnR w="12700" cap="flat" cmpd="sng" algn="ctr">
-                      <a:solidFill>
-                        <a:schemeClr val="bg1">
-                          <a:lumMod val="75000"/>
-                        </a:schemeClr>
-                      </a:solidFill>
-                      <a:prstDash val="solid"/>
-                      <a:round/>
-                      <a:headEnd type="none" w="med" len="med"/>
-                      <a:tailEnd type="none" w="med" len="med"/>
-                    </a:lnR>
-                    <a:lnT w="12700" cap="flat" cmpd="sng" algn="ctr">
-                      <a:solidFill>
-                        <a:schemeClr val="bg1">
-                          <a:lumMod val="75000"/>
-                        </a:schemeClr>
-                      </a:solidFill>
-                      <a:prstDash val="solid"/>
-                      <a:round/>
-                      <a:headEnd type="none" w="med" len="med"/>
-                      <a:tailEnd type="none" w="med" len="med"/>
-                    </a:lnT>
-                    <a:lnB w="12700" cap="flat" cmpd="sng" algn="ctr">
-                      <a:solidFill>
-                        <a:schemeClr val="bg1">
-                          <a:lumMod val="75000"/>
-                        </a:schemeClr>
-                      </a:solidFill>
-                      <a:prstDash val="solid"/>
-                      <a:round/>
-                      <a:headEnd type="none" w="med" len="med"/>
-                      <a:tailEnd type="none" w="med" len="med"/>
-                    </a:lnB>
-                    <a:lnTlToBr>
-                      <a:noFill/>
-                    </a:lnTlToBr>
-                    <a:lnBlToTr>
-                      <a:noFill/>
-                    </a:lnBlToTr>
-                    <a:noFill/>
-                  </a:tcPr>
-                </a:tc>
-                <a:tc>
-                  <a:txBody>
-                    <a:bodyPr/>
-                    <a:lstStyle/>
-                    <a:p>
-                      <a:pPr marL="0" marR="0" lvl="0" indent="0" algn="l" defTabSz="914400" rtl="0" eaLnBrk="1" fontAlgn="base" latinLnBrk="1" hangingPunct="1">
-                        <a:lnSpc>
-                          <a:spcPct val="100000"/>
-                        </a:lnSpc>
-                        <a:spcBef>
-                          <a:spcPct val="20000"/>
-                        </a:spcBef>
-                        <a:spcAft>
-                          <a:spcPct val="0"/>
-                        </a:spcAft>
-                        <a:buClrTx/>
-                        <a:buSzTx/>
-                        <a:buFontTx/>
-                        <a:buNone/>
-                        <a:tabLst/>
-                      </a:pPr>
-                      <a:r>
-                        <a:rPr kumimoji="1" lang="en-US" altLang="ko-KR" sz="1050" b="1" i="0" u="none" strike="noStrike" cap="none" normalizeH="0" baseline="0" dirty="0" smtClean="0">
-                          <a:ln>
-                            <a:noFill/>
-                          </a:ln>
-                          <a:solidFill>
-                            <a:schemeClr val="bg2">
-                              <a:lumMod val="75000"/>
-                            </a:schemeClr>
-                          </a:solidFill>
-                          <a:effectLst/>
-                          <a:latin typeface="메이플스토리" panose="02000300000000000000" pitchFamily="2" charset="-127"/>
-                          <a:ea typeface="메이플스토리" panose="02000300000000000000" pitchFamily="2" charset="-127"/>
-                        </a:rPr>
-                        <a:t>19</a:t>
-                      </a:r>
-                    </a:p>
-                  </a:txBody>
-                  <a:tcPr horzOverflow="overflow">
-                    <a:lnL w="12700" cap="flat" cmpd="sng" algn="ctr">
-                      <a:solidFill>
-                        <a:schemeClr val="bg1">
-                          <a:lumMod val="75000"/>
-                        </a:schemeClr>
-                      </a:solidFill>
-                      <a:prstDash val="solid"/>
-                      <a:round/>
-                      <a:headEnd type="none" w="med" len="med"/>
-                      <a:tailEnd type="none" w="med" len="med"/>
-                    </a:lnL>
-                    <a:lnR w="12700" cap="flat" cmpd="sng" algn="ctr">
-                      <a:solidFill>
-                        <a:schemeClr val="bg1">
-                          <a:lumMod val="75000"/>
-                        </a:schemeClr>
-                      </a:solidFill>
-                      <a:prstDash val="solid"/>
-                      <a:round/>
-                      <a:headEnd type="none" w="med" len="med"/>
-                      <a:tailEnd type="none" w="med" len="med"/>
-                    </a:lnR>
-                    <a:lnT w="12700" cap="flat" cmpd="sng" algn="ctr">
-                      <a:solidFill>
-                        <a:schemeClr val="bg1">
-                          <a:lumMod val="75000"/>
-                        </a:schemeClr>
-                      </a:solidFill>
-                      <a:prstDash val="solid"/>
-                      <a:round/>
-                      <a:headEnd type="none" w="med" len="med"/>
-                      <a:tailEnd type="none" w="med" len="med"/>
-                    </a:lnT>
-                    <a:lnB w="12700" cap="flat" cmpd="sng" algn="ctr">
-                      <a:solidFill>
-                        <a:schemeClr val="bg1">
-                          <a:lumMod val="75000"/>
-                        </a:schemeClr>
-                      </a:solidFill>
-                      <a:prstDash val="solid"/>
-                      <a:round/>
-                      <a:headEnd type="none" w="med" len="med"/>
-                      <a:tailEnd type="none" w="med" len="med"/>
-                    </a:lnB>
-                    <a:lnTlToBr>
-                      <a:noFill/>
-                    </a:lnTlToBr>
-                    <a:lnBlToTr>
-                      <a:noFill/>
-                    </a:lnBlToTr>
-                    <a:noFill/>
-                  </a:tcPr>
-                </a:tc>
-                <a:tc>
-                  <a:txBody>
-                    <a:bodyPr/>
-                    <a:lstStyle/>
-                    <a:p>
-                      <a:pPr marL="0" marR="0" lvl="0" indent="0" algn="l" defTabSz="914400" rtl="0" eaLnBrk="1" fontAlgn="base" latinLnBrk="1" hangingPunct="1">
-                        <a:lnSpc>
-                          <a:spcPct val="100000"/>
-                        </a:lnSpc>
-                        <a:spcBef>
-                          <a:spcPct val="20000"/>
-                        </a:spcBef>
-                        <a:spcAft>
-                          <a:spcPct val="0"/>
-                        </a:spcAft>
-                        <a:buClrTx/>
-                        <a:buSzTx/>
-                        <a:buFontTx/>
-                        <a:buNone/>
-                        <a:tabLst/>
-                      </a:pPr>
-                      <a:r>
-                        <a:rPr kumimoji="1" lang="en-US" altLang="ko-KR" sz="1050" b="1" i="0" u="none" strike="noStrike" cap="none" normalizeH="0" baseline="0" dirty="0" smtClean="0">
-                          <a:ln>
-                            <a:noFill/>
-                          </a:ln>
-                          <a:solidFill>
-                            <a:schemeClr val="bg2">
-                              <a:lumMod val="75000"/>
-                            </a:schemeClr>
-                          </a:solidFill>
-                          <a:effectLst/>
-                          <a:latin typeface="메이플스토리" panose="02000300000000000000" pitchFamily="2" charset="-127"/>
-                          <a:ea typeface="메이플스토리" panose="02000300000000000000" pitchFamily="2" charset="-127"/>
-                        </a:rPr>
-                        <a:t>20  </a:t>
-                      </a:r>
                     </a:p>
                   </a:txBody>
                   <a:tcPr horzOverflow="overflow">

--- a/LSY_Weekly/졸작위클리플랜.pptx
+++ b/LSY_Weekly/졸작위클리플랜.pptx
@@ -246,7 +246,7 @@
           <a:p>
             <a:fld id="{7B93B1CF-19A2-4A5A-8278-D6E633D4BA1E}" type="datetimeFigureOut">
               <a:rPr lang="ko-KR" altLang="en-US" smtClean="0"/>
-              <a:t>2019-09-17</a:t>
+              <a:t>2019-09-18</a:t>
             </a:fld>
             <a:endParaRPr lang="ko-KR" altLang="en-US"/>
           </a:p>
@@ -416,7 +416,7 @@
           <a:p>
             <a:fld id="{7B93B1CF-19A2-4A5A-8278-D6E633D4BA1E}" type="datetimeFigureOut">
               <a:rPr lang="ko-KR" altLang="en-US" smtClean="0"/>
-              <a:t>2019-09-17</a:t>
+              <a:t>2019-09-18</a:t>
             </a:fld>
             <a:endParaRPr lang="ko-KR" altLang="en-US"/>
           </a:p>
@@ -596,7 +596,7 @@
           <a:p>
             <a:fld id="{7B93B1CF-19A2-4A5A-8278-D6E633D4BA1E}" type="datetimeFigureOut">
               <a:rPr lang="ko-KR" altLang="en-US" smtClean="0"/>
-              <a:t>2019-09-17</a:t>
+              <a:t>2019-09-18</a:t>
             </a:fld>
             <a:endParaRPr lang="ko-KR" altLang="en-US"/>
           </a:p>
@@ -766,7 +766,7 @@
           <a:p>
             <a:fld id="{7B93B1CF-19A2-4A5A-8278-D6E633D4BA1E}" type="datetimeFigureOut">
               <a:rPr lang="ko-KR" altLang="en-US" smtClean="0"/>
-              <a:t>2019-09-17</a:t>
+              <a:t>2019-09-18</a:t>
             </a:fld>
             <a:endParaRPr lang="ko-KR" altLang="en-US"/>
           </a:p>
@@ -1012,7 +1012,7 @@
           <a:p>
             <a:fld id="{7B93B1CF-19A2-4A5A-8278-D6E633D4BA1E}" type="datetimeFigureOut">
               <a:rPr lang="ko-KR" altLang="en-US" smtClean="0"/>
-              <a:t>2019-09-17</a:t>
+              <a:t>2019-09-18</a:t>
             </a:fld>
             <a:endParaRPr lang="ko-KR" altLang="en-US"/>
           </a:p>
@@ -1244,7 +1244,7 @@
           <a:p>
             <a:fld id="{7B93B1CF-19A2-4A5A-8278-D6E633D4BA1E}" type="datetimeFigureOut">
               <a:rPr lang="ko-KR" altLang="en-US" smtClean="0"/>
-              <a:t>2019-09-17</a:t>
+              <a:t>2019-09-18</a:t>
             </a:fld>
             <a:endParaRPr lang="ko-KR" altLang="en-US"/>
           </a:p>
@@ -1611,7 +1611,7 @@
           <a:p>
             <a:fld id="{7B93B1CF-19A2-4A5A-8278-D6E633D4BA1E}" type="datetimeFigureOut">
               <a:rPr lang="ko-KR" altLang="en-US" smtClean="0"/>
-              <a:t>2019-09-17</a:t>
+              <a:t>2019-09-18</a:t>
             </a:fld>
             <a:endParaRPr lang="ko-KR" altLang="en-US"/>
           </a:p>
@@ -1729,7 +1729,7 @@
           <a:p>
             <a:fld id="{7B93B1CF-19A2-4A5A-8278-D6E633D4BA1E}" type="datetimeFigureOut">
               <a:rPr lang="ko-KR" altLang="en-US" smtClean="0"/>
-              <a:t>2019-09-17</a:t>
+              <a:t>2019-09-18</a:t>
             </a:fld>
             <a:endParaRPr lang="ko-KR" altLang="en-US"/>
           </a:p>
@@ -1824,7 +1824,7 @@
           <a:p>
             <a:fld id="{7B93B1CF-19A2-4A5A-8278-D6E633D4BA1E}" type="datetimeFigureOut">
               <a:rPr lang="ko-KR" altLang="en-US" smtClean="0"/>
-              <a:t>2019-09-17</a:t>
+              <a:t>2019-09-18</a:t>
             </a:fld>
             <a:endParaRPr lang="ko-KR" altLang="en-US"/>
           </a:p>
@@ -2101,7 +2101,7 @@
           <a:p>
             <a:fld id="{7B93B1CF-19A2-4A5A-8278-D6E633D4BA1E}" type="datetimeFigureOut">
               <a:rPr lang="ko-KR" altLang="en-US" smtClean="0"/>
-              <a:t>2019-09-17</a:t>
+              <a:t>2019-09-18</a:t>
             </a:fld>
             <a:endParaRPr lang="ko-KR" altLang="en-US"/>
           </a:p>
@@ -2354,7 +2354,7 @@
           <a:p>
             <a:fld id="{7B93B1CF-19A2-4A5A-8278-D6E633D4BA1E}" type="datetimeFigureOut">
               <a:rPr lang="ko-KR" altLang="en-US" smtClean="0"/>
-              <a:t>2019-09-17</a:t>
+              <a:t>2019-09-18</a:t>
             </a:fld>
             <a:endParaRPr lang="ko-KR" altLang="en-US"/>
           </a:p>
@@ -2567,7 +2567,7 @@
           <a:p>
             <a:fld id="{7B93B1CF-19A2-4A5A-8278-D6E633D4BA1E}" type="datetimeFigureOut">
               <a:rPr lang="ko-KR" altLang="en-US" smtClean="0"/>
-              <a:t>2019-09-17</a:t>
+              <a:t>2019-09-18</a:t>
             </a:fld>
             <a:endParaRPr lang="ko-KR" altLang="en-US"/>
           </a:p>
@@ -2981,14 +2981,14 @@
           <p:nvPr>
             <p:extLst>
               <p:ext uri="{D42A27DB-BD31-4B8C-83A1-F6EECF244321}">
-                <p14:modId xmlns:p14="http://schemas.microsoft.com/office/powerpoint/2010/main" val="2471338988"/>
+                <p14:modId xmlns:p14="http://schemas.microsoft.com/office/powerpoint/2010/main" val="2966233802"/>
               </p:ext>
             </p:extLst>
           </p:nvPr>
         </p:nvGraphicFramePr>
         <p:xfrm>
           <a:off x="1588" y="806450"/>
-          <a:ext cx="12190411" cy="5466183"/>
+          <a:ext cx="12190411" cy="5530191"/>
         </p:xfrm>
         <a:graphic>
           <a:graphicData uri="http://schemas.openxmlformats.org/drawingml/2006/table">
@@ -4017,366 +4017,6 @@
                             <a:noFill/>
                           </a:ln>
                           <a:solidFill>
-                            <a:schemeClr val="tx1"/>
-                          </a:solidFill>
-                          <a:effectLst/>
-                          <a:latin typeface="메이플스토리" panose="02000300000000000000" pitchFamily="2" charset="-127"/>
-                          <a:ea typeface="메이플스토리" panose="02000300000000000000" pitchFamily="2" charset="-127"/>
-                        </a:rPr>
-                        <a:t>- </a:t>
-                      </a:r>
-                      <a:r>
-                        <a:rPr kumimoji="1" lang="ko-KR" altLang="en-US" sz="1050" b="1" i="0" u="none" strike="noStrike" cap="none" normalizeH="0" baseline="0" dirty="0" smtClean="0">
-                          <a:ln>
-                            <a:noFill/>
-                          </a:ln>
-                          <a:solidFill>
-                            <a:schemeClr val="tx1"/>
-                          </a:solidFill>
-                          <a:effectLst/>
-                          <a:latin typeface="메이플스토리" panose="02000300000000000000" pitchFamily="2" charset="-127"/>
-                          <a:ea typeface="메이플스토리" panose="02000300000000000000" pitchFamily="2" charset="-127"/>
-                        </a:rPr>
-                        <a:t>매 주 할 일 적을 위클리 계 </a:t>
-                      </a:r>
-                      <a:endParaRPr kumimoji="1" lang="en-US" altLang="ko-KR" sz="1050" b="1" i="0" u="none" strike="noStrike" cap="none" normalizeH="0" baseline="0" dirty="0" smtClean="0">
-                        <a:ln>
-                          <a:noFill/>
-                        </a:ln>
-                        <a:solidFill>
-                          <a:schemeClr val="tx1"/>
-                        </a:solidFill>
-                        <a:effectLst/>
-                        <a:latin typeface="메이플스토리" panose="02000300000000000000" pitchFamily="2" charset="-127"/>
-                        <a:ea typeface="메이플스토리" panose="02000300000000000000" pitchFamily="2" charset="-127"/>
-                      </a:endParaRPr>
-                    </a:p>
-                    <a:p>
-                      <a:pPr marL="0" marR="0" lvl="0" indent="0" algn="l" defTabSz="914400" rtl="0" eaLnBrk="1" fontAlgn="base" latinLnBrk="1" hangingPunct="1">
-                        <a:lnSpc>
-                          <a:spcPct val="100000"/>
-                        </a:lnSpc>
-                        <a:spcBef>
-                          <a:spcPct val="20000"/>
-                        </a:spcBef>
-                        <a:spcAft>
-                          <a:spcPct val="0"/>
-                        </a:spcAft>
-                        <a:buClrTx/>
-                        <a:buSzTx/>
-                        <a:buFontTx/>
-                        <a:buNone/>
-                        <a:tabLst/>
-                      </a:pPr>
-                      <a:r>
-                        <a:rPr kumimoji="1" lang="ko-KR" altLang="en-US" sz="1050" b="1" i="0" u="none" strike="noStrike" cap="none" normalizeH="0" baseline="0" dirty="0" smtClean="0">
-                          <a:ln>
-                            <a:noFill/>
-                          </a:ln>
-                          <a:solidFill>
-                            <a:schemeClr val="tx1"/>
-                          </a:solidFill>
-                          <a:effectLst/>
-                          <a:latin typeface="메이플스토리" panose="02000300000000000000" pitchFamily="2" charset="-127"/>
-                          <a:ea typeface="메이플스토리" panose="02000300000000000000" pitchFamily="2" charset="-127"/>
-                        </a:rPr>
-                        <a:t>   </a:t>
-                      </a:r>
-                      <a:r>
-                        <a:rPr kumimoji="1" lang="ko-KR" altLang="en-US" sz="1050" b="1" i="0" u="none" strike="noStrike" cap="none" normalizeH="0" baseline="0" dirty="0" err="1" smtClean="0">
-                          <a:ln>
-                            <a:noFill/>
-                          </a:ln>
-                          <a:solidFill>
-                            <a:schemeClr val="tx1"/>
-                          </a:solidFill>
-                          <a:effectLst/>
-                          <a:latin typeface="메이플스토리" panose="02000300000000000000" pitchFamily="2" charset="-127"/>
-                          <a:ea typeface="메이플스토리" panose="02000300000000000000" pitchFamily="2" charset="-127"/>
-                        </a:rPr>
-                        <a:t>획서</a:t>
-                      </a:r>
-                      <a:r>
-                        <a:rPr kumimoji="1" lang="ko-KR" altLang="en-US" sz="1050" b="1" i="0" u="none" strike="noStrike" cap="none" normalizeH="0" baseline="0" dirty="0" smtClean="0">
-                          <a:ln>
-                            <a:noFill/>
-                          </a:ln>
-                          <a:solidFill>
-                            <a:schemeClr val="tx1"/>
-                          </a:solidFill>
-                          <a:effectLst/>
-                          <a:latin typeface="메이플스토리" panose="02000300000000000000" pitchFamily="2" charset="-127"/>
-                          <a:ea typeface="메이플스토리" panose="02000300000000000000" pitchFamily="2" charset="-127"/>
-                        </a:rPr>
-                        <a:t> 시작 </a:t>
-                      </a:r>
-                      <a:endParaRPr kumimoji="1" lang="en-US" altLang="ko-KR" sz="1050" b="1" i="0" u="none" strike="noStrike" cap="none" normalizeH="0" baseline="0" dirty="0" smtClean="0">
-                        <a:ln>
-                          <a:noFill/>
-                        </a:ln>
-                        <a:solidFill>
-                          <a:schemeClr val="tx1"/>
-                        </a:solidFill>
-                        <a:effectLst/>
-                        <a:latin typeface="메이플스토리" panose="02000300000000000000" pitchFamily="2" charset="-127"/>
-                        <a:ea typeface="메이플스토리" panose="02000300000000000000" pitchFamily="2" charset="-127"/>
-                      </a:endParaRPr>
-                    </a:p>
-                    <a:p>
-                      <a:pPr marL="0" marR="0" lvl="0" indent="0" algn="l" defTabSz="914400" rtl="0" eaLnBrk="1" fontAlgn="base" latinLnBrk="1" hangingPunct="1">
-                        <a:lnSpc>
-                          <a:spcPct val="100000"/>
-                        </a:lnSpc>
-                        <a:spcBef>
-                          <a:spcPct val="20000"/>
-                        </a:spcBef>
-                        <a:spcAft>
-                          <a:spcPct val="0"/>
-                        </a:spcAft>
-                        <a:buClrTx/>
-                        <a:buSzTx/>
-                        <a:buFontTx/>
-                        <a:buNone/>
-                        <a:tabLst/>
-                      </a:pPr>
-                      <a:r>
-                        <a:rPr kumimoji="1" lang="en-US" altLang="ko-KR" sz="1050" b="1" i="0" u="none" strike="noStrike" cap="none" normalizeH="0" baseline="0" dirty="0" smtClean="0">
-                          <a:ln>
-                            <a:noFill/>
-                          </a:ln>
-                          <a:solidFill>
-                            <a:schemeClr val="tx1"/>
-                          </a:solidFill>
-                          <a:effectLst/>
-                          <a:latin typeface="메이플스토리" panose="02000300000000000000" pitchFamily="2" charset="-127"/>
-                          <a:ea typeface="메이플스토리" panose="02000300000000000000" pitchFamily="2" charset="-127"/>
-                        </a:rPr>
-                        <a:t>- </a:t>
-                      </a:r>
-                      <a:r>
-                        <a:rPr kumimoji="1" lang="ko-KR" altLang="en-US" sz="1050" b="1" i="0" u="none" strike="noStrike" cap="none" normalizeH="0" baseline="0" dirty="0" smtClean="0">
-                          <a:ln>
-                            <a:noFill/>
-                          </a:ln>
-                          <a:solidFill>
-                            <a:schemeClr val="tx1"/>
-                          </a:solidFill>
-                          <a:effectLst/>
-                          <a:latin typeface="메이플스토리" panose="02000300000000000000" pitchFamily="2" charset="-127"/>
-                          <a:ea typeface="메이플스토리" panose="02000300000000000000" pitchFamily="2" charset="-127"/>
-                        </a:rPr>
-                        <a:t>전체적인 게임 컨셉</a:t>
-                      </a:r>
-                      <a:r>
-                        <a:rPr kumimoji="1" lang="en-US" altLang="ko-KR" sz="1050" b="1" i="0" u="none" strike="noStrike" cap="none" normalizeH="0" baseline="0" dirty="0" smtClean="0">
-                          <a:ln>
-                            <a:noFill/>
-                          </a:ln>
-                          <a:solidFill>
-                            <a:schemeClr val="tx1"/>
-                          </a:solidFill>
-                          <a:effectLst/>
-                          <a:latin typeface="메이플스토리" panose="02000300000000000000" pitchFamily="2" charset="-127"/>
-                          <a:ea typeface="메이플스토리" panose="02000300000000000000" pitchFamily="2" charset="-127"/>
-                        </a:rPr>
-                        <a:t>, </a:t>
-                      </a:r>
-                      <a:r>
-                        <a:rPr kumimoji="1" lang="ko-KR" altLang="en-US" sz="1050" b="1" i="0" u="none" strike="noStrike" cap="none" normalizeH="0" baseline="0" dirty="0" smtClean="0">
-                          <a:ln>
-                            <a:noFill/>
-                          </a:ln>
-                          <a:solidFill>
-                            <a:schemeClr val="tx1"/>
-                          </a:solidFill>
-                          <a:effectLst/>
-                          <a:latin typeface="메이플스토리" panose="02000300000000000000" pitchFamily="2" charset="-127"/>
-                          <a:ea typeface="메이플스토리" panose="02000300000000000000" pitchFamily="2" charset="-127"/>
-                        </a:rPr>
-                        <a:t>컨텐츠</a:t>
-                      </a:r>
-                      <a:r>
-                        <a:rPr kumimoji="1" lang="en-US" altLang="ko-KR" sz="1050" b="1" i="0" u="none" strike="noStrike" cap="none" normalizeH="0" baseline="0" dirty="0" smtClean="0">
-                          <a:ln>
-                            <a:noFill/>
-                          </a:ln>
-                          <a:solidFill>
-                            <a:schemeClr val="tx1"/>
-                          </a:solidFill>
-                          <a:effectLst/>
-                          <a:latin typeface="메이플스토리" panose="02000300000000000000" pitchFamily="2" charset="-127"/>
-                          <a:ea typeface="메이플스토리" panose="02000300000000000000" pitchFamily="2" charset="-127"/>
-                        </a:rPr>
-                        <a:t>,     </a:t>
-                      </a:r>
-                    </a:p>
-                    <a:p>
-                      <a:pPr marL="0" marR="0" lvl="0" indent="0" algn="l" defTabSz="914400" rtl="0" eaLnBrk="1" fontAlgn="base" latinLnBrk="1" hangingPunct="1">
-                        <a:lnSpc>
-                          <a:spcPct val="100000"/>
-                        </a:lnSpc>
-                        <a:spcBef>
-                          <a:spcPct val="20000"/>
-                        </a:spcBef>
-                        <a:spcAft>
-                          <a:spcPct val="0"/>
-                        </a:spcAft>
-                        <a:buClrTx/>
-                        <a:buSzTx/>
-                        <a:buFontTx/>
-                        <a:buNone/>
-                        <a:tabLst/>
-                      </a:pPr>
-                      <a:r>
-                        <a:rPr kumimoji="1" lang="en-US" altLang="ko-KR" sz="1050" b="1" i="0" u="none" strike="noStrike" cap="none" normalizeH="0" baseline="0" dirty="0" smtClean="0">
-                          <a:ln>
-                            <a:noFill/>
-                          </a:ln>
-                          <a:solidFill>
-                            <a:schemeClr val="tx1"/>
-                          </a:solidFill>
-                          <a:effectLst/>
-                          <a:latin typeface="메이플스토리" panose="02000300000000000000" pitchFamily="2" charset="-127"/>
-                          <a:ea typeface="메이플스토리" panose="02000300000000000000" pitchFamily="2" charset="-127"/>
-                        </a:rPr>
-                        <a:t>  </a:t>
-                      </a:r>
-                      <a:r>
-                        <a:rPr kumimoji="1" lang="ko-KR" altLang="en-US" sz="1050" b="1" i="0" u="none" strike="noStrike" cap="none" normalizeH="0" baseline="0" dirty="0" smtClean="0">
-                          <a:ln>
-                            <a:noFill/>
-                          </a:ln>
-                          <a:solidFill>
-                            <a:schemeClr val="tx1"/>
-                          </a:solidFill>
-                          <a:effectLst/>
-                          <a:latin typeface="메이플스토리" panose="02000300000000000000" pitchFamily="2" charset="-127"/>
-                          <a:ea typeface="메이플스토리" panose="02000300000000000000" pitchFamily="2" charset="-127"/>
-                        </a:rPr>
-                        <a:t>스토리</a:t>
-                      </a:r>
-                      <a:r>
-                        <a:rPr kumimoji="1" lang="en-US" altLang="ko-KR" sz="1050" b="1" i="0" u="none" strike="noStrike" cap="none" normalizeH="0" baseline="0" dirty="0" smtClean="0">
-                          <a:ln>
-                            <a:noFill/>
-                          </a:ln>
-                          <a:solidFill>
-                            <a:schemeClr val="tx1"/>
-                          </a:solidFill>
-                          <a:effectLst/>
-                          <a:latin typeface="메이플스토리" panose="02000300000000000000" pitchFamily="2" charset="-127"/>
-                          <a:ea typeface="메이플스토리" panose="02000300000000000000" pitchFamily="2" charset="-127"/>
-                        </a:rPr>
-                        <a:t>, </a:t>
-                      </a:r>
-                      <a:r>
-                        <a:rPr kumimoji="1" lang="ko-KR" altLang="en-US" sz="1050" b="1" i="0" u="none" strike="noStrike" cap="none" normalizeH="0" baseline="0" dirty="0" smtClean="0">
-                          <a:ln>
-                            <a:noFill/>
-                          </a:ln>
-                          <a:solidFill>
-                            <a:schemeClr val="tx1"/>
-                          </a:solidFill>
-                          <a:effectLst/>
-                          <a:latin typeface="메이플스토리" panose="02000300000000000000" pitchFamily="2" charset="-127"/>
-                          <a:ea typeface="메이플스토리" panose="02000300000000000000" pitchFamily="2" charset="-127"/>
-                        </a:rPr>
-                        <a:t>플레이 방식 기획 </a:t>
-                      </a:r>
-                      <a:endParaRPr kumimoji="1" lang="en-US" altLang="ko-KR" sz="1050" b="1" i="0" u="none" strike="noStrike" cap="none" normalizeH="0" baseline="0" dirty="0" smtClean="0">
-                        <a:ln>
-                          <a:noFill/>
-                        </a:ln>
-                        <a:solidFill>
-                          <a:schemeClr val="tx1"/>
-                        </a:solidFill>
-                        <a:effectLst/>
-                        <a:latin typeface="메이플스토리" panose="02000300000000000000" pitchFamily="2" charset="-127"/>
-                        <a:ea typeface="메이플스토리" panose="02000300000000000000" pitchFamily="2" charset="-127"/>
-                      </a:endParaRPr>
-                    </a:p>
-                  </a:txBody>
-                  <a:tcPr horzOverflow="overflow">
-                    <a:lnL w="12700" cap="flat" cmpd="sng" algn="ctr">
-                      <a:solidFill>
-                        <a:schemeClr val="bg1">
-                          <a:lumMod val="75000"/>
-                        </a:schemeClr>
-                      </a:solidFill>
-                      <a:prstDash val="solid"/>
-                      <a:round/>
-                      <a:headEnd type="none" w="med" len="med"/>
-                      <a:tailEnd type="none" w="med" len="med"/>
-                    </a:lnL>
-                    <a:lnR w="12700" cap="flat" cmpd="sng" algn="ctr">
-                      <a:solidFill>
-                        <a:schemeClr val="bg1">
-                          <a:lumMod val="75000"/>
-                        </a:schemeClr>
-                      </a:solidFill>
-                      <a:prstDash val="solid"/>
-                      <a:round/>
-                      <a:headEnd type="none" w="med" len="med"/>
-                      <a:tailEnd type="none" w="med" len="med"/>
-                    </a:lnR>
-                    <a:lnT w="12700" cap="flat" cmpd="sng" algn="ctr">
-                      <a:solidFill>
-                        <a:schemeClr val="bg1">
-                          <a:lumMod val="75000"/>
-                        </a:schemeClr>
-                      </a:solidFill>
-                      <a:prstDash val="solid"/>
-                      <a:round/>
-                      <a:headEnd type="none" w="med" len="med"/>
-                      <a:tailEnd type="none" w="med" len="med"/>
-                    </a:lnT>
-                    <a:lnB w="12700" cap="flat" cmpd="sng" algn="ctr">
-                      <a:solidFill>
-                        <a:schemeClr val="bg1">
-                          <a:lumMod val="75000"/>
-                        </a:schemeClr>
-                      </a:solidFill>
-                      <a:prstDash val="solid"/>
-                      <a:round/>
-                      <a:headEnd type="none" w="med" len="med"/>
-                      <a:tailEnd type="none" w="med" len="med"/>
-                    </a:lnB>
-                    <a:lnTlToBr>
-                      <a:noFill/>
-                    </a:lnTlToBr>
-                    <a:lnBlToTr>
-                      <a:noFill/>
-                    </a:lnBlToTr>
-                    <a:noFill/>
-                  </a:tcPr>
-                </a:tc>
-                <a:tc>
-                  <a:txBody>
-                    <a:bodyPr/>
-                    <a:lstStyle/>
-                    <a:p>
-                      <a:pPr marL="0" marR="0" lvl="0" indent="0" algn="l" defTabSz="914400" rtl="0" eaLnBrk="1" fontAlgn="base" latinLnBrk="1" hangingPunct="1">
-                        <a:lnSpc>
-                          <a:spcPct val="100000"/>
-                        </a:lnSpc>
-                        <a:spcBef>
-                          <a:spcPct val="20000"/>
-                        </a:spcBef>
-                        <a:spcAft>
-                          <a:spcPct val="0"/>
-                        </a:spcAft>
-                        <a:buClrTx/>
-                        <a:buSzTx/>
-                        <a:buFontTx/>
-                        <a:buNone/>
-                        <a:tabLst/>
-                      </a:pPr>
-                      <a:r>
-                        <a:rPr kumimoji="1" lang="en-US" altLang="ko-KR" sz="1050" b="1" i="0" u="none" strike="noStrike" cap="none" normalizeH="0" baseline="0" dirty="0" smtClean="0">
-                          <a:ln>
-                            <a:noFill/>
-                          </a:ln>
-                          <a:solidFill>
                             <a:schemeClr val="bg2">
                               <a:lumMod val="75000"/>
                             </a:schemeClr>
@@ -4385,417 +4025,10 @@
                           <a:latin typeface="메이플스토리" panose="02000300000000000000" pitchFamily="2" charset="-127"/>
                           <a:ea typeface="메이플스토리" panose="02000300000000000000" pitchFamily="2" charset="-127"/>
                         </a:rPr>
-                        <a:t>10</a:t>
-                      </a:r>
-                    </a:p>
-                    <a:p>
-                      <a:pPr marL="0" marR="0" lvl="0" indent="0" algn="l" defTabSz="914400" rtl="0" eaLnBrk="1" fontAlgn="base" latinLnBrk="1" hangingPunct="1">
-                        <a:lnSpc>
-                          <a:spcPct val="100000"/>
-                        </a:lnSpc>
-                        <a:spcBef>
-                          <a:spcPct val="20000"/>
-                        </a:spcBef>
-                        <a:spcAft>
-                          <a:spcPct val="0"/>
-                        </a:spcAft>
-                        <a:buClrTx/>
-                        <a:buSzTx/>
-                        <a:buFontTx/>
-                        <a:buNone/>
-                        <a:tabLst/>
-                      </a:pPr>
+                        <a:t>- </a:t>
+                      </a:r>
                       <a:r>
                         <a:rPr kumimoji="1" lang="ko-KR" altLang="en-US" sz="1050" b="1" i="0" u="none" strike="noStrike" cap="none" normalizeH="0" baseline="0" dirty="0" smtClean="0">
-                          <a:ln>
-                            <a:noFill/>
-                          </a:ln>
-                          <a:solidFill>
-                            <a:schemeClr val="tx1"/>
-                          </a:solidFill>
-                          <a:effectLst/>
-                          <a:latin typeface="메이플스토리" panose="02000300000000000000" pitchFamily="2" charset="-127"/>
-                          <a:ea typeface="메이플스토리" panose="02000300000000000000" pitchFamily="2" charset="-127"/>
-                        </a:rPr>
-                        <a:t>기획한 게임과 비슷한 분위기의 게임 조사</a:t>
-                      </a:r>
-                      <a:endParaRPr kumimoji="1" lang="en-US" altLang="ko-KR" sz="1050" b="1" i="0" u="none" strike="noStrike" cap="none" normalizeH="0" baseline="0" dirty="0" smtClean="0">
-                        <a:ln>
-                          <a:noFill/>
-                        </a:ln>
-                        <a:solidFill>
-                          <a:schemeClr val="tx1"/>
-                        </a:solidFill>
-                        <a:effectLst/>
-                        <a:latin typeface="메이플스토리" panose="02000300000000000000" pitchFamily="2" charset="-127"/>
-                        <a:ea typeface="메이플스토리" panose="02000300000000000000" pitchFamily="2" charset="-127"/>
-                      </a:endParaRPr>
-                    </a:p>
-                    <a:p>
-                      <a:pPr marL="0" marR="0" lvl="0" indent="0" algn="l" defTabSz="914400" rtl="0" eaLnBrk="1" fontAlgn="base" latinLnBrk="1" hangingPunct="1">
-                        <a:lnSpc>
-                          <a:spcPct val="100000"/>
-                        </a:lnSpc>
-                        <a:spcBef>
-                          <a:spcPct val="20000"/>
-                        </a:spcBef>
-                        <a:spcAft>
-                          <a:spcPct val="0"/>
-                        </a:spcAft>
-                        <a:buClrTx/>
-                        <a:buSzTx/>
-                        <a:buFontTx/>
-                        <a:buNone/>
-                        <a:tabLst/>
-                      </a:pPr>
-                      <a:r>
-                        <a:rPr kumimoji="1" lang="en-US" altLang="ko-KR" sz="1050" b="1" i="0" u="none" strike="noStrike" cap="none" normalizeH="0" baseline="0" dirty="0" smtClean="0">
-                          <a:ln>
-                            <a:noFill/>
-                          </a:ln>
-                          <a:solidFill>
-                            <a:schemeClr val="tx1"/>
-                          </a:solidFill>
-                          <a:effectLst/>
-                          <a:latin typeface="메이플스토리" panose="02000300000000000000" pitchFamily="2" charset="-127"/>
-                          <a:ea typeface="메이플스토리" panose="02000300000000000000" pitchFamily="2" charset="-127"/>
-                        </a:rPr>
-                        <a:t>- </a:t>
-                      </a:r>
-                      <a:r>
-                        <a:rPr kumimoji="1" lang="ko-KR" altLang="en-US" sz="1050" b="1" i="0" u="none" strike="noStrike" cap="none" normalizeH="0" baseline="0" dirty="0" smtClean="0">
-                          <a:ln>
-                            <a:noFill/>
-                          </a:ln>
-                          <a:solidFill>
-                            <a:schemeClr val="tx1"/>
-                          </a:solidFill>
-                          <a:effectLst/>
-                          <a:latin typeface="메이플스토리" panose="02000300000000000000" pitchFamily="2" charset="-127"/>
-                          <a:ea typeface="메이플스토리" panose="02000300000000000000" pitchFamily="2" charset="-127"/>
-                        </a:rPr>
-                        <a:t>게임 제작에 사용하기 유용 </a:t>
-                      </a:r>
-                      <a:endParaRPr kumimoji="1" lang="en-US" altLang="ko-KR" sz="1050" b="1" i="0" u="none" strike="noStrike" cap="none" normalizeH="0" baseline="0" dirty="0" smtClean="0">
-                        <a:ln>
-                          <a:noFill/>
-                        </a:ln>
-                        <a:solidFill>
-                          <a:schemeClr val="tx1"/>
-                        </a:solidFill>
-                        <a:effectLst/>
-                        <a:latin typeface="메이플스토리" panose="02000300000000000000" pitchFamily="2" charset="-127"/>
-                        <a:ea typeface="메이플스토리" panose="02000300000000000000" pitchFamily="2" charset="-127"/>
-                      </a:endParaRPr>
-                    </a:p>
-                    <a:p>
-                      <a:pPr marL="0" marR="0" lvl="0" indent="0" algn="l" defTabSz="914400" rtl="0" eaLnBrk="1" fontAlgn="base" latinLnBrk="1" hangingPunct="1">
-                        <a:lnSpc>
-                          <a:spcPct val="100000"/>
-                        </a:lnSpc>
-                        <a:spcBef>
-                          <a:spcPct val="20000"/>
-                        </a:spcBef>
-                        <a:spcAft>
-                          <a:spcPct val="0"/>
-                        </a:spcAft>
-                        <a:buClrTx/>
-                        <a:buSzTx/>
-                        <a:buFontTx/>
-                        <a:buNone/>
-                        <a:tabLst/>
-                      </a:pPr>
-                      <a:r>
-                        <a:rPr kumimoji="1" lang="en-US" altLang="ko-KR" sz="1050" b="1" i="0" u="none" strike="noStrike" cap="none" normalizeH="0" baseline="0" dirty="0" smtClean="0">
-                          <a:ln>
-                            <a:noFill/>
-                          </a:ln>
-                          <a:solidFill>
-                            <a:schemeClr val="tx1"/>
-                          </a:solidFill>
-                          <a:effectLst/>
-                          <a:latin typeface="메이플스토리" panose="02000300000000000000" pitchFamily="2" charset="-127"/>
-                          <a:ea typeface="메이플스토리" panose="02000300000000000000" pitchFamily="2" charset="-127"/>
-                        </a:rPr>
-                        <a:t>   </a:t>
-                      </a:r>
-                      <a:r>
-                        <a:rPr kumimoji="1" lang="ko-KR" altLang="en-US" sz="1050" b="1" i="0" u="none" strike="noStrike" cap="none" normalizeH="0" baseline="0" dirty="0" smtClean="0">
-                          <a:ln>
-                            <a:noFill/>
-                          </a:ln>
-                          <a:solidFill>
-                            <a:schemeClr val="tx1"/>
-                          </a:solidFill>
-                          <a:effectLst/>
-                          <a:latin typeface="메이플스토리" panose="02000300000000000000" pitchFamily="2" charset="-127"/>
-                          <a:ea typeface="메이플스토리" panose="02000300000000000000" pitchFamily="2" charset="-127"/>
-                        </a:rPr>
-                        <a:t>한 모델 </a:t>
-                      </a:r>
-                      <a:r>
-                        <a:rPr kumimoji="1" lang="ko-KR" altLang="en-US" sz="1050" b="1" i="0" u="none" strike="noStrike" cap="none" normalizeH="0" baseline="0" dirty="0" smtClean="0">
-                          <a:ln>
-                            <a:noFill/>
-                          </a:ln>
-                          <a:solidFill>
-                            <a:schemeClr val="tx1"/>
-                          </a:solidFill>
-                          <a:effectLst/>
-                          <a:latin typeface="메이플스토리" panose="02000300000000000000" pitchFamily="2" charset="-127"/>
-                          <a:ea typeface="메이플스토리" panose="02000300000000000000" pitchFamily="2" charset="-127"/>
-                        </a:rPr>
-                        <a:t>조사</a:t>
-                      </a:r>
-                      <a:endParaRPr kumimoji="1" lang="en-US" altLang="ko-KR" sz="1050" b="1" i="0" u="none" strike="noStrike" cap="none" normalizeH="0" baseline="0" dirty="0" smtClean="0">
-                        <a:ln>
-                          <a:noFill/>
-                        </a:ln>
-                        <a:solidFill>
-                          <a:schemeClr val="tx1"/>
-                        </a:solidFill>
-                        <a:effectLst/>
-                        <a:latin typeface="메이플스토리" panose="02000300000000000000" pitchFamily="2" charset="-127"/>
-                        <a:ea typeface="메이플스토리" panose="02000300000000000000" pitchFamily="2" charset="-127"/>
-                      </a:endParaRPr>
-                    </a:p>
-                    <a:p>
-                      <a:pPr marL="0" marR="0" lvl="0" indent="0" algn="l" defTabSz="914400" rtl="0" eaLnBrk="1" fontAlgn="base" latinLnBrk="1" hangingPunct="1">
-                        <a:lnSpc>
-                          <a:spcPct val="100000"/>
-                        </a:lnSpc>
-                        <a:spcBef>
-                          <a:spcPct val="20000"/>
-                        </a:spcBef>
-                        <a:spcAft>
-                          <a:spcPct val="0"/>
-                        </a:spcAft>
-                        <a:buClrTx/>
-                        <a:buSzTx/>
-                        <a:buFontTx/>
-                        <a:buNone/>
-                        <a:tabLst/>
-                      </a:pPr>
-                      <a:r>
-                        <a:rPr kumimoji="1" lang="en-US" altLang="ko-KR" sz="1050" b="1" i="0" u="none" strike="noStrike" cap="none" normalizeH="0" baseline="0" dirty="0" smtClean="0">
-                          <a:ln>
-                            <a:noFill/>
-                          </a:ln>
-                          <a:solidFill>
-                            <a:schemeClr val="tx1"/>
-                          </a:solidFill>
-                          <a:effectLst/>
-                          <a:latin typeface="메이플스토리" panose="02000300000000000000" pitchFamily="2" charset="-127"/>
-                          <a:ea typeface="메이플스토리" panose="02000300000000000000" pitchFamily="2" charset="-127"/>
-                        </a:rPr>
-                        <a:t>- </a:t>
-                      </a:r>
-                      <a:r>
-                        <a:rPr kumimoji="1" lang="en-US" altLang="ko-KR" sz="1050" b="1" i="0" u="none" strike="noStrike" cap="none" normalizeH="0" baseline="0" dirty="0" smtClean="0">
-                          <a:ln>
-                            <a:noFill/>
-                          </a:ln>
-                          <a:solidFill>
-                            <a:schemeClr val="tx1"/>
-                          </a:solidFill>
-                          <a:effectLst/>
-                          <a:latin typeface="메이플스토리" panose="02000300000000000000" pitchFamily="2" charset="-127"/>
-                          <a:ea typeface="메이플스토리" panose="02000300000000000000" pitchFamily="2" charset="-127"/>
-                        </a:rPr>
-                        <a:t>Steep </a:t>
-                      </a:r>
-                      <a:r>
-                        <a:rPr kumimoji="1" lang="ko-KR" altLang="en-US" sz="1050" b="1" i="0" u="none" strike="noStrike" cap="none" normalizeH="0" baseline="0" dirty="0" smtClean="0">
-                          <a:ln>
-                            <a:noFill/>
-                          </a:ln>
-                          <a:solidFill>
-                            <a:schemeClr val="tx1"/>
-                          </a:solidFill>
-                          <a:effectLst/>
-                          <a:latin typeface="메이플스토리" panose="02000300000000000000" pitchFamily="2" charset="-127"/>
-                          <a:ea typeface="메이플스토리" panose="02000300000000000000" pitchFamily="2" charset="-127"/>
-                        </a:rPr>
-                        <a:t>분석 시작</a:t>
-                      </a:r>
-                      <a:endParaRPr kumimoji="1" lang="en-US" altLang="ko-KR" sz="1050" b="1" i="0" u="none" strike="noStrike" cap="none" normalizeH="0" baseline="0" dirty="0" smtClean="0">
-                        <a:ln>
-                          <a:noFill/>
-                        </a:ln>
-                        <a:solidFill>
-                          <a:schemeClr val="tx1"/>
-                        </a:solidFill>
-                        <a:effectLst/>
-                        <a:latin typeface="메이플스토리" panose="02000300000000000000" pitchFamily="2" charset="-127"/>
-                        <a:ea typeface="메이플스토리" panose="02000300000000000000" pitchFamily="2" charset="-127"/>
-                      </a:endParaRPr>
-                    </a:p>
-                    <a:p>
-                      <a:pPr marL="0" marR="0" lvl="0" indent="0" algn="l" defTabSz="914400" rtl="0" eaLnBrk="1" fontAlgn="base" latinLnBrk="1" hangingPunct="1">
-                        <a:lnSpc>
-                          <a:spcPct val="100000"/>
-                        </a:lnSpc>
-                        <a:spcBef>
-                          <a:spcPct val="20000"/>
-                        </a:spcBef>
-                        <a:spcAft>
-                          <a:spcPct val="0"/>
-                        </a:spcAft>
-                        <a:buClrTx/>
-                        <a:buSzTx/>
-                        <a:buFontTx/>
-                        <a:buNone/>
-                        <a:tabLst/>
-                      </a:pPr>
-                      <a:r>
-                        <a:rPr kumimoji="1" lang="en-US" altLang="ko-KR" sz="1050" b="1" i="0" u="none" strike="noStrike" cap="none" normalizeH="0" baseline="0" dirty="0" smtClean="0">
-                          <a:ln>
-                            <a:noFill/>
-                          </a:ln>
-                          <a:solidFill>
-                            <a:schemeClr val="tx1"/>
-                          </a:solidFill>
-                          <a:effectLst/>
-                          <a:latin typeface="메이플스토리" panose="02000300000000000000" pitchFamily="2" charset="-127"/>
-                          <a:ea typeface="메이플스토리" panose="02000300000000000000" pitchFamily="2" charset="-127"/>
-                        </a:rPr>
-                        <a:t>   (</a:t>
-                      </a:r>
-                      <a:r>
-                        <a:rPr kumimoji="1" lang="ko-KR" altLang="en-US" sz="1050" b="1" i="0" u="none" strike="noStrike" cap="none" normalizeH="0" baseline="0" dirty="0" smtClean="0">
-                          <a:ln>
-                            <a:noFill/>
-                          </a:ln>
-                          <a:solidFill>
-                            <a:schemeClr val="tx1"/>
-                          </a:solidFill>
-                          <a:effectLst/>
-                          <a:latin typeface="메이플스토리" panose="02000300000000000000" pitchFamily="2" charset="-127"/>
-                          <a:ea typeface="메이플스토리" panose="02000300000000000000" pitchFamily="2" charset="-127"/>
-                        </a:rPr>
-                        <a:t>사회적</a:t>
-                      </a:r>
-                      <a:r>
-                        <a:rPr kumimoji="1" lang="en-US" altLang="ko-KR" sz="1050" b="1" i="0" u="none" strike="noStrike" cap="none" normalizeH="0" baseline="0" dirty="0" smtClean="0">
-                          <a:ln>
-                            <a:noFill/>
-                          </a:ln>
-                          <a:solidFill>
-                            <a:schemeClr val="tx1"/>
-                          </a:solidFill>
-                          <a:effectLst/>
-                          <a:latin typeface="메이플스토리" panose="02000300000000000000" pitchFamily="2" charset="-127"/>
-                          <a:ea typeface="메이플스토리" panose="02000300000000000000" pitchFamily="2" charset="-127"/>
-                        </a:rPr>
-                        <a:t>, </a:t>
-                      </a:r>
-                      <a:r>
-                        <a:rPr kumimoji="1" lang="ko-KR" altLang="en-US" sz="1050" b="1" i="0" u="none" strike="noStrike" cap="none" normalizeH="0" baseline="0" dirty="0" smtClean="0">
-                          <a:ln>
-                            <a:noFill/>
-                          </a:ln>
-                          <a:solidFill>
-                            <a:schemeClr val="tx1"/>
-                          </a:solidFill>
-                          <a:effectLst/>
-                          <a:latin typeface="메이플스토리" panose="02000300000000000000" pitchFamily="2" charset="-127"/>
-                          <a:ea typeface="메이플스토리" panose="02000300000000000000" pitchFamily="2" charset="-127"/>
-                        </a:rPr>
-                        <a:t>생태적 분석</a:t>
-                      </a:r>
-                      <a:r>
-                        <a:rPr kumimoji="1" lang="en-US" altLang="ko-KR" sz="1050" b="1" i="0" u="none" strike="noStrike" cap="none" normalizeH="0" baseline="0" dirty="0" smtClean="0">
-                          <a:ln>
-                            <a:noFill/>
-                          </a:ln>
-                          <a:solidFill>
-                            <a:schemeClr val="tx1"/>
-                          </a:solidFill>
-                          <a:effectLst/>
-                          <a:latin typeface="메이플스토리" panose="02000300000000000000" pitchFamily="2" charset="-127"/>
-                          <a:ea typeface="메이플스토리" panose="02000300000000000000" pitchFamily="2" charset="-127"/>
-                        </a:rPr>
-                        <a:t>)</a:t>
-                      </a:r>
-                    </a:p>
-                  </a:txBody>
-                  <a:tcPr horzOverflow="overflow">
-                    <a:lnL w="12700" cap="flat" cmpd="sng" algn="ctr">
-                      <a:solidFill>
-                        <a:schemeClr val="bg1">
-                          <a:lumMod val="75000"/>
-                        </a:schemeClr>
-                      </a:solidFill>
-                      <a:prstDash val="solid"/>
-                      <a:round/>
-                      <a:headEnd type="none" w="med" len="med"/>
-                      <a:tailEnd type="none" w="med" len="med"/>
-                    </a:lnL>
-                    <a:lnR w="12700" cap="flat" cmpd="sng" algn="ctr">
-                      <a:solidFill>
-                        <a:schemeClr val="bg1">
-                          <a:lumMod val="75000"/>
-                        </a:schemeClr>
-                      </a:solidFill>
-                      <a:prstDash val="solid"/>
-                      <a:round/>
-                      <a:headEnd type="none" w="med" len="med"/>
-                      <a:tailEnd type="none" w="med" len="med"/>
-                    </a:lnR>
-                    <a:lnT w="12700" cap="flat" cmpd="sng" algn="ctr">
-                      <a:solidFill>
-                        <a:schemeClr val="bg1">
-                          <a:lumMod val="75000"/>
-                        </a:schemeClr>
-                      </a:solidFill>
-                      <a:prstDash val="solid"/>
-                      <a:round/>
-                      <a:headEnd type="none" w="med" len="med"/>
-                      <a:tailEnd type="none" w="med" len="med"/>
-                    </a:lnT>
-                    <a:lnB w="12700" cap="flat" cmpd="sng" algn="ctr">
-                      <a:solidFill>
-                        <a:schemeClr val="bg1">
-                          <a:lumMod val="75000"/>
-                        </a:schemeClr>
-                      </a:solidFill>
-                      <a:prstDash val="solid"/>
-                      <a:round/>
-                      <a:headEnd type="none" w="med" len="med"/>
-                      <a:tailEnd type="none" w="med" len="med"/>
-                    </a:lnB>
-                    <a:lnTlToBr>
-                      <a:noFill/>
-                    </a:lnTlToBr>
-                    <a:lnBlToTr>
-                      <a:noFill/>
-                    </a:lnBlToTr>
-                    <a:noFill/>
-                  </a:tcPr>
-                </a:tc>
-                <a:tc>
-                  <a:txBody>
-                    <a:bodyPr/>
-                    <a:lstStyle/>
-                    <a:p>
-                      <a:pPr marL="0" marR="0" lvl="0" indent="0" algn="l" defTabSz="914400" rtl="0" eaLnBrk="1" fontAlgn="base" latinLnBrk="1" hangingPunct="1">
-                        <a:lnSpc>
-                          <a:spcPct val="100000"/>
-                        </a:lnSpc>
-                        <a:spcBef>
-                          <a:spcPct val="20000"/>
-                        </a:spcBef>
-                        <a:spcAft>
-                          <a:spcPct val="0"/>
-                        </a:spcAft>
-                        <a:buClrTx/>
-                        <a:buSzTx/>
-                        <a:buFontTx/>
-                        <a:buNone/>
-                        <a:tabLst/>
-                      </a:pPr>
-                      <a:r>
-                        <a:rPr kumimoji="1" lang="en-US" altLang="ko-KR" sz="1050" b="1" i="0" u="none" strike="noStrike" cap="none" normalizeH="0" baseline="0" dirty="0" smtClean="0">
                           <a:ln>
                             <a:noFill/>
                           </a:ln>
@@ -4808,125 +4041,8 @@
                           <a:latin typeface="메이플스토리" panose="02000300000000000000" pitchFamily="2" charset="-127"/>
                           <a:ea typeface="메이플스토리" panose="02000300000000000000" pitchFamily="2" charset="-127"/>
                         </a:rPr>
-                        <a:t>11</a:t>
-                      </a:r>
-                    </a:p>
-                    <a:p>
-                      <a:pPr marL="0" marR="0" lvl="0" indent="0" algn="l" defTabSz="914400" rtl="0" eaLnBrk="1" fontAlgn="base" latinLnBrk="1" hangingPunct="1">
-                        <a:lnSpc>
-                          <a:spcPct val="100000"/>
-                        </a:lnSpc>
-                        <a:spcBef>
-                          <a:spcPct val="20000"/>
-                        </a:spcBef>
-                        <a:spcAft>
-                          <a:spcPct val="0"/>
-                        </a:spcAft>
-                        <a:buClrTx/>
-                        <a:buSzTx/>
-                        <a:buFontTx/>
-                        <a:buNone/>
-                        <a:tabLst/>
-                      </a:pPr>
-                      <a:r>
-                        <a:rPr kumimoji="1" lang="ko-KR" altLang="en-US" sz="1050" b="1" i="0" u="none" strike="noStrike" cap="none" normalizeH="0" baseline="0" dirty="0" smtClean="0">
-                          <a:ln>
-                            <a:noFill/>
-                          </a:ln>
-                          <a:solidFill>
-                            <a:schemeClr val="tx1"/>
-                          </a:solidFill>
-                          <a:effectLst/>
-                          <a:latin typeface="메이플스토리" panose="02000300000000000000" pitchFamily="2" charset="-127"/>
-                          <a:ea typeface="메이플스토리" panose="02000300000000000000" pitchFamily="2" charset="-127"/>
-                        </a:rPr>
-                        <a:t>추석 연휴 까지 대략적인 </a:t>
-                      </a:r>
-                      <a:r>
-                        <a:rPr kumimoji="1" lang="ko-KR" altLang="en-US" sz="1050" b="1" i="0" u="none" strike="noStrike" cap="none" normalizeH="0" baseline="0" dirty="0" smtClean="0">
-                          <a:ln>
-                            <a:noFill/>
-                          </a:ln>
-                          <a:solidFill>
-                            <a:schemeClr val="tx1"/>
-                          </a:solidFill>
-                          <a:effectLst/>
-                          <a:latin typeface="메이플스토리" panose="02000300000000000000" pitchFamily="2" charset="-127"/>
-                          <a:ea typeface="메이플스토리" panose="02000300000000000000" pitchFamily="2" charset="-127"/>
-                        </a:rPr>
-                        <a:t>기획 </a:t>
-                      </a:r>
-                      <a:r>
-                        <a:rPr kumimoji="1" lang="en-US" altLang="ko-KR" sz="1050" b="1" i="0" u="none" strike="noStrike" cap="none" normalizeH="0" baseline="0" dirty="0" smtClean="0">
-                          <a:ln>
-                            <a:noFill/>
-                          </a:ln>
-                          <a:solidFill>
-                            <a:schemeClr val="tx1"/>
-                          </a:solidFill>
-                          <a:effectLst/>
-                          <a:latin typeface="메이플스토리" panose="02000300000000000000" pitchFamily="2" charset="-127"/>
-                          <a:ea typeface="메이플스토리" panose="02000300000000000000" pitchFamily="2" charset="-127"/>
-                        </a:rPr>
-                        <a:t>&amp; Steep </a:t>
-                      </a:r>
-                      <a:r>
-                        <a:rPr kumimoji="1" lang="ko-KR" altLang="en-US" sz="1050" b="1" i="0" u="none" strike="noStrike" cap="none" normalizeH="0" baseline="0" dirty="0" smtClean="0">
-                          <a:ln>
-                            <a:noFill/>
-                          </a:ln>
-                          <a:solidFill>
-                            <a:schemeClr val="tx1"/>
-                          </a:solidFill>
-                          <a:effectLst/>
-                          <a:latin typeface="메이플스토리" panose="02000300000000000000" pitchFamily="2" charset="-127"/>
-                          <a:ea typeface="메이플스토리" panose="02000300000000000000" pitchFamily="2" charset="-127"/>
-                        </a:rPr>
-                        <a:t>분석 </a:t>
-                      </a:r>
-                      <a:r>
-                        <a:rPr kumimoji="1" lang="ko-KR" altLang="en-US" sz="1050" b="1" i="0" u="none" strike="noStrike" cap="none" normalizeH="0" baseline="0" dirty="0" smtClean="0">
-                          <a:ln>
-                            <a:noFill/>
-                          </a:ln>
-                          <a:solidFill>
-                            <a:schemeClr val="tx1"/>
-                          </a:solidFill>
-                          <a:effectLst/>
-                          <a:latin typeface="메이플스토리" panose="02000300000000000000" pitchFamily="2" charset="-127"/>
-                          <a:ea typeface="메이플스토리" panose="02000300000000000000" pitchFamily="2" charset="-127"/>
-                        </a:rPr>
-                        <a:t>완료</a:t>
-                      </a:r>
-                      <a:endParaRPr kumimoji="1" lang="en-US" altLang="ko-KR" sz="1050" b="1" i="0" u="none" strike="noStrike" cap="none" normalizeH="0" baseline="0" dirty="0" smtClean="0">
-                        <a:ln>
-                          <a:noFill/>
-                        </a:ln>
-                        <a:solidFill>
-                          <a:schemeClr val="tx1"/>
-                        </a:solidFill>
-                        <a:effectLst/>
-                        <a:latin typeface="메이플스토리" panose="02000300000000000000" pitchFamily="2" charset="-127"/>
-                        <a:ea typeface="메이플스토리" panose="02000300000000000000" pitchFamily="2" charset="-127"/>
-                      </a:endParaRPr>
-                    </a:p>
-                    <a:p>
-                      <a:pPr marL="0" marR="0" lvl="0" indent="0" algn="l" defTabSz="914400" rtl="0" eaLnBrk="1" fontAlgn="base" latinLnBrk="1" hangingPunct="1">
-                        <a:lnSpc>
-                          <a:spcPct val="100000"/>
-                        </a:lnSpc>
-                        <a:spcBef>
-                          <a:spcPct val="20000"/>
-                        </a:spcBef>
-                        <a:spcAft>
-                          <a:spcPct val="0"/>
-                        </a:spcAft>
-                        <a:buClrTx/>
-                        <a:buSzTx/>
-                        <a:buFontTx/>
-                        <a:buNone/>
-                        <a:tabLst/>
-                      </a:pPr>
+                        <a:t>매 주 할 일 적을 위클리 계 </a:t>
+                      </a:r>
                       <a:endParaRPr kumimoji="1" lang="en-US" altLang="ko-KR" sz="1050" b="1" i="0" u="none" strike="noStrike" cap="none" normalizeH="0" baseline="0" dirty="0" smtClean="0">
                         <a:ln>
                           <a:noFill/>
@@ -4959,74 +4075,383 @@
                         <a:tabLst/>
                       </a:pPr>
                       <a:r>
+                        <a:rPr kumimoji="1" lang="ko-KR" altLang="en-US" sz="1050" b="1" i="0" u="none" strike="noStrike" cap="none" normalizeH="0" baseline="0" dirty="0" smtClean="0">
+                          <a:ln>
+                            <a:noFill/>
+                          </a:ln>
+                          <a:solidFill>
+                            <a:schemeClr val="bg2">
+                              <a:lumMod val="75000"/>
+                            </a:schemeClr>
+                          </a:solidFill>
+                          <a:effectLst/>
+                          <a:latin typeface="메이플스토리" panose="02000300000000000000" pitchFamily="2" charset="-127"/>
+                          <a:ea typeface="메이플스토리" panose="02000300000000000000" pitchFamily="2" charset="-127"/>
+                        </a:rPr>
+                        <a:t>   </a:t>
+                      </a:r>
+                      <a:r>
+                        <a:rPr kumimoji="1" lang="ko-KR" altLang="en-US" sz="1050" b="1" i="0" u="none" strike="noStrike" cap="none" normalizeH="0" baseline="0" dirty="0" err="1" smtClean="0">
+                          <a:ln>
+                            <a:noFill/>
+                          </a:ln>
+                          <a:solidFill>
+                            <a:schemeClr val="bg2">
+                              <a:lumMod val="75000"/>
+                            </a:schemeClr>
+                          </a:solidFill>
+                          <a:effectLst/>
+                          <a:latin typeface="메이플스토리" panose="02000300000000000000" pitchFamily="2" charset="-127"/>
+                          <a:ea typeface="메이플스토리" panose="02000300000000000000" pitchFamily="2" charset="-127"/>
+                        </a:rPr>
+                        <a:t>획서</a:t>
+                      </a:r>
+                      <a:r>
+                        <a:rPr kumimoji="1" lang="ko-KR" altLang="en-US" sz="1050" b="1" i="0" u="none" strike="noStrike" cap="none" normalizeH="0" baseline="0" dirty="0" smtClean="0">
+                          <a:ln>
+                            <a:noFill/>
+                          </a:ln>
+                          <a:solidFill>
+                            <a:schemeClr val="bg2">
+                              <a:lumMod val="75000"/>
+                            </a:schemeClr>
+                          </a:solidFill>
+                          <a:effectLst/>
+                          <a:latin typeface="메이플스토리" panose="02000300000000000000" pitchFamily="2" charset="-127"/>
+                          <a:ea typeface="메이플스토리" panose="02000300000000000000" pitchFamily="2" charset="-127"/>
+                        </a:rPr>
+                        <a:t> 시작 </a:t>
+                      </a:r>
+                      <a:endParaRPr kumimoji="1" lang="en-US" altLang="ko-KR" sz="1050" b="1" i="0" u="none" strike="noStrike" cap="none" normalizeH="0" baseline="0" dirty="0" smtClean="0">
+                        <a:ln>
+                          <a:noFill/>
+                        </a:ln>
+                        <a:solidFill>
+                          <a:schemeClr val="bg2">
+                            <a:lumMod val="75000"/>
+                          </a:schemeClr>
+                        </a:solidFill>
+                        <a:effectLst/>
+                        <a:latin typeface="메이플스토리" panose="02000300000000000000" pitchFamily="2" charset="-127"/>
+                        <a:ea typeface="메이플스토리" panose="02000300000000000000" pitchFamily="2" charset="-127"/>
+                      </a:endParaRPr>
+                    </a:p>
+                    <a:p>
+                      <a:pPr marL="0" marR="0" lvl="0" indent="0" algn="l" defTabSz="914400" rtl="0" eaLnBrk="1" fontAlgn="base" latinLnBrk="1" hangingPunct="1">
+                        <a:lnSpc>
+                          <a:spcPct val="100000"/>
+                        </a:lnSpc>
+                        <a:spcBef>
+                          <a:spcPct val="20000"/>
+                        </a:spcBef>
+                        <a:spcAft>
+                          <a:spcPct val="0"/>
+                        </a:spcAft>
+                        <a:buClrTx/>
+                        <a:buSzTx/>
+                        <a:buFontTx/>
+                        <a:buNone/>
+                        <a:tabLst/>
+                      </a:pPr>
+                      <a:r>
                         <a:rPr kumimoji="1" lang="en-US" altLang="ko-KR" sz="1050" b="1" i="0" u="none" strike="noStrike" cap="none" normalizeH="0" baseline="0" dirty="0" smtClean="0">
                           <a:ln>
                             <a:noFill/>
                           </a:ln>
                           <a:solidFill>
+                            <a:schemeClr val="bg2">
+                              <a:lumMod val="75000"/>
+                            </a:schemeClr>
+                          </a:solidFill>
+                          <a:effectLst/>
+                          <a:latin typeface="메이플스토리" panose="02000300000000000000" pitchFamily="2" charset="-127"/>
+                          <a:ea typeface="메이플스토리" panose="02000300000000000000" pitchFamily="2" charset="-127"/>
+                        </a:rPr>
+                        <a:t>- </a:t>
+                      </a:r>
+                      <a:r>
+                        <a:rPr kumimoji="1" lang="ko-KR" altLang="en-US" sz="1050" b="1" i="0" u="none" strike="noStrike" cap="none" normalizeH="0" baseline="0" dirty="0" smtClean="0">
+                          <a:ln>
+                            <a:noFill/>
+                          </a:ln>
+                          <a:solidFill>
+                            <a:schemeClr val="bg2">
+                              <a:lumMod val="75000"/>
+                            </a:schemeClr>
+                          </a:solidFill>
+                          <a:effectLst/>
+                          <a:latin typeface="메이플스토리" panose="02000300000000000000" pitchFamily="2" charset="-127"/>
+                          <a:ea typeface="메이플스토리" panose="02000300000000000000" pitchFamily="2" charset="-127"/>
+                        </a:rPr>
+                        <a:t>전체적인 게임 컨셉</a:t>
+                      </a:r>
+                      <a:r>
+                        <a:rPr kumimoji="1" lang="en-US" altLang="ko-KR" sz="1050" b="1" i="0" u="none" strike="noStrike" cap="none" normalizeH="0" baseline="0" dirty="0" smtClean="0">
+                          <a:ln>
+                            <a:noFill/>
+                          </a:ln>
+                          <a:solidFill>
+                            <a:schemeClr val="bg2">
+                              <a:lumMod val="75000"/>
+                            </a:schemeClr>
+                          </a:solidFill>
+                          <a:effectLst/>
+                          <a:latin typeface="메이플스토리" panose="02000300000000000000" pitchFamily="2" charset="-127"/>
+                          <a:ea typeface="메이플스토리" panose="02000300000000000000" pitchFamily="2" charset="-127"/>
+                        </a:rPr>
+                        <a:t>, </a:t>
+                      </a:r>
+                      <a:r>
+                        <a:rPr kumimoji="1" lang="ko-KR" altLang="en-US" sz="1050" b="1" i="0" u="none" strike="noStrike" cap="none" normalizeH="0" baseline="0" dirty="0" smtClean="0">
+                          <a:ln>
+                            <a:noFill/>
+                          </a:ln>
+                          <a:solidFill>
+                            <a:schemeClr val="bg2">
+                              <a:lumMod val="75000"/>
+                            </a:schemeClr>
+                          </a:solidFill>
+                          <a:effectLst/>
+                          <a:latin typeface="메이플스토리" panose="02000300000000000000" pitchFamily="2" charset="-127"/>
+                          <a:ea typeface="메이플스토리" panose="02000300000000000000" pitchFamily="2" charset="-127"/>
+                        </a:rPr>
+                        <a:t>컨텐츠</a:t>
+                      </a:r>
+                      <a:r>
+                        <a:rPr kumimoji="1" lang="en-US" altLang="ko-KR" sz="1050" b="1" i="0" u="none" strike="noStrike" cap="none" normalizeH="0" baseline="0" dirty="0" smtClean="0">
+                          <a:ln>
+                            <a:noFill/>
+                          </a:ln>
+                          <a:solidFill>
+                            <a:schemeClr val="bg2">
+                              <a:lumMod val="75000"/>
+                            </a:schemeClr>
+                          </a:solidFill>
+                          <a:effectLst/>
+                          <a:latin typeface="메이플스토리" panose="02000300000000000000" pitchFamily="2" charset="-127"/>
+                          <a:ea typeface="메이플스토리" panose="02000300000000000000" pitchFamily="2" charset="-127"/>
+                        </a:rPr>
+                        <a:t>,     </a:t>
+                      </a:r>
+                    </a:p>
+                    <a:p>
+                      <a:pPr marL="0" marR="0" lvl="0" indent="0" algn="l" defTabSz="914400" rtl="0" eaLnBrk="1" fontAlgn="base" latinLnBrk="1" hangingPunct="1">
+                        <a:lnSpc>
+                          <a:spcPct val="100000"/>
+                        </a:lnSpc>
+                        <a:spcBef>
+                          <a:spcPct val="20000"/>
+                        </a:spcBef>
+                        <a:spcAft>
+                          <a:spcPct val="0"/>
+                        </a:spcAft>
+                        <a:buClrTx/>
+                        <a:buSzTx/>
+                        <a:buFontTx/>
+                        <a:buNone/>
+                        <a:tabLst/>
+                      </a:pPr>
+                      <a:r>
+                        <a:rPr kumimoji="1" lang="en-US" altLang="ko-KR" sz="1050" b="1" i="0" u="none" strike="noStrike" cap="none" normalizeH="0" baseline="0" dirty="0" smtClean="0">
+                          <a:ln>
+                            <a:noFill/>
+                          </a:ln>
+                          <a:solidFill>
+                            <a:schemeClr val="bg2">
+                              <a:lumMod val="75000"/>
+                            </a:schemeClr>
+                          </a:solidFill>
+                          <a:effectLst/>
+                          <a:latin typeface="메이플스토리" panose="02000300000000000000" pitchFamily="2" charset="-127"/>
+                          <a:ea typeface="메이플스토리" panose="02000300000000000000" pitchFamily="2" charset="-127"/>
+                        </a:rPr>
+                        <a:t>  </a:t>
+                      </a:r>
+                      <a:r>
+                        <a:rPr kumimoji="1" lang="ko-KR" altLang="en-US" sz="1050" b="1" i="0" u="none" strike="noStrike" cap="none" normalizeH="0" baseline="0" dirty="0" smtClean="0">
+                          <a:ln>
+                            <a:noFill/>
+                          </a:ln>
+                          <a:solidFill>
+                            <a:schemeClr val="bg2">
+                              <a:lumMod val="75000"/>
+                            </a:schemeClr>
+                          </a:solidFill>
+                          <a:effectLst/>
+                          <a:latin typeface="메이플스토리" panose="02000300000000000000" pitchFamily="2" charset="-127"/>
+                          <a:ea typeface="메이플스토리" panose="02000300000000000000" pitchFamily="2" charset="-127"/>
+                        </a:rPr>
+                        <a:t>스토리</a:t>
+                      </a:r>
+                      <a:r>
+                        <a:rPr kumimoji="1" lang="en-US" altLang="ko-KR" sz="1050" b="1" i="0" u="none" strike="noStrike" cap="none" normalizeH="0" baseline="0" dirty="0" smtClean="0">
+                          <a:ln>
+                            <a:noFill/>
+                          </a:ln>
+                          <a:solidFill>
+                            <a:schemeClr val="bg2">
+                              <a:lumMod val="75000"/>
+                            </a:schemeClr>
+                          </a:solidFill>
+                          <a:effectLst/>
+                          <a:latin typeface="메이플스토리" panose="02000300000000000000" pitchFamily="2" charset="-127"/>
+                          <a:ea typeface="메이플스토리" panose="02000300000000000000" pitchFamily="2" charset="-127"/>
+                        </a:rPr>
+                        <a:t>, </a:t>
+                      </a:r>
+                      <a:r>
+                        <a:rPr kumimoji="1" lang="ko-KR" altLang="en-US" sz="1050" b="1" i="0" u="none" strike="noStrike" cap="none" normalizeH="0" baseline="0" dirty="0" smtClean="0">
+                          <a:ln>
+                            <a:noFill/>
+                          </a:ln>
+                          <a:solidFill>
+                            <a:schemeClr val="bg2">
+                              <a:lumMod val="75000"/>
+                            </a:schemeClr>
+                          </a:solidFill>
+                          <a:effectLst/>
+                          <a:latin typeface="메이플스토리" panose="02000300000000000000" pitchFamily="2" charset="-127"/>
+                          <a:ea typeface="메이플스토리" panose="02000300000000000000" pitchFamily="2" charset="-127"/>
+                        </a:rPr>
+                        <a:t>플레이 방식 기획 </a:t>
+                      </a:r>
+                      <a:endParaRPr kumimoji="1" lang="en-US" altLang="ko-KR" sz="1050" b="1" i="0" u="none" strike="noStrike" cap="none" normalizeH="0" baseline="0" dirty="0" smtClean="0">
+                        <a:ln>
+                          <a:noFill/>
+                        </a:ln>
+                        <a:solidFill>
+                          <a:schemeClr val="bg2">
+                            <a:lumMod val="75000"/>
+                          </a:schemeClr>
+                        </a:solidFill>
+                        <a:effectLst/>
+                        <a:latin typeface="메이플스토리" panose="02000300000000000000" pitchFamily="2" charset="-127"/>
+                        <a:ea typeface="메이플스토리" panose="02000300000000000000" pitchFamily="2" charset="-127"/>
+                      </a:endParaRPr>
+                    </a:p>
+                  </a:txBody>
+                  <a:tcPr horzOverflow="overflow">
+                    <a:lnL w="12700" cap="flat" cmpd="sng" algn="ctr">
+                      <a:solidFill>
+                        <a:schemeClr val="bg1">
+                          <a:lumMod val="75000"/>
+                        </a:schemeClr>
+                      </a:solidFill>
+                      <a:prstDash val="solid"/>
+                      <a:round/>
+                      <a:headEnd type="none" w="med" len="med"/>
+                      <a:tailEnd type="none" w="med" len="med"/>
+                    </a:lnL>
+                    <a:lnR w="12700" cap="flat" cmpd="sng" algn="ctr">
+                      <a:solidFill>
+                        <a:schemeClr val="bg1">
+                          <a:lumMod val="75000"/>
+                        </a:schemeClr>
+                      </a:solidFill>
+                      <a:prstDash val="solid"/>
+                      <a:round/>
+                      <a:headEnd type="none" w="med" len="med"/>
+                      <a:tailEnd type="none" w="med" len="med"/>
+                    </a:lnR>
+                    <a:lnT w="12700" cap="flat" cmpd="sng" algn="ctr">
+                      <a:solidFill>
+                        <a:schemeClr val="bg1">
+                          <a:lumMod val="75000"/>
+                        </a:schemeClr>
+                      </a:solidFill>
+                      <a:prstDash val="solid"/>
+                      <a:round/>
+                      <a:headEnd type="none" w="med" len="med"/>
+                      <a:tailEnd type="none" w="med" len="med"/>
+                    </a:lnT>
+                    <a:lnB w="12700" cap="flat" cmpd="sng" algn="ctr">
+                      <a:solidFill>
+                        <a:schemeClr val="bg1">
+                          <a:lumMod val="75000"/>
+                        </a:schemeClr>
+                      </a:solidFill>
+                      <a:prstDash val="solid"/>
+                      <a:round/>
+                      <a:headEnd type="none" w="med" len="med"/>
+                      <a:tailEnd type="none" w="med" len="med"/>
+                    </a:lnB>
+                    <a:lnTlToBr>
+                      <a:noFill/>
+                    </a:lnTlToBr>
+                    <a:lnBlToTr>
+                      <a:noFill/>
+                    </a:lnBlToTr>
+                    <a:noFill/>
+                  </a:tcPr>
+                </a:tc>
+                <a:tc>
+                  <a:txBody>
+                    <a:bodyPr/>
+                    <a:lstStyle/>
+                    <a:p>
+                      <a:pPr marL="0" marR="0" lvl="0" indent="0" algn="l" defTabSz="914400" rtl="0" eaLnBrk="1" fontAlgn="base" latinLnBrk="1" hangingPunct="1">
+                        <a:lnSpc>
+                          <a:spcPct val="100000"/>
+                        </a:lnSpc>
+                        <a:spcBef>
+                          <a:spcPct val="20000"/>
+                        </a:spcBef>
+                        <a:spcAft>
+                          <a:spcPct val="0"/>
+                        </a:spcAft>
+                        <a:buClrTx/>
+                        <a:buSzTx/>
+                        <a:buFontTx/>
+                        <a:buNone/>
+                        <a:tabLst/>
+                      </a:pPr>
+                      <a:r>
+                        <a:rPr kumimoji="1" lang="en-US" altLang="ko-KR" sz="1050" b="1" i="0" u="none" strike="noStrike" cap="none" normalizeH="0" baseline="0" dirty="0" smtClean="0">
+                          <a:ln>
+                            <a:noFill/>
+                          </a:ln>
+                          <a:solidFill>
+                            <a:schemeClr val="bg2">
+                              <a:lumMod val="75000"/>
+                            </a:schemeClr>
+                          </a:solidFill>
+                          <a:effectLst/>
+                          <a:latin typeface="메이플스토리" panose="02000300000000000000" pitchFamily="2" charset="-127"/>
+                          <a:ea typeface="메이플스토리" panose="02000300000000000000" pitchFamily="2" charset="-127"/>
+                        </a:rPr>
+                        <a:t>10</a:t>
+                      </a:r>
+                    </a:p>
+                    <a:p>
+                      <a:pPr marL="0" marR="0" lvl="0" indent="0" algn="l" defTabSz="914400" rtl="0" eaLnBrk="1" fontAlgn="base" latinLnBrk="1" hangingPunct="1">
+                        <a:lnSpc>
+                          <a:spcPct val="100000"/>
+                        </a:lnSpc>
+                        <a:spcBef>
+                          <a:spcPct val="20000"/>
+                        </a:spcBef>
+                        <a:spcAft>
+                          <a:spcPct val="0"/>
+                        </a:spcAft>
+                        <a:buClrTx/>
+                        <a:buSzTx/>
+                        <a:buFontTx/>
+                        <a:buNone/>
+                        <a:tabLst/>
+                      </a:pPr>
+                      <a:r>
+                        <a:rPr kumimoji="1" lang="ko-KR" altLang="en-US" sz="1050" b="1" i="0" u="none" strike="noStrike" cap="none" normalizeH="0" baseline="0" dirty="0" smtClean="0">
+                          <a:ln>
+                            <a:noFill/>
+                          </a:ln>
+                          <a:solidFill>
                             <a:schemeClr val="tx1"/>
                           </a:solidFill>
                           <a:effectLst/>
                           <a:latin typeface="메이플스토리" panose="02000300000000000000" pitchFamily="2" charset="-127"/>
                           <a:ea typeface="메이플스토리" panose="02000300000000000000" pitchFamily="2" charset="-127"/>
                         </a:rPr>
-                        <a:t>- </a:t>
-                      </a:r>
-                      <a:r>
-                        <a:rPr kumimoji="1" lang="en-US" altLang="ko-KR" sz="1050" b="1" i="0" u="none" strike="noStrike" cap="none" normalizeH="0" baseline="0" dirty="0" smtClean="0">
-                          <a:ln>
-                            <a:noFill/>
-                          </a:ln>
-                          <a:solidFill>
-                            <a:schemeClr val="tx1"/>
-                          </a:solidFill>
-                          <a:effectLst/>
-                          <a:latin typeface="메이플스토리" panose="02000300000000000000" pitchFamily="2" charset="-127"/>
-                          <a:ea typeface="메이플스토리" panose="02000300000000000000" pitchFamily="2" charset="-127"/>
-                        </a:rPr>
-                        <a:t>Steep </a:t>
-                      </a:r>
-                      <a:r>
-                        <a:rPr kumimoji="1" lang="ko-KR" altLang="en-US" sz="1050" b="1" i="0" u="none" strike="noStrike" cap="none" normalizeH="0" baseline="0" dirty="0" smtClean="0">
-                          <a:ln>
-                            <a:noFill/>
-                          </a:ln>
-                          <a:solidFill>
-                            <a:schemeClr val="tx1"/>
-                          </a:solidFill>
-                          <a:effectLst/>
-                          <a:latin typeface="메이플스토리" panose="02000300000000000000" pitchFamily="2" charset="-127"/>
-                          <a:ea typeface="메이플스토리" panose="02000300000000000000" pitchFamily="2" charset="-127"/>
-                        </a:rPr>
-                        <a:t>분석 정리 </a:t>
-                      </a:r>
-                      <a:r>
-                        <a:rPr kumimoji="1" lang="en-US" altLang="ko-KR" sz="1050" b="1" i="0" u="none" strike="noStrike" cap="none" normalizeH="0" baseline="0" dirty="0" smtClean="0">
-                          <a:ln>
-                            <a:noFill/>
-                          </a:ln>
-                          <a:solidFill>
-                            <a:schemeClr val="tx1"/>
-                          </a:solidFill>
-                          <a:effectLst/>
-                          <a:latin typeface="메이플스토리" panose="02000300000000000000" pitchFamily="2" charset="-127"/>
-                          <a:ea typeface="메이플스토리" panose="02000300000000000000" pitchFamily="2" charset="-127"/>
-                        </a:rPr>
-                        <a:t>&amp; </a:t>
-                      </a:r>
-                      <a:r>
-                        <a:rPr kumimoji="1" lang="ko-KR" altLang="en-US" sz="1050" b="1" i="0" u="none" strike="noStrike" cap="none" normalizeH="0" baseline="0" dirty="0" smtClean="0">
-                          <a:ln>
-                            <a:noFill/>
-                          </a:ln>
-                          <a:solidFill>
-                            <a:schemeClr val="tx1"/>
-                          </a:solidFill>
-                          <a:effectLst/>
-                          <a:latin typeface="메이플스토리" panose="02000300000000000000" pitchFamily="2" charset="-127"/>
-                          <a:ea typeface="메이플스토리" panose="02000300000000000000" pitchFamily="2" charset="-127"/>
-                        </a:rPr>
-                        <a:t>수정</a:t>
+                        <a:t>기획한 게임과 비슷한 분위기의 게임 조사</a:t>
                       </a:r>
                       <a:endParaRPr kumimoji="1" lang="en-US" altLang="ko-KR" sz="1050" b="1" i="0" u="none" strike="noStrike" cap="none" normalizeH="0" baseline="0" dirty="0" smtClean="0">
                         <a:ln>
@@ -5034,6 +4459,568 @@
                         </a:ln>
                         <a:solidFill>
                           <a:schemeClr val="tx1"/>
+                        </a:solidFill>
+                        <a:effectLst/>
+                        <a:latin typeface="메이플스토리" panose="02000300000000000000" pitchFamily="2" charset="-127"/>
+                        <a:ea typeface="메이플스토리" panose="02000300000000000000" pitchFamily="2" charset="-127"/>
+                      </a:endParaRPr>
+                    </a:p>
+                    <a:p>
+                      <a:pPr marL="0" marR="0" lvl="0" indent="0" algn="l" defTabSz="914400" rtl="0" eaLnBrk="1" fontAlgn="base" latinLnBrk="1" hangingPunct="1">
+                        <a:lnSpc>
+                          <a:spcPct val="100000"/>
+                        </a:lnSpc>
+                        <a:spcBef>
+                          <a:spcPct val="20000"/>
+                        </a:spcBef>
+                        <a:spcAft>
+                          <a:spcPct val="0"/>
+                        </a:spcAft>
+                        <a:buClrTx/>
+                        <a:buSzTx/>
+                        <a:buFontTx/>
+                        <a:buNone/>
+                        <a:tabLst/>
+                      </a:pPr>
+                      <a:r>
+                        <a:rPr kumimoji="1" lang="en-US" altLang="ko-KR" sz="1050" b="1" i="0" u="none" strike="noStrike" cap="none" normalizeH="0" baseline="0" dirty="0" smtClean="0">
+                          <a:ln>
+                            <a:noFill/>
+                          </a:ln>
+                          <a:solidFill>
+                            <a:schemeClr val="bg2">
+                              <a:lumMod val="75000"/>
+                            </a:schemeClr>
+                          </a:solidFill>
+                          <a:effectLst/>
+                          <a:latin typeface="메이플스토리" panose="02000300000000000000" pitchFamily="2" charset="-127"/>
+                          <a:ea typeface="메이플스토리" panose="02000300000000000000" pitchFamily="2" charset="-127"/>
+                        </a:rPr>
+                        <a:t>- </a:t>
+                      </a:r>
+                      <a:r>
+                        <a:rPr kumimoji="1" lang="ko-KR" altLang="en-US" sz="1050" b="1" i="0" u="none" strike="noStrike" cap="none" normalizeH="0" baseline="0" dirty="0" smtClean="0">
+                          <a:ln>
+                            <a:noFill/>
+                          </a:ln>
+                          <a:solidFill>
+                            <a:schemeClr val="bg2">
+                              <a:lumMod val="75000"/>
+                            </a:schemeClr>
+                          </a:solidFill>
+                          <a:effectLst/>
+                          <a:latin typeface="메이플스토리" panose="02000300000000000000" pitchFamily="2" charset="-127"/>
+                          <a:ea typeface="메이플스토리" panose="02000300000000000000" pitchFamily="2" charset="-127"/>
+                        </a:rPr>
+                        <a:t>게임 제작에 사용하기 유용 </a:t>
+                      </a:r>
+                      <a:endParaRPr kumimoji="1" lang="en-US" altLang="ko-KR" sz="1050" b="1" i="0" u="none" strike="noStrike" cap="none" normalizeH="0" baseline="0" dirty="0" smtClean="0">
+                        <a:ln>
+                          <a:noFill/>
+                        </a:ln>
+                        <a:solidFill>
+                          <a:schemeClr val="bg2">
+                            <a:lumMod val="75000"/>
+                          </a:schemeClr>
+                        </a:solidFill>
+                        <a:effectLst/>
+                        <a:latin typeface="메이플스토리" panose="02000300000000000000" pitchFamily="2" charset="-127"/>
+                        <a:ea typeface="메이플스토리" panose="02000300000000000000" pitchFamily="2" charset="-127"/>
+                      </a:endParaRPr>
+                    </a:p>
+                    <a:p>
+                      <a:pPr marL="0" marR="0" lvl="0" indent="0" algn="l" defTabSz="914400" rtl="0" eaLnBrk="1" fontAlgn="base" latinLnBrk="1" hangingPunct="1">
+                        <a:lnSpc>
+                          <a:spcPct val="100000"/>
+                        </a:lnSpc>
+                        <a:spcBef>
+                          <a:spcPct val="20000"/>
+                        </a:spcBef>
+                        <a:spcAft>
+                          <a:spcPct val="0"/>
+                        </a:spcAft>
+                        <a:buClrTx/>
+                        <a:buSzTx/>
+                        <a:buFontTx/>
+                        <a:buNone/>
+                        <a:tabLst/>
+                      </a:pPr>
+                      <a:r>
+                        <a:rPr kumimoji="1" lang="en-US" altLang="ko-KR" sz="1050" b="1" i="0" u="none" strike="noStrike" cap="none" normalizeH="0" baseline="0" dirty="0" smtClean="0">
+                          <a:ln>
+                            <a:noFill/>
+                          </a:ln>
+                          <a:solidFill>
+                            <a:schemeClr val="bg2">
+                              <a:lumMod val="75000"/>
+                            </a:schemeClr>
+                          </a:solidFill>
+                          <a:effectLst/>
+                          <a:latin typeface="메이플스토리" panose="02000300000000000000" pitchFamily="2" charset="-127"/>
+                          <a:ea typeface="메이플스토리" panose="02000300000000000000" pitchFamily="2" charset="-127"/>
+                        </a:rPr>
+                        <a:t>   </a:t>
+                      </a:r>
+                      <a:r>
+                        <a:rPr kumimoji="1" lang="ko-KR" altLang="en-US" sz="1050" b="1" i="0" u="none" strike="noStrike" cap="none" normalizeH="0" baseline="0" dirty="0" smtClean="0">
+                          <a:ln>
+                            <a:noFill/>
+                          </a:ln>
+                          <a:solidFill>
+                            <a:schemeClr val="bg2">
+                              <a:lumMod val="75000"/>
+                            </a:schemeClr>
+                          </a:solidFill>
+                          <a:effectLst/>
+                          <a:latin typeface="메이플스토리" panose="02000300000000000000" pitchFamily="2" charset="-127"/>
+                          <a:ea typeface="메이플스토리" panose="02000300000000000000" pitchFamily="2" charset="-127"/>
+                        </a:rPr>
+                        <a:t>한 모델 조사</a:t>
+                      </a:r>
+                      <a:endParaRPr kumimoji="1" lang="en-US" altLang="ko-KR" sz="1050" b="1" i="0" u="none" strike="noStrike" cap="none" normalizeH="0" baseline="0" dirty="0" smtClean="0">
+                        <a:ln>
+                          <a:noFill/>
+                        </a:ln>
+                        <a:solidFill>
+                          <a:schemeClr val="bg2">
+                            <a:lumMod val="75000"/>
+                          </a:schemeClr>
+                        </a:solidFill>
+                        <a:effectLst/>
+                        <a:latin typeface="메이플스토리" panose="02000300000000000000" pitchFamily="2" charset="-127"/>
+                        <a:ea typeface="메이플스토리" panose="02000300000000000000" pitchFamily="2" charset="-127"/>
+                      </a:endParaRPr>
+                    </a:p>
+                    <a:p>
+                      <a:pPr marL="0" marR="0" lvl="0" indent="0" algn="l" defTabSz="914400" rtl="0" eaLnBrk="1" fontAlgn="base" latinLnBrk="1" hangingPunct="1">
+                        <a:lnSpc>
+                          <a:spcPct val="100000"/>
+                        </a:lnSpc>
+                        <a:spcBef>
+                          <a:spcPct val="20000"/>
+                        </a:spcBef>
+                        <a:spcAft>
+                          <a:spcPct val="0"/>
+                        </a:spcAft>
+                        <a:buClrTx/>
+                        <a:buSzTx/>
+                        <a:buFontTx/>
+                        <a:buNone/>
+                        <a:tabLst/>
+                      </a:pPr>
+                      <a:r>
+                        <a:rPr kumimoji="1" lang="en-US" altLang="ko-KR" sz="1050" b="1" i="0" u="none" strike="noStrike" cap="none" normalizeH="0" baseline="0" dirty="0" smtClean="0">
+                          <a:ln>
+                            <a:noFill/>
+                          </a:ln>
+                          <a:solidFill>
+                            <a:schemeClr val="bg2">
+                              <a:lumMod val="75000"/>
+                            </a:schemeClr>
+                          </a:solidFill>
+                          <a:effectLst/>
+                          <a:latin typeface="메이플스토리" panose="02000300000000000000" pitchFamily="2" charset="-127"/>
+                          <a:ea typeface="메이플스토리" panose="02000300000000000000" pitchFamily="2" charset="-127"/>
+                        </a:rPr>
+                        <a:t>- Steep </a:t>
+                      </a:r>
+                      <a:r>
+                        <a:rPr kumimoji="1" lang="ko-KR" altLang="en-US" sz="1050" b="1" i="0" u="none" strike="noStrike" cap="none" normalizeH="0" baseline="0" dirty="0" smtClean="0">
+                          <a:ln>
+                            <a:noFill/>
+                          </a:ln>
+                          <a:solidFill>
+                            <a:schemeClr val="bg2">
+                              <a:lumMod val="75000"/>
+                            </a:schemeClr>
+                          </a:solidFill>
+                          <a:effectLst/>
+                          <a:latin typeface="메이플스토리" panose="02000300000000000000" pitchFamily="2" charset="-127"/>
+                          <a:ea typeface="메이플스토리" panose="02000300000000000000" pitchFamily="2" charset="-127"/>
+                        </a:rPr>
+                        <a:t>분석 시작</a:t>
+                      </a:r>
+                      <a:endParaRPr kumimoji="1" lang="en-US" altLang="ko-KR" sz="1050" b="1" i="0" u="none" strike="noStrike" cap="none" normalizeH="0" baseline="0" dirty="0" smtClean="0">
+                        <a:ln>
+                          <a:noFill/>
+                        </a:ln>
+                        <a:solidFill>
+                          <a:schemeClr val="bg2">
+                            <a:lumMod val="75000"/>
+                          </a:schemeClr>
+                        </a:solidFill>
+                        <a:effectLst/>
+                        <a:latin typeface="메이플스토리" panose="02000300000000000000" pitchFamily="2" charset="-127"/>
+                        <a:ea typeface="메이플스토리" panose="02000300000000000000" pitchFamily="2" charset="-127"/>
+                      </a:endParaRPr>
+                    </a:p>
+                    <a:p>
+                      <a:pPr marL="0" marR="0" lvl="0" indent="0" algn="l" defTabSz="914400" rtl="0" eaLnBrk="1" fontAlgn="base" latinLnBrk="1" hangingPunct="1">
+                        <a:lnSpc>
+                          <a:spcPct val="100000"/>
+                        </a:lnSpc>
+                        <a:spcBef>
+                          <a:spcPct val="20000"/>
+                        </a:spcBef>
+                        <a:spcAft>
+                          <a:spcPct val="0"/>
+                        </a:spcAft>
+                        <a:buClrTx/>
+                        <a:buSzTx/>
+                        <a:buFontTx/>
+                        <a:buNone/>
+                        <a:tabLst/>
+                      </a:pPr>
+                      <a:r>
+                        <a:rPr kumimoji="1" lang="en-US" altLang="ko-KR" sz="1050" b="1" i="0" u="none" strike="noStrike" cap="none" normalizeH="0" baseline="0" dirty="0" smtClean="0">
+                          <a:ln>
+                            <a:noFill/>
+                          </a:ln>
+                          <a:solidFill>
+                            <a:schemeClr val="bg2">
+                              <a:lumMod val="75000"/>
+                            </a:schemeClr>
+                          </a:solidFill>
+                          <a:effectLst/>
+                          <a:latin typeface="메이플스토리" panose="02000300000000000000" pitchFamily="2" charset="-127"/>
+                          <a:ea typeface="메이플스토리" panose="02000300000000000000" pitchFamily="2" charset="-127"/>
+                        </a:rPr>
+                        <a:t>   (</a:t>
+                      </a:r>
+                      <a:r>
+                        <a:rPr kumimoji="1" lang="ko-KR" altLang="en-US" sz="1050" b="1" i="0" u="none" strike="noStrike" cap="none" normalizeH="0" baseline="0" dirty="0" smtClean="0">
+                          <a:ln>
+                            <a:noFill/>
+                          </a:ln>
+                          <a:solidFill>
+                            <a:schemeClr val="bg2">
+                              <a:lumMod val="75000"/>
+                            </a:schemeClr>
+                          </a:solidFill>
+                          <a:effectLst/>
+                          <a:latin typeface="메이플스토리" panose="02000300000000000000" pitchFamily="2" charset="-127"/>
+                          <a:ea typeface="메이플스토리" panose="02000300000000000000" pitchFamily="2" charset="-127"/>
+                        </a:rPr>
+                        <a:t>사회적</a:t>
+                      </a:r>
+                      <a:r>
+                        <a:rPr kumimoji="1" lang="en-US" altLang="ko-KR" sz="1050" b="1" i="0" u="none" strike="noStrike" cap="none" normalizeH="0" baseline="0" dirty="0" smtClean="0">
+                          <a:ln>
+                            <a:noFill/>
+                          </a:ln>
+                          <a:solidFill>
+                            <a:schemeClr val="bg2">
+                              <a:lumMod val="75000"/>
+                            </a:schemeClr>
+                          </a:solidFill>
+                          <a:effectLst/>
+                          <a:latin typeface="메이플스토리" panose="02000300000000000000" pitchFamily="2" charset="-127"/>
+                          <a:ea typeface="메이플스토리" panose="02000300000000000000" pitchFamily="2" charset="-127"/>
+                        </a:rPr>
+                        <a:t>, </a:t>
+                      </a:r>
+                      <a:r>
+                        <a:rPr kumimoji="1" lang="ko-KR" altLang="en-US" sz="1050" b="1" i="0" u="none" strike="noStrike" cap="none" normalizeH="0" baseline="0" dirty="0" smtClean="0">
+                          <a:ln>
+                            <a:noFill/>
+                          </a:ln>
+                          <a:solidFill>
+                            <a:schemeClr val="bg2">
+                              <a:lumMod val="75000"/>
+                            </a:schemeClr>
+                          </a:solidFill>
+                          <a:effectLst/>
+                          <a:latin typeface="메이플스토리" panose="02000300000000000000" pitchFamily="2" charset="-127"/>
+                          <a:ea typeface="메이플스토리" panose="02000300000000000000" pitchFamily="2" charset="-127"/>
+                        </a:rPr>
+                        <a:t>생태적 분석</a:t>
+                      </a:r>
+                      <a:r>
+                        <a:rPr kumimoji="1" lang="en-US" altLang="ko-KR" sz="1050" b="1" i="0" u="none" strike="noStrike" cap="none" normalizeH="0" baseline="0" dirty="0" smtClean="0">
+                          <a:ln>
+                            <a:noFill/>
+                          </a:ln>
+                          <a:solidFill>
+                            <a:schemeClr val="bg2">
+                              <a:lumMod val="75000"/>
+                            </a:schemeClr>
+                          </a:solidFill>
+                          <a:effectLst/>
+                          <a:latin typeface="메이플스토리" panose="02000300000000000000" pitchFamily="2" charset="-127"/>
+                          <a:ea typeface="메이플스토리" panose="02000300000000000000" pitchFamily="2" charset="-127"/>
+                        </a:rPr>
+                        <a:t>)</a:t>
+                      </a:r>
+                    </a:p>
+                  </a:txBody>
+                  <a:tcPr horzOverflow="overflow">
+                    <a:lnL w="12700" cap="flat" cmpd="sng" algn="ctr">
+                      <a:solidFill>
+                        <a:schemeClr val="bg1">
+                          <a:lumMod val="75000"/>
+                        </a:schemeClr>
+                      </a:solidFill>
+                      <a:prstDash val="solid"/>
+                      <a:round/>
+                      <a:headEnd type="none" w="med" len="med"/>
+                      <a:tailEnd type="none" w="med" len="med"/>
+                    </a:lnL>
+                    <a:lnR w="12700" cap="flat" cmpd="sng" algn="ctr">
+                      <a:solidFill>
+                        <a:schemeClr val="bg1">
+                          <a:lumMod val="75000"/>
+                        </a:schemeClr>
+                      </a:solidFill>
+                      <a:prstDash val="solid"/>
+                      <a:round/>
+                      <a:headEnd type="none" w="med" len="med"/>
+                      <a:tailEnd type="none" w="med" len="med"/>
+                    </a:lnR>
+                    <a:lnT w="12700" cap="flat" cmpd="sng" algn="ctr">
+                      <a:solidFill>
+                        <a:schemeClr val="bg1">
+                          <a:lumMod val="75000"/>
+                        </a:schemeClr>
+                      </a:solidFill>
+                      <a:prstDash val="solid"/>
+                      <a:round/>
+                      <a:headEnd type="none" w="med" len="med"/>
+                      <a:tailEnd type="none" w="med" len="med"/>
+                    </a:lnT>
+                    <a:lnB w="12700" cap="flat" cmpd="sng" algn="ctr">
+                      <a:solidFill>
+                        <a:schemeClr val="bg1">
+                          <a:lumMod val="75000"/>
+                        </a:schemeClr>
+                      </a:solidFill>
+                      <a:prstDash val="solid"/>
+                      <a:round/>
+                      <a:headEnd type="none" w="med" len="med"/>
+                      <a:tailEnd type="none" w="med" len="med"/>
+                    </a:lnB>
+                    <a:lnTlToBr>
+                      <a:noFill/>
+                    </a:lnTlToBr>
+                    <a:lnBlToTr>
+                      <a:noFill/>
+                    </a:lnBlToTr>
+                    <a:noFill/>
+                  </a:tcPr>
+                </a:tc>
+                <a:tc>
+                  <a:txBody>
+                    <a:bodyPr/>
+                    <a:lstStyle/>
+                    <a:p>
+                      <a:pPr marL="0" marR="0" lvl="0" indent="0" algn="l" defTabSz="914400" rtl="0" eaLnBrk="1" fontAlgn="base" latinLnBrk="1" hangingPunct="1">
+                        <a:lnSpc>
+                          <a:spcPct val="100000"/>
+                        </a:lnSpc>
+                        <a:spcBef>
+                          <a:spcPct val="20000"/>
+                        </a:spcBef>
+                        <a:spcAft>
+                          <a:spcPct val="0"/>
+                        </a:spcAft>
+                        <a:buClrTx/>
+                        <a:buSzTx/>
+                        <a:buFontTx/>
+                        <a:buNone/>
+                        <a:tabLst/>
+                      </a:pPr>
+                      <a:r>
+                        <a:rPr kumimoji="1" lang="en-US" altLang="ko-KR" sz="1050" b="1" i="0" u="none" strike="noStrike" cap="none" normalizeH="0" baseline="0" dirty="0" smtClean="0">
+                          <a:ln>
+                            <a:noFill/>
+                          </a:ln>
+                          <a:solidFill>
+                            <a:schemeClr val="bg2">
+                              <a:lumMod val="75000"/>
+                            </a:schemeClr>
+                          </a:solidFill>
+                          <a:effectLst/>
+                          <a:latin typeface="메이플스토리" panose="02000300000000000000" pitchFamily="2" charset="-127"/>
+                          <a:ea typeface="메이플스토리" panose="02000300000000000000" pitchFamily="2" charset="-127"/>
+                        </a:rPr>
+                        <a:t>11</a:t>
+                      </a:r>
+                    </a:p>
+                    <a:p>
+                      <a:pPr marL="0" marR="0" lvl="0" indent="0" algn="l" defTabSz="914400" rtl="0" eaLnBrk="1" fontAlgn="base" latinLnBrk="1" hangingPunct="1">
+                        <a:lnSpc>
+                          <a:spcPct val="100000"/>
+                        </a:lnSpc>
+                        <a:spcBef>
+                          <a:spcPct val="20000"/>
+                        </a:spcBef>
+                        <a:spcAft>
+                          <a:spcPct val="0"/>
+                        </a:spcAft>
+                        <a:buClrTx/>
+                        <a:buSzTx/>
+                        <a:buFontTx/>
+                        <a:buNone/>
+                        <a:tabLst/>
+                      </a:pPr>
+                      <a:r>
+                        <a:rPr kumimoji="1" lang="ko-KR" altLang="en-US" sz="1050" b="1" i="0" u="none" strike="noStrike" cap="none" normalizeH="0" baseline="0" dirty="0" smtClean="0">
+                          <a:ln>
+                            <a:noFill/>
+                          </a:ln>
+                          <a:solidFill>
+                            <a:schemeClr val="tx1"/>
+                          </a:solidFill>
+                          <a:effectLst/>
+                          <a:latin typeface="메이플스토리" panose="02000300000000000000" pitchFamily="2" charset="-127"/>
+                          <a:ea typeface="메이플스토리" panose="02000300000000000000" pitchFamily="2" charset="-127"/>
+                        </a:rPr>
+                        <a:t>추석 연휴 까지 대략적인 기획 </a:t>
+                      </a:r>
+                      <a:r>
+                        <a:rPr kumimoji="1" lang="en-US" altLang="ko-KR" sz="1050" b="1" i="0" u="none" strike="noStrike" cap="none" normalizeH="0" baseline="0" dirty="0" smtClean="0">
+                          <a:ln>
+                            <a:noFill/>
+                          </a:ln>
+                          <a:solidFill>
+                            <a:schemeClr val="tx1"/>
+                          </a:solidFill>
+                          <a:effectLst/>
+                          <a:latin typeface="메이플스토리" panose="02000300000000000000" pitchFamily="2" charset="-127"/>
+                          <a:ea typeface="메이플스토리" panose="02000300000000000000" pitchFamily="2" charset="-127"/>
+                        </a:rPr>
+                        <a:t>&amp; Steep </a:t>
+                      </a:r>
+                      <a:r>
+                        <a:rPr kumimoji="1" lang="ko-KR" altLang="en-US" sz="1050" b="1" i="0" u="none" strike="noStrike" cap="none" normalizeH="0" baseline="0" dirty="0" smtClean="0">
+                          <a:ln>
+                            <a:noFill/>
+                          </a:ln>
+                          <a:solidFill>
+                            <a:schemeClr val="tx1"/>
+                          </a:solidFill>
+                          <a:effectLst/>
+                          <a:latin typeface="메이플스토리" panose="02000300000000000000" pitchFamily="2" charset="-127"/>
+                          <a:ea typeface="메이플스토리" panose="02000300000000000000" pitchFamily="2" charset="-127"/>
+                        </a:rPr>
+                        <a:t>분석 </a:t>
+                      </a:r>
+                      <a:r>
+                        <a:rPr kumimoji="1" lang="ko-KR" altLang="en-US" sz="1050" b="1" i="0" u="none" strike="noStrike" cap="none" normalizeH="0" baseline="0" dirty="0" smtClean="0">
+                          <a:ln>
+                            <a:noFill/>
+                          </a:ln>
+                          <a:solidFill>
+                            <a:schemeClr val="tx1"/>
+                          </a:solidFill>
+                          <a:effectLst/>
+                          <a:latin typeface="메이플스토리" panose="02000300000000000000" pitchFamily="2" charset="-127"/>
+                          <a:ea typeface="메이플스토리" panose="02000300000000000000" pitchFamily="2" charset="-127"/>
+                        </a:rPr>
+                        <a:t>완료</a:t>
+                      </a:r>
+                      <a:endParaRPr kumimoji="1" lang="en-US" altLang="ko-KR" sz="1050" b="1" i="0" u="none" strike="noStrike" cap="none" normalizeH="0" baseline="0" dirty="0" smtClean="0">
+                        <a:ln>
+                          <a:noFill/>
+                        </a:ln>
+                        <a:solidFill>
+                          <a:schemeClr val="bg2">
+                            <a:lumMod val="75000"/>
+                          </a:schemeClr>
+                        </a:solidFill>
+                        <a:effectLst/>
+                        <a:latin typeface="메이플스토리" panose="02000300000000000000" pitchFamily="2" charset="-127"/>
+                        <a:ea typeface="메이플스토리" panose="02000300000000000000" pitchFamily="2" charset="-127"/>
+                      </a:endParaRPr>
+                    </a:p>
+                    <a:p>
+                      <a:pPr marL="0" marR="0" lvl="0" indent="0" algn="l" defTabSz="914400" rtl="0" eaLnBrk="1" fontAlgn="base" latinLnBrk="1" hangingPunct="1">
+                        <a:lnSpc>
+                          <a:spcPct val="100000"/>
+                        </a:lnSpc>
+                        <a:spcBef>
+                          <a:spcPct val="20000"/>
+                        </a:spcBef>
+                        <a:spcAft>
+                          <a:spcPct val="0"/>
+                        </a:spcAft>
+                        <a:buClrTx/>
+                        <a:buSzTx/>
+                        <a:buFontTx/>
+                        <a:buNone/>
+                        <a:tabLst/>
+                      </a:pPr>
+                      <a:r>
+                        <a:rPr kumimoji="1" lang="en-US" altLang="ko-KR" sz="1050" b="1" i="0" u="none" strike="noStrike" cap="none" normalizeH="0" baseline="0" dirty="0" smtClean="0">
+                          <a:ln>
+                            <a:noFill/>
+                          </a:ln>
+                          <a:solidFill>
+                            <a:schemeClr val="bg2">
+                              <a:lumMod val="75000"/>
+                            </a:schemeClr>
+                          </a:solidFill>
+                          <a:effectLst/>
+                          <a:latin typeface="메이플스토리" panose="02000300000000000000" pitchFamily="2" charset="-127"/>
+                          <a:ea typeface="메이플스토리" panose="02000300000000000000" pitchFamily="2" charset="-127"/>
+                        </a:rPr>
+                        <a:t>- Steep </a:t>
+                      </a:r>
+                      <a:r>
+                        <a:rPr kumimoji="1" lang="ko-KR" altLang="en-US" sz="1050" b="1" i="0" u="none" strike="noStrike" cap="none" normalizeH="0" baseline="0" dirty="0" smtClean="0">
+                          <a:ln>
+                            <a:noFill/>
+                          </a:ln>
+                          <a:solidFill>
+                            <a:schemeClr val="bg2">
+                              <a:lumMod val="75000"/>
+                            </a:schemeClr>
+                          </a:solidFill>
+                          <a:effectLst/>
+                          <a:latin typeface="메이플스토리" panose="02000300000000000000" pitchFamily="2" charset="-127"/>
+                          <a:ea typeface="메이플스토리" panose="02000300000000000000" pitchFamily="2" charset="-127"/>
+                        </a:rPr>
+                        <a:t>분석 정리 </a:t>
+                      </a:r>
+                      <a:r>
+                        <a:rPr kumimoji="1" lang="en-US" altLang="ko-KR" sz="1050" b="1" i="0" u="none" strike="noStrike" cap="none" normalizeH="0" baseline="0" dirty="0" smtClean="0">
+                          <a:ln>
+                            <a:noFill/>
+                          </a:ln>
+                          <a:solidFill>
+                            <a:schemeClr val="bg2">
+                              <a:lumMod val="75000"/>
+                            </a:schemeClr>
+                          </a:solidFill>
+                          <a:effectLst/>
+                          <a:latin typeface="메이플스토리" panose="02000300000000000000" pitchFamily="2" charset="-127"/>
+                          <a:ea typeface="메이플스토리" panose="02000300000000000000" pitchFamily="2" charset="-127"/>
+                        </a:rPr>
+                        <a:t>&amp; </a:t>
+                      </a:r>
+                      <a:r>
+                        <a:rPr kumimoji="1" lang="ko-KR" altLang="en-US" sz="1050" b="1" i="0" u="none" strike="noStrike" cap="none" normalizeH="0" baseline="0" dirty="0" smtClean="0">
+                          <a:ln>
+                            <a:noFill/>
+                          </a:ln>
+                          <a:solidFill>
+                            <a:schemeClr val="bg2">
+                              <a:lumMod val="75000"/>
+                            </a:schemeClr>
+                          </a:solidFill>
+                          <a:effectLst/>
+                          <a:latin typeface="메이플스토리" panose="02000300000000000000" pitchFamily="2" charset="-127"/>
+                          <a:ea typeface="메이플스토리" panose="02000300000000000000" pitchFamily="2" charset="-127"/>
+                        </a:rPr>
+                        <a:t>수정</a:t>
+                      </a:r>
+                      <a:endParaRPr kumimoji="1" lang="en-US" altLang="ko-KR" sz="1050" b="1" i="0" u="none" strike="noStrike" cap="none" normalizeH="0" baseline="0" dirty="0" smtClean="0">
+                        <a:ln>
+                          <a:noFill/>
+                        </a:ln>
+                        <a:solidFill>
+                          <a:schemeClr val="bg2">
+                            <a:lumMod val="75000"/>
+                          </a:schemeClr>
                         </a:solidFill>
                         <a:effectLst/>
                         <a:latin typeface="메이플스토리" panose="02000300000000000000" pitchFamily="2" charset="-127"/>
@@ -5677,34 +5664,24 @@
                             <a:noFill/>
                           </a:ln>
                           <a:solidFill>
-                            <a:schemeClr val="tx1"/>
-                          </a:solidFill>
-                          <a:effectLst/>
-                          <a:latin typeface="메이플스토리" panose="02000300000000000000" pitchFamily="2" charset="-127"/>
-                          <a:ea typeface="메이플스토리" panose="02000300000000000000" pitchFamily="2" charset="-127"/>
-                        </a:rPr>
-                        <a:t>일주일 간 각자 조사한 분석 자료를 토대로 게임 기획서 </a:t>
-                      </a:r>
-                      <a:r>
-                        <a:rPr kumimoji="1" lang="ko-KR" altLang="en-US" sz="1050" b="1" i="0" u="none" strike="noStrike" cap="none" normalizeH="0" baseline="0" dirty="0" smtClean="0">
-                          <a:ln>
-                            <a:noFill/>
-                          </a:ln>
-                          <a:solidFill>
-                            <a:schemeClr val="tx1"/>
-                          </a:solidFill>
-                          <a:effectLst/>
-                          <a:latin typeface="메이플스토리" panose="02000300000000000000" pitchFamily="2" charset="-127"/>
-                          <a:ea typeface="메이플스토리" panose="02000300000000000000" pitchFamily="2" charset="-127"/>
-                        </a:rPr>
-                        <a:t>제작</a:t>
+                            <a:schemeClr val="bg2">
+                              <a:lumMod val="75000"/>
+                            </a:schemeClr>
+                          </a:solidFill>
+                          <a:effectLst/>
+                          <a:latin typeface="메이플스토리" panose="02000300000000000000" pitchFamily="2" charset="-127"/>
+                          <a:ea typeface="메이플스토리" panose="02000300000000000000" pitchFamily="2" charset="-127"/>
+                        </a:rPr>
+                        <a:t>일주일 간 각자 조사한 분석 자료를 토대로 게임 기획서 제작</a:t>
                       </a:r>
                       <a:endParaRPr kumimoji="1" lang="en-US" altLang="ko-KR" sz="1050" b="1" i="0" u="none" strike="noStrike" cap="none" normalizeH="0" baseline="0" dirty="0" smtClean="0">
                         <a:ln>
                           <a:noFill/>
                         </a:ln>
                         <a:solidFill>
-                          <a:schemeClr val="tx1"/>
+                          <a:schemeClr val="bg2">
+                            <a:lumMod val="75000"/>
+                          </a:schemeClr>
                         </a:solidFill>
                         <a:effectLst/>
                         <a:latin typeface="메이플스토리" panose="02000300000000000000" pitchFamily="2" charset="-127"/>
@@ -5734,7 +5711,9 @@
                             <a:noFill/>
                           </a:ln>
                           <a:solidFill>
-                            <a:schemeClr val="tx1"/>
+                            <a:schemeClr val="bg2">
+                              <a:lumMod val="75000"/>
+                            </a:schemeClr>
                           </a:solidFill>
                           <a:effectLst/>
                           <a:latin typeface="메이플스토리" panose="02000300000000000000" pitchFamily="2" charset="-127"/>
@@ -5748,7 +5727,9 @@
                             <a:noFill/>
                           </a:ln>
                           <a:solidFill>
-                            <a:schemeClr val="tx1"/>
+                            <a:schemeClr val="bg2">
+                              <a:lumMod val="75000"/>
+                            </a:schemeClr>
                           </a:solidFill>
                           <a:effectLst/>
                           <a:latin typeface="메이플스토리" panose="02000300000000000000" pitchFamily="2" charset="-127"/>
@@ -5761,7 +5742,9 @@
                           <a:noFill/>
                         </a:ln>
                         <a:solidFill>
-                          <a:schemeClr val="tx1"/>
+                          <a:schemeClr val="bg2">
+                            <a:lumMod val="75000"/>
+                          </a:schemeClr>
                         </a:solidFill>
                         <a:effectLst/>
                         <a:latin typeface="메이플스토리" panose="02000300000000000000" pitchFamily="2" charset="-127"/>
@@ -5891,91 +5874,6 @@
                           <a:ea typeface="메이플스토리" panose="02000300000000000000" pitchFamily="2" charset="-127"/>
                         </a:rPr>
                         <a:t>졸업작품 회의</a:t>
-                      </a:r>
-                      <a:endParaRPr kumimoji="1" lang="en-US" altLang="ko-KR" sz="1050" b="1" i="0" u="none" strike="noStrike" cap="none" normalizeH="0" baseline="0" dirty="0" smtClean="0">
-                        <a:ln>
-                          <a:noFill/>
-                        </a:ln>
-                        <a:solidFill>
-                          <a:schemeClr val="tx1"/>
-                        </a:solidFill>
-                        <a:effectLst/>
-                        <a:latin typeface="메이플스토리" panose="02000300000000000000" pitchFamily="2" charset="-127"/>
-                        <a:ea typeface="메이플스토리" panose="02000300000000000000" pitchFamily="2" charset="-127"/>
-                      </a:endParaRPr>
-                    </a:p>
-                    <a:p>
-                      <a:pPr marL="171450" marR="0" lvl="0" indent="-171450" algn="l" defTabSz="914400" rtl="0" eaLnBrk="1" fontAlgn="base" latinLnBrk="1" hangingPunct="1">
-                        <a:lnSpc>
-                          <a:spcPct val="100000"/>
-                        </a:lnSpc>
-                        <a:spcBef>
-                          <a:spcPct val="20000"/>
-                        </a:spcBef>
-                        <a:spcAft>
-                          <a:spcPct val="0"/>
-                        </a:spcAft>
-                        <a:buClrTx/>
-                        <a:buSzTx/>
-                        <a:buFontTx/>
-                        <a:buChar char="-"/>
-                        <a:tabLst/>
-                      </a:pPr>
-                      <a:r>
-                        <a:rPr kumimoji="1" lang="ko-KR" altLang="en-US" sz="1050" b="1" i="0" u="none" strike="noStrike" cap="none" normalizeH="0" baseline="0" dirty="0" smtClean="0">
-                          <a:ln>
-                            <a:noFill/>
-                          </a:ln>
-                          <a:solidFill>
-                            <a:schemeClr val="tx1"/>
-                          </a:solidFill>
-                          <a:effectLst/>
-                          <a:latin typeface="메이플스토리" panose="02000300000000000000" pitchFamily="2" charset="-127"/>
-                          <a:ea typeface="메이플스토리" panose="02000300000000000000" pitchFamily="2" charset="-127"/>
-                        </a:rPr>
-                        <a:t>게임 </a:t>
-                      </a:r>
-                      <a:r>
-                        <a:rPr kumimoji="1" lang="ko-KR" altLang="en-US" sz="1050" b="1" i="0" u="none" strike="noStrike" cap="none" normalizeH="0" baseline="0" dirty="0" smtClean="0">
-                          <a:ln>
-                            <a:noFill/>
-                          </a:ln>
-                          <a:solidFill>
-                            <a:schemeClr val="tx1"/>
-                          </a:solidFill>
-                          <a:effectLst/>
-                          <a:latin typeface="메이플스토리" panose="02000300000000000000" pitchFamily="2" charset="-127"/>
-                          <a:ea typeface="메이플스토리" panose="02000300000000000000" pitchFamily="2" charset="-127"/>
-                        </a:rPr>
-                        <a:t>기획서 정리 </a:t>
-                      </a:r>
-                      <a:r>
-                        <a:rPr kumimoji="1" lang="en-US" altLang="ko-KR" sz="1050" b="1" i="0" u="none" strike="noStrike" cap="none" normalizeH="0" baseline="0" dirty="0" smtClean="0">
-                          <a:ln>
-                            <a:noFill/>
-                          </a:ln>
-                          <a:solidFill>
-                            <a:schemeClr val="tx1"/>
-                          </a:solidFill>
-                          <a:effectLst/>
-                          <a:latin typeface="메이플스토리" panose="02000300000000000000" pitchFamily="2" charset="-127"/>
-                          <a:ea typeface="메이플스토리" panose="02000300000000000000" pitchFamily="2" charset="-127"/>
-                        </a:rPr>
-                        <a:t>&amp; </a:t>
-                      </a:r>
-                      <a:r>
-                        <a:rPr kumimoji="1" lang="ko-KR" altLang="en-US" sz="1050" b="1" i="0" u="none" strike="noStrike" cap="none" normalizeH="0" baseline="0" dirty="0" smtClean="0">
-                          <a:ln>
-                            <a:noFill/>
-                          </a:ln>
-                          <a:solidFill>
-                            <a:schemeClr val="tx1"/>
-                          </a:solidFill>
-                          <a:effectLst/>
-                          <a:latin typeface="메이플스토리" panose="02000300000000000000" pitchFamily="2" charset="-127"/>
-                          <a:ea typeface="메이플스토리" panose="02000300000000000000" pitchFamily="2" charset="-127"/>
-                        </a:rPr>
-                        <a:t>수정</a:t>
                       </a:r>
                       <a:endParaRPr kumimoji="1" lang="en-US" altLang="ko-KR" sz="1050" b="1" i="0" u="none" strike="noStrike" cap="none" normalizeH="0" baseline="0" dirty="0" smtClean="0">
                         <a:ln>
@@ -6006,6 +5904,270 @@
                         <a:buNone/>
                         <a:tabLst/>
                       </a:pPr>
+                      <a:r>
+                        <a:rPr kumimoji="1" lang="en-US" altLang="ko-KR" sz="1050" b="1" i="0" u="none" strike="noStrike" cap="none" normalizeH="0" baseline="0" dirty="0" smtClean="0">
+                          <a:ln>
+                            <a:noFill/>
+                          </a:ln>
+                          <a:solidFill>
+                            <a:schemeClr val="bg2">
+                              <a:lumMod val="75000"/>
+                            </a:schemeClr>
+                          </a:solidFill>
+                          <a:effectLst/>
+                          <a:latin typeface="메이플스토리" panose="02000300000000000000" pitchFamily="2" charset="-127"/>
+                          <a:ea typeface="메이플스토리" panose="02000300000000000000" pitchFamily="2" charset="-127"/>
+                        </a:rPr>
+                        <a:t>- </a:t>
+                      </a:r>
+                      <a:r>
+                        <a:rPr kumimoji="1" lang="ko-KR" altLang="en-US" sz="1050" b="1" i="0" u="none" strike="noStrike" cap="none" normalizeH="0" baseline="0" dirty="0" smtClean="0">
+                          <a:ln>
+                            <a:noFill/>
+                          </a:ln>
+                          <a:solidFill>
+                            <a:schemeClr val="bg2">
+                              <a:lumMod val="75000"/>
+                            </a:schemeClr>
+                          </a:solidFill>
+                          <a:effectLst/>
+                          <a:latin typeface="메이플스토리" panose="02000300000000000000" pitchFamily="2" charset="-127"/>
+                          <a:ea typeface="메이플스토리" panose="02000300000000000000" pitchFamily="2" charset="-127"/>
+                        </a:rPr>
+                        <a:t>게임 </a:t>
+                      </a:r>
+                      <a:r>
+                        <a:rPr kumimoji="1" lang="ko-KR" altLang="en-US" sz="1050" b="1" i="0" u="none" strike="noStrike" cap="none" normalizeH="0" baseline="0" dirty="0" smtClean="0">
+                          <a:ln>
+                            <a:noFill/>
+                          </a:ln>
+                          <a:solidFill>
+                            <a:schemeClr val="bg2">
+                              <a:lumMod val="75000"/>
+                            </a:schemeClr>
+                          </a:solidFill>
+                          <a:effectLst/>
+                          <a:latin typeface="메이플스토리" panose="02000300000000000000" pitchFamily="2" charset="-127"/>
+                          <a:ea typeface="메이플스토리" panose="02000300000000000000" pitchFamily="2" charset="-127"/>
+                        </a:rPr>
+                        <a:t>기획서 정리 </a:t>
+                      </a:r>
+                      <a:r>
+                        <a:rPr kumimoji="1" lang="en-US" altLang="ko-KR" sz="1050" b="1" i="0" u="none" strike="noStrike" cap="none" normalizeH="0" baseline="0" dirty="0" smtClean="0">
+                          <a:ln>
+                            <a:noFill/>
+                          </a:ln>
+                          <a:solidFill>
+                            <a:schemeClr val="bg2">
+                              <a:lumMod val="75000"/>
+                            </a:schemeClr>
+                          </a:solidFill>
+                          <a:effectLst/>
+                          <a:latin typeface="메이플스토리" panose="02000300000000000000" pitchFamily="2" charset="-127"/>
+                          <a:ea typeface="메이플스토리" panose="02000300000000000000" pitchFamily="2" charset="-127"/>
+                        </a:rPr>
+                        <a:t>&amp; </a:t>
+                      </a:r>
+                      <a:r>
+                        <a:rPr kumimoji="1" lang="ko-KR" altLang="en-US" sz="1050" b="1" i="0" u="none" strike="noStrike" cap="none" normalizeH="0" baseline="0" dirty="0" smtClean="0">
+                          <a:ln>
+                            <a:noFill/>
+                          </a:ln>
+                          <a:solidFill>
+                            <a:schemeClr val="bg2">
+                              <a:lumMod val="75000"/>
+                            </a:schemeClr>
+                          </a:solidFill>
+                          <a:effectLst/>
+                          <a:latin typeface="메이플스토리" panose="02000300000000000000" pitchFamily="2" charset="-127"/>
+                          <a:ea typeface="메이플스토리" panose="02000300000000000000" pitchFamily="2" charset="-127"/>
+                        </a:rPr>
+                        <a:t>수정</a:t>
+                      </a:r>
+                      <a:endParaRPr kumimoji="1" lang="en-US" altLang="ko-KR" sz="1050" b="1" i="0" u="none" strike="noStrike" cap="none" normalizeH="0" baseline="0" dirty="0" smtClean="0">
+                        <a:ln>
+                          <a:noFill/>
+                        </a:ln>
+                        <a:solidFill>
+                          <a:schemeClr val="bg2">
+                            <a:lumMod val="75000"/>
+                          </a:schemeClr>
+                        </a:solidFill>
+                        <a:effectLst/>
+                        <a:latin typeface="메이플스토리" panose="02000300000000000000" pitchFamily="2" charset="-127"/>
+                        <a:ea typeface="메이플스토리" panose="02000300000000000000" pitchFamily="2" charset="-127"/>
+                      </a:endParaRPr>
+                    </a:p>
+                    <a:p>
+                      <a:pPr marL="0" marR="0" lvl="0" indent="0" algn="l" defTabSz="914400" rtl="0" eaLnBrk="1" fontAlgn="base" latinLnBrk="1" hangingPunct="1">
+                        <a:lnSpc>
+                          <a:spcPct val="100000"/>
+                        </a:lnSpc>
+                        <a:spcBef>
+                          <a:spcPct val="20000"/>
+                        </a:spcBef>
+                        <a:spcAft>
+                          <a:spcPct val="0"/>
+                        </a:spcAft>
+                        <a:buClrTx/>
+                        <a:buSzTx/>
+                        <a:buFontTx/>
+                        <a:buNone/>
+                        <a:tabLst/>
+                      </a:pPr>
+                      <a:r>
+                        <a:rPr kumimoji="1" lang="en-US" altLang="ko-KR" sz="1050" b="1" i="0" u="none" strike="noStrike" cap="none" normalizeH="0" baseline="0" dirty="0" smtClean="0">
+                          <a:ln>
+                            <a:noFill/>
+                          </a:ln>
+                          <a:solidFill>
+                            <a:schemeClr val="tx1"/>
+                          </a:solidFill>
+                          <a:effectLst/>
+                          <a:latin typeface="메이플스토리" panose="02000300000000000000" pitchFamily="2" charset="-127"/>
+                          <a:ea typeface="메이플스토리" panose="02000300000000000000" pitchFamily="2" charset="-127"/>
+                        </a:rPr>
+                        <a:t> </a:t>
+                      </a:r>
+                      <a:r>
+                        <a:rPr kumimoji="1" lang="ko-KR" altLang="en-US" sz="1050" b="1" i="0" u="none" strike="noStrike" cap="none" normalizeH="0" baseline="0" dirty="0" smtClean="0">
+                          <a:ln>
+                            <a:noFill/>
+                          </a:ln>
+                          <a:solidFill>
+                            <a:schemeClr val="tx1"/>
+                          </a:solidFill>
+                          <a:effectLst/>
+                          <a:latin typeface="메이플스토리" panose="02000300000000000000" pitchFamily="2" charset="-127"/>
+                          <a:ea typeface="메이플스토리" panose="02000300000000000000" pitchFamily="2" charset="-127"/>
+                        </a:rPr>
+                        <a:t>부족한 공부 시작</a:t>
+                      </a:r>
+                      <a:endParaRPr kumimoji="1" lang="en-US" altLang="ko-KR" sz="1050" b="1" i="0" u="none" strike="noStrike" cap="none" normalizeH="0" baseline="0" dirty="0" smtClean="0">
+                        <a:ln>
+                          <a:noFill/>
+                        </a:ln>
+                        <a:solidFill>
+                          <a:schemeClr val="tx1"/>
+                        </a:solidFill>
+                        <a:effectLst/>
+                        <a:latin typeface="메이플스토리" panose="02000300000000000000" pitchFamily="2" charset="-127"/>
+                        <a:ea typeface="메이플스토리" panose="02000300000000000000" pitchFamily="2" charset="-127"/>
+                      </a:endParaRPr>
+                    </a:p>
+                    <a:p>
+                      <a:pPr marL="0" marR="0" lvl="0" indent="0" algn="l" defTabSz="914400" rtl="0" eaLnBrk="1" fontAlgn="base" latinLnBrk="1" hangingPunct="1">
+                        <a:lnSpc>
+                          <a:spcPct val="100000"/>
+                        </a:lnSpc>
+                        <a:spcBef>
+                          <a:spcPct val="20000"/>
+                        </a:spcBef>
+                        <a:spcAft>
+                          <a:spcPct val="0"/>
+                        </a:spcAft>
+                        <a:buClrTx/>
+                        <a:buSzTx/>
+                        <a:buFontTx/>
+                        <a:buNone/>
+                        <a:tabLst/>
+                      </a:pPr>
+                      <a:r>
+                        <a:rPr kumimoji="1" lang="en-US" altLang="ko-KR" sz="1050" b="1" i="0" u="none" strike="noStrike" cap="none" normalizeH="0" baseline="0" dirty="0" smtClean="0">
+                          <a:ln>
+                            <a:noFill/>
+                          </a:ln>
+                          <a:solidFill>
+                            <a:schemeClr val="bg2">
+                              <a:lumMod val="75000"/>
+                            </a:schemeClr>
+                          </a:solidFill>
+                          <a:effectLst/>
+                          <a:latin typeface="메이플스토리" panose="02000300000000000000" pitchFamily="2" charset="-127"/>
+                          <a:ea typeface="메이플스토리" panose="02000300000000000000" pitchFamily="2" charset="-127"/>
+                        </a:rPr>
+                        <a:t>- </a:t>
+                      </a:r>
+                      <a:r>
+                        <a:rPr kumimoji="1" lang="ko-KR" altLang="en-US" sz="1050" b="1" i="0" u="none" strike="noStrike" cap="none" normalizeH="0" baseline="0" dirty="0" smtClean="0">
+                          <a:ln>
+                            <a:noFill/>
+                          </a:ln>
+                          <a:solidFill>
+                            <a:schemeClr val="bg2">
+                              <a:lumMod val="75000"/>
+                            </a:schemeClr>
+                          </a:solidFill>
+                          <a:effectLst/>
+                          <a:latin typeface="메이플스토리" panose="02000300000000000000" pitchFamily="2" charset="-127"/>
+                          <a:ea typeface="메이플스토리" panose="02000300000000000000" pitchFamily="2" charset="-127"/>
+                        </a:rPr>
+                        <a:t>수학</a:t>
+                      </a:r>
+                      <a:r>
+                        <a:rPr kumimoji="1" lang="en-US" altLang="ko-KR" sz="1050" b="1" i="0" u="none" strike="noStrike" cap="none" normalizeH="0" baseline="0" dirty="0" smtClean="0">
+                          <a:ln>
+                            <a:noFill/>
+                          </a:ln>
+                          <a:solidFill>
+                            <a:schemeClr val="bg2">
+                              <a:lumMod val="75000"/>
+                            </a:schemeClr>
+                          </a:solidFill>
+                          <a:effectLst/>
+                          <a:latin typeface="메이플스토리" panose="02000300000000000000" pitchFamily="2" charset="-127"/>
+                          <a:ea typeface="메이플스토리" panose="02000300000000000000" pitchFamily="2" charset="-127"/>
+                        </a:rPr>
+                        <a:t>, </a:t>
+                      </a:r>
+                      <a:r>
+                        <a:rPr kumimoji="1" lang="ko-KR" altLang="en-US" sz="1050" b="1" i="0" u="none" strike="noStrike" cap="none" normalizeH="0" baseline="0" dirty="0" smtClean="0">
+                          <a:ln>
+                            <a:noFill/>
+                          </a:ln>
+                          <a:solidFill>
+                            <a:schemeClr val="bg2">
+                              <a:lumMod val="75000"/>
+                            </a:schemeClr>
+                          </a:solidFill>
+                          <a:effectLst/>
+                          <a:latin typeface="메이플스토리" panose="02000300000000000000" pitchFamily="2" charset="-127"/>
+                          <a:ea typeface="메이플스토리" panose="02000300000000000000" pitchFamily="2" charset="-127"/>
+                        </a:rPr>
+                        <a:t>다이렉트 </a:t>
+                      </a:r>
+                      <a:r>
+                        <a:rPr kumimoji="1" lang="en-US" altLang="ko-KR" sz="1050" b="1" i="0" u="none" strike="noStrike" cap="none" normalizeH="0" baseline="0" dirty="0" smtClean="0">
+                          <a:ln>
+                            <a:noFill/>
+                          </a:ln>
+                          <a:solidFill>
+                            <a:schemeClr val="bg2">
+                              <a:lumMod val="75000"/>
+                            </a:schemeClr>
+                          </a:solidFill>
+                          <a:effectLst/>
+                          <a:latin typeface="메이플스토리" panose="02000300000000000000" pitchFamily="2" charset="-127"/>
+                          <a:ea typeface="메이플스토리" panose="02000300000000000000" pitchFamily="2" charset="-127"/>
+                        </a:rPr>
+                        <a:t>12…</a:t>
+                      </a:r>
+                      <a:r>
+                        <a:rPr kumimoji="1" lang="ko-KR" altLang="en-US" sz="1050" b="1" i="0" u="none" strike="noStrike" cap="none" normalizeH="0" baseline="0" dirty="0" smtClean="0">
+                          <a:ln>
+                            <a:noFill/>
+                          </a:ln>
+                          <a:solidFill>
+                            <a:schemeClr val="bg2">
+                              <a:lumMod val="75000"/>
+                            </a:schemeClr>
+                          </a:solidFill>
+                          <a:effectLst/>
+                          <a:latin typeface="메이플스토리" panose="02000300000000000000" pitchFamily="2" charset="-127"/>
+                          <a:ea typeface="메이플스토리" panose="02000300000000000000" pitchFamily="2" charset="-127"/>
+                        </a:rPr>
+                        <a:t> </a:t>
+                      </a:r>
                       <a:endParaRPr kumimoji="1" lang="en-US" altLang="ko-KR" sz="1050" b="1" i="0" u="none" strike="noStrike" cap="none" normalizeH="0" baseline="0" dirty="0" smtClean="0">
                         <a:ln>
                           <a:noFill/>
@@ -6184,7 +6346,7 @@
                       </a:endParaRPr>
                     </a:p>
                     <a:p>
-                      <a:pPr marL="0" marR="0" lvl="0" indent="0" algn="l" defTabSz="914400" rtl="0" eaLnBrk="1" fontAlgn="base" latinLnBrk="1" hangingPunct="1">
+                      <a:pPr marL="171450" marR="0" lvl="0" indent="-171450" algn="l" defTabSz="914400" rtl="0" eaLnBrk="1" fontAlgn="base" latinLnBrk="1" hangingPunct="1">
                         <a:lnSpc>
                           <a:spcPct val="100000"/>
                         </a:lnSpc>
@@ -6197,7 +6359,7 @@
                         <a:buClrTx/>
                         <a:buSzTx/>
                         <a:buFontTx/>
-                        <a:buNone/>
+                        <a:buChar char="-"/>
                         <a:tabLst/>
                       </a:pPr>
                       <a:r>
@@ -6214,7 +6376,7 @@
                           <a:latin typeface="메이플스토리" panose="02000300000000000000" pitchFamily="2" charset="-127"/>
                           <a:ea typeface="메이플스토리" panose="02000300000000000000" pitchFamily="2" charset="-127"/>
                         </a:rPr>
-                        <a:t>- 16:30</a:t>
+                        <a:t>16:30</a:t>
                       </a:r>
                       <a:r>
                         <a:rPr kumimoji="1" lang="ko-KR" altLang="en-US" sz="1050" b="1" i="0" u="none" strike="noStrike" cap="none" normalizeH="0" baseline="0" dirty="0" smtClean="0">
@@ -6230,7 +6392,151 @@
                           <a:latin typeface="메이플스토리" panose="02000300000000000000" pitchFamily="2" charset="-127"/>
                           <a:ea typeface="메이플스토리" panose="02000300000000000000" pitchFamily="2" charset="-127"/>
                         </a:rPr>
-                        <a:t> 분 교수님 연구실</a:t>
+                        <a:t> </a:t>
+                      </a:r>
+                      <a:r>
+                        <a:rPr kumimoji="1" lang="ko-KR" altLang="en-US" sz="1050" b="1" i="0" u="none" strike="noStrike" cap="none" normalizeH="0" baseline="0" dirty="0" smtClean="0">
+                          <a:ln>
+                            <a:noFill/>
+                          </a:ln>
+                          <a:solidFill>
+                            <a:schemeClr val="bg2">
+                              <a:lumMod val="75000"/>
+                            </a:schemeClr>
+                          </a:solidFill>
+                          <a:effectLst/>
+                          <a:latin typeface="메이플스토리" panose="02000300000000000000" pitchFamily="2" charset="-127"/>
+                          <a:ea typeface="메이플스토리" panose="02000300000000000000" pitchFamily="2" charset="-127"/>
+                        </a:rPr>
+                        <a:t>분 교수님 </a:t>
+                      </a:r>
+                      <a:r>
+                        <a:rPr kumimoji="1" lang="ko-KR" altLang="en-US" sz="1050" b="1" i="0" u="none" strike="noStrike" cap="none" normalizeH="0" baseline="0" dirty="0" smtClean="0">
+                          <a:ln>
+                            <a:noFill/>
+                          </a:ln>
+                          <a:solidFill>
+                            <a:schemeClr val="bg2">
+                              <a:lumMod val="75000"/>
+                            </a:schemeClr>
+                          </a:solidFill>
+                          <a:effectLst/>
+                          <a:latin typeface="메이플스토리" panose="02000300000000000000" pitchFamily="2" charset="-127"/>
+                          <a:ea typeface="메이플스토리" panose="02000300000000000000" pitchFamily="2" charset="-127"/>
+                        </a:rPr>
+                        <a:t>연구실</a:t>
+                      </a:r>
+                      <a:endParaRPr kumimoji="1" lang="en-US" altLang="ko-KR" sz="1050" b="1" i="0" u="none" strike="noStrike" cap="none" normalizeH="0" baseline="0" dirty="0" smtClean="0">
+                        <a:ln>
+                          <a:noFill/>
+                        </a:ln>
+                        <a:solidFill>
+                          <a:schemeClr val="bg2">
+                            <a:lumMod val="75000"/>
+                          </a:schemeClr>
+                        </a:solidFill>
+                        <a:effectLst/>
+                        <a:latin typeface="메이플스토리" panose="02000300000000000000" pitchFamily="2" charset="-127"/>
+                        <a:ea typeface="메이플스토리" panose="02000300000000000000" pitchFamily="2" charset="-127"/>
+                      </a:endParaRPr>
+                    </a:p>
+                    <a:p>
+                      <a:pPr marL="171450" marR="0" lvl="0" indent="-171450" algn="l" defTabSz="914400" rtl="0" eaLnBrk="1" fontAlgn="base" latinLnBrk="1" hangingPunct="1">
+                        <a:lnSpc>
+                          <a:spcPct val="100000"/>
+                        </a:lnSpc>
+                        <a:spcBef>
+                          <a:spcPct val="20000"/>
+                        </a:spcBef>
+                        <a:spcAft>
+                          <a:spcPct val="0"/>
+                        </a:spcAft>
+                        <a:buClrTx/>
+                        <a:buSzTx/>
+                        <a:buFontTx/>
+                        <a:buChar char="-"/>
+                        <a:tabLst/>
+                        <a:defRPr/>
+                      </a:pPr>
+                      <a:r>
+                        <a:rPr kumimoji="1" lang="ko-KR" altLang="en-US" sz="1050" b="1" i="0" u="none" strike="noStrike" cap="none" normalizeH="0" baseline="0" dirty="0" smtClean="0">
+                          <a:ln>
+                            <a:noFill/>
+                          </a:ln>
+                          <a:solidFill>
+                            <a:schemeClr val="bg2">
+                              <a:lumMod val="75000"/>
+                            </a:schemeClr>
+                          </a:solidFill>
+                          <a:effectLst/>
+                          <a:latin typeface="메이플스토리" panose="02000300000000000000" pitchFamily="2" charset="-127"/>
+                          <a:ea typeface="메이플스토리" panose="02000300000000000000" pitchFamily="2" charset="-127"/>
+                        </a:rPr>
+                        <a:t>교수님 피드백을 바탕으로 기획</a:t>
+                      </a:r>
+                      <a:r>
+                        <a:rPr kumimoji="1" lang="en-US" altLang="ko-KR" sz="1050" b="1" i="0" u="none" strike="noStrike" cap="none" normalizeH="0" baseline="0" dirty="0" smtClean="0">
+                          <a:ln>
+                            <a:noFill/>
+                          </a:ln>
+                          <a:solidFill>
+                            <a:schemeClr val="bg2">
+                              <a:lumMod val="75000"/>
+                            </a:schemeClr>
+                          </a:solidFill>
+                          <a:effectLst/>
+                          <a:latin typeface="메이플스토리" panose="02000300000000000000" pitchFamily="2" charset="-127"/>
+                          <a:ea typeface="메이플스토리" panose="02000300000000000000" pitchFamily="2" charset="-127"/>
+                        </a:rPr>
+                        <a:t>, </a:t>
+                      </a:r>
+                      <a:r>
+                        <a:rPr kumimoji="1" lang="ko-KR" altLang="en-US" sz="1050" b="1" i="0" u="none" strike="noStrike" cap="none" normalizeH="0" baseline="0" dirty="0" smtClean="0">
+                          <a:ln>
+                            <a:noFill/>
+                          </a:ln>
+                          <a:solidFill>
+                            <a:schemeClr val="bg2">
+                              <a:lumMod val="75000"/>
+                            </a:schemeClr>
+                          </a:solidFill>
+                          <a:effectLst/>
+                          <a:latin typeface="메이플스토리" panose="02000300000000000000" pitchFamily="2" charset="-127"/>
+                          <a:ea typeface="메이플스토리" panose="02000300000000000000" pitchFamily="2" charset="-127"/>
+                        </a:rPr>
+                        <a:t>계획 수정</a:t>
+                      </a:r>
+                      <a:r>
+                        <a:rPr kumimoji="1" lang="en-US" altLang="ko-KR" sz="1050" b="1" i="0" u="none" strike="noStrike" cap="none" normalizeH="0" baseline="0" dirty="0" smtClean="0">
+                          <a:ln>
+                            <a:noFill/>
+                          </a:ln>
+                          <a:solidFill>
+                            <a:schemeClr val="bg2">
+                              <a:lumMod val="75000"/>
+                            </a:schemeClr>
+                          </a:solidFill>
+                          <a:effectLst/>
+                          <a:latin typeface="메이플스토리" panose="02000300000000000000" pitchFamily="2" charset="-127"/>
+                          <a:ea typeface="메이플스토리" panose="02000300000000000000" pitchFamily="2" charset="-127"/>
+                        </a:rPr>
+                        <a:t>, </a:t>
+                      </a:r>
+                      <a:r>
+                        <a:rPr kumimoji="1" lang="ko-KR" altLang="en-US" sz="1050" b="1" i="0" u="none" strike="noStrike" cap="none" normalizeH="0" baseline="0" dirty="0" smtClean="0">
+                          <a:ln>
+                            <a:noFill/>
+                          </a:ln>
+                          <a:solidFill>
+                            <a:schemeClr val="bg2">
+                              <a:lumMod val="75000"/>
+                            </a:schemeClr>
+                          </a:solidFill>
+                          <a:effectLst/>
+                          <a:latin typeface="메이플스토리" panose="02000300000000000000" pitchFamily="2" charset="-127"/>
+                          <a:ea typeface="메이플스토리" panose="02000300000000000000" pitchFamily="2" charset="-127"/>
+                        </a:rPr>
+                        <a:t>마무리</a:t>
                       </a:r>
                       <a:endParaRPr kumimoji="1" lang="en-US" altLang="ko-KR" sz="1050" b="1" i="0" u="none" strike="noStrike" cap="none" normalizeH="0" baseline="0" dirty="0" smtClean="0">
                         <a:ln>
@@ -6368,10 +6674,10 @@
                           <a:latin typeface="메이플스토리" panose="02000300000000000000" pitchFamily="2" charset="-127"/>
                           <a:ea typeface="메이플스토리" panose="02000300000000000000" pitchFamily="2" charset="-127"/>
                         </a:rPr>
-                        <a:t>교수님 피드백을 바탕으로 기획</a:t>
-                      </a:r>
-                      <a:r>
-                        <a:rPr kumimoji="1" lang="en-US" altLang="ko-KR" sz="1050" b="1" i="0" u="none" strike="noStrike" cap="none" normalizeH="0" baseline="0" dirty="0" smtClean="0">
+                        <a:t>비슷한 </a:t>
+                      </a:r>
+                      <a:r>
+                        <a:rPr kumimoji="1" lang="ko-KR" altLang="en-US" sz="1050" b="1" i="0" u="none" strike="noStrike" cap="none" normalizeH="0" baseline="0" dirty="0" smtClean="0">
                           <a:ln>
                             <a:noFill/>
                           </a:ln>
@@ -6382,7 +6688,7 @@
                           <a:latin typeface="메이플스토리" panose="02000300000000000000" pitchFamily="2" charset="-127"/>
                           <a:ea typeface="메이플스토리" panose="02000300000000000000" pitchFamily="2" charset="-127"/>
                         </a:rPr>
-                        <a:t>, </a:t>
+                        <a:t>분위기의 게임 </a:t>
                       </a:r>
                       <a:r>
                         <a:rPr kumimoji="1" lang="ko-KR" altLang="en-US" sz="1050" b="1" i="0" u="none" strike="noStrike" cap="none" normalizeH="0" baseline="0" dirty="0" smtClean="0">
@@ -6396,7 +6702,35 @@
                           <a:latin typeface="메이플스토리" panose="02000300000000000000" pitchFamily="2" charset="-127"/>
                           <a:ea typeface="메이플스토리" panose="02000300000000000000" pitchFamily="2" charset="-127"/>
                         </a:rPr>
-                        <a:t>계획 수정</a:t>
+                        <a:t>모델 </a:t>
+                      </a:r>
+                      <a:r>
+                        <a:rPr kumimoji="1" lang="ko-KR" altLang="en-US" sz="1050" b="1" i="0" u="none" strike="noStrike" cap="none" normalizeH="0" baseline="0" dirty="0" smtClean="0">
+                          <a:ln>
+                            <a:noFill/>
+                          </a:ln>
+                          <a:solidFill>
+                            <a:schemeClr val="tx1"/>
+                          </a:solidFill>
+                          <a:effectLst/>
+                          <a:latin typeface="메이플스토리" panose="02000300000000000000" pitchFamily="2" charset="-127"/>
+                          <a:ea typeface="메이플스토리" panose="02000300000000000000" pitchFamily="2" charset="-127"/>
+                        </a:rPr>
+                        <a:t>정리 </a:t>
+                      </a:r>
+                      <a:r>
+                        <a:rPr kumimoji="1" lang="ko-KR" altLang="en-US" sz="1050" b="1" i="0" u="none" strike="noStrike" cap="none" normalizeH="0" baseline="0" dirty="0" smtClean="0">
+                          <a:ln>
+                            <a:noFill/>
+                          </a:ln>
+                          <a:solidFill>
+                            <a:schemeClr val="tx1"/>
+                          </a:solidFill>
+                          <a:effectLst/>
+                          <a:latin typeface="메이플스토리" panose="02000300000000000000" pitchFamily="2" charset="-127"/>
+                          <a:ea typeface="메이플스토리" panose="02000300000000000000" pitchFamily="2" charset="-127"/>
+                        </a:rPr>
+                        <a:t>시작</a:t>
                       </a:r>
                       <a:endParaRPr kumimoji="1" lang="en-US" altLang="ko-KR" sz="1050" b="1" i="0" u="none" strike="noStrike" cap="none" normalizeH="0" baseline="0" dirty="0" smtClean="0">
                         <a:ln>
@@ -6428,77 +6762,6 @@
                         <a:tabLst/>
                       </a:pPr>
                       <a:r>
-                        <a:rPr kumimoji="1" lang="ko-KR" altLang="en-US" sz="1050" b="1" i="0" u="none" strike="noStrike" cap="none" normalizeH="0" baseline="0" dirty="0" smtClean="0">
-                          <a:ln>
-                            <a:noFill/>
-                          </a:ln>
-                          <a:solidFill>
-                            <a:schemeClr val="tx1"/>
-                          </a:solidFill>
-                          <a:effectLst/>
-                          <a:latin typeface="메이플스토리" panose="02000300000000000000" pitchFamily="2" charset="-127"/>
-                          <a:ea typeface="메이플스토리" panose="02000300000000000000" pitchFamily="2" charset="-127"/>
-                        </a:rPr>
-                        <a:t>비슷한 분위기의 게임 언 팩 </a:t>
-                      </a:r>
-                      <a:r>
-                        <a:rPr kumimoji="1" lang="en-US" altLang="ko-KR" sz="1050" b="1" i="0" u="none" strike="noStrike" cap="none" normalizeH="0" baseline="0" dirty="0" smtClean="0">
-                          <a:ln>
-                            <a:noFill/>
-                          </a:ln>
-                          <a:solidFill>
-                            <a:schemeClr val="tx1"/>
-                          </a:solidFill>
-                          <a:effectLst/>
-                          <a:latin typeface="메이플스토리" panose="02000300000000000000" pitchFamily="2" charset="-127"/>
-                          <a:ea typeface="메이플스토리" panose="02000300000000000000" pitchFamily="2" charset="-127"/>
-                        </a:rPr>
-                        <a:t>/</a:t>
-                      </a:r>
-                      <a:r>
-                        <a:rPr kumimoji="1" lang="ko-KR" altLang="en-US" sz="1050" b="1" i="0" u="none" strike="noStrike" cap="none" normalizeH="0" baseline="0" dirty="0" smtClean="0">
-                          <a:ln>
-                            <a:noFill/>
-                          </a:ln>
-                          <a:solidFill>
-                            <a:schemeClr val="tx1"/>
-                          </a:solidFill>
-                          <a:effectLst/>
-                          <a:latin typeface="메이플스토리" panose="02000300000000000000" pitchFamily="2" charset="-127"/>
-                          <a:ea typeface="메이플스토리" panose="02000300000000000000" pitchFamily="2" charset="-127"/>
-                        </a:rPr>
-                        <a:t>모델 정리 시작</a:t>
-                      </a:r>
-                      <a:endParaRPr kumimoji="1" lang="en-US" altLang="ko-KR" sz="1050" b="1" i="0" u="none" strike="noStrike" cap="none" normalizeH="0" baseline="0" dirty="0" smtClean="0">
-                        <a:ln>
-                          <a:noFill/>
-                        </a:ln>
-                        <a:solidFill>
-                          <a:schemeClr val="tx1"/>
-                        </a:solidFill>
-                        <a:effectLst/>
-                        <a:latin typeface="메이플스토리" panose="02000300000000000000" pitchFamily="2" charset="-127"/>
-                        <a:ea typeface="메이플스토리" panose="02000300000000000000" pitchFamily="2" charset="-127"/>
-                      </a:endParaRPr>
-                    </a:p>
-                    <a:p>
-                      <a:pPr marL="0" marR="0" lvl="0" indent="0" algn="l" defTabSz="914400" rtl="0" eaLnBrk="1" fontAlgn="base" latinLnBrk="1" hangingPunct="1">
-                        <a:lnSpc>
-                          <a:spcPct val="100000"/>
-                        </a:lnSpc>
-                        <a:spcBef>
-                          <a:spcPct val="20000"/>
-                        </a:spcBef>
-                        <a:spcAft>
-                          <a:spcPct val="0"/>
-                        </a:spcAft>
-                        <a:buClrTx/>
-                        <a:buSzTx/>
-                        <a:buFontTx/>
-                        <a:buNone/>
-                        <a:tabLst/>
-                      </a:pPr>
-                      <a:r>
                         <a:rPr kumimoji="1" lang="en-US" altLang="ko-KR" sz="1050" b="1" i="0" u="none" strike="noStrike" cap="none" normalizeH="0" baseline="0" dirty="0" smtClean="0">
                           <a:ln>
                             <a:noFill/>
@@ -6512,7 +6775,7 @@
                           <a:latin typeface="메이플스토리" panose="02000300000000000000" pitchFamily="2" charset="-127"/>
                           <a:ea typeface="메이플스토리" panose="02000300000000000000" pitchFamily="2" charset="-127"/>
                         </a:rPr>
-                        <a:t>- A way out </a:t>
+                        <a:t>- </a:t>
                       </a:r>
                       <a:r>
                         <a:rPr kumimoji="1" lang="ko-KR" altLang="en-US" sz="1050" b="1" i="0" u="none" strike="noStrike" cap="none" normalizeH="0" baseline="0" dirty="0" smtClean="0">
@@ -6528,10 +6791,10 @@
                           <a:latin typeface="메이플스토리" panose="02000300000000000000" pitchFamily="2" charset="-127"/>
                           <a:ea typeface="메이플스토리" panose="02000300000000000000" pitchFamily="2" charset="-127"/>
                         </a:rPr>
-                        <a:t>다운</a:t>
-                      </a:r>
-                      <a:r>
-                        <a:rPr kumimoji="1" lang="en-US" altLang="ko-KR" sz="1050" b="1" i="0" u="none" strike="noStrike" cap="none" normalizeH="0" baseline="0" dirty="0" smtClean="0">
+                        <a:t>콜 오브 </a:t>
+                      </a:r>
+                      <a:r>
+                        <a:rPr kumimoji="1" lang="ko-KR" altLang="en-US" sz="1050" b="1" i="0" u="none" strike="noStrike" cap="none" normalizeH="0" baseline="0" dirty="0" err="1" smtClean="0">
                           <a:ln>
                             <a:noFill/>
                           </a:ln>
@@ -6544,7 +6807,7 @@
                           <a:latin typeface="메이플스토리" panose="02000300000000000000" pitchFamily="2" charset="-127"/>
                           <a:ea typeface="메이플스토리" panose="02000300000000000000" pitchFamily="2" charset="-127"/>
                         </a:rPr>
-                        <a:t>, </a:t>
+                        <a:t>크툴</a:t>
                       </a:r>
                       <a:r>
                         <a:rPr kumimoji="1" lang="ko-KR" altLang="en-US" sz="1050" b="1" i="0" u="none" strike="noStrike" cap="none" normalizeH="0" baseline="0" dirty="0" smtClean="0">
@@ -6560,7 +6823,7 @@
                           <a:latin typeface="메이플스토리" panose="02000300000000000000" pitchFamily="2" charset="-127"/>
                           <a:ea typeface="메이플스토리" panose="02000300000000000000" pitchFamily="2" charset="-127"/>
                         </a:rPr>
-                        <a:t>언 팩 </a:t>
+                        <a:t> 루</a:t>
                       </a:r>
                       <a:endParaRPr kumimoji="1" lang="en-US" altLang="ko-KR" sz="1050" b="1" i="0" u="none" strike="noStrike" cap="none" normalizeH="0" baseline="0" dirty="0" smtClean="0">
                         <a:ln>
@@ -6698,6 +6961,7 @@
                         <a:buFontTx/>
                         <a:buNone/>
                         <a:tabLst/>
+                        <a:defRPr/>
                       </a:pPr>
                       <a:r>
                         <a:rPr kumimoji="1" lang="ko-KR" altLang="en-US" sz="1050" b="1" i="0" u="none" strike="noStrike" cap="none" normalizeH="0" baseline="0" dirty="0" smtClean="0">
@@ -6711,7 +6975,223 @@
                           <a:latin typeface="메이플스토리" panose="02000300000000000000" pitchFamily="2" charset="-127"/>
                           <a:ea typeface="메이플스토리" panose="02000300000000000000" pitchFamily="2" charset="-127"/>
                         </a:rPr>
-                        <a:t>부족한 공부 시작</a:t>
+                        <a:t>언 팩 한 모델 정리</a:t>
+                      </a:r>
+                      <a:endParaRPr kumimoji="1" lang="en-US" altLang="ko-KR" sz="1050" b="1" i="0" u="none" strike="noStrike" cap="none" normalizeH="0" baseline="0" dirty="0" smtClean="0">
+                        <a:ln>
+                          <a:noFill/>
+                        </a:ln>
+                        <a:solidFill>
+                          <a:schemeClr val="tx1"/>
+                        </a:solidFill>
+                        <a:effectLst/>
+                        <a:latin typeface="메이플스토리" panose="02000300000000000000" pitchFamily="2" charset="-127"/>
+                        <a:ea typeface="메이플스토리" panose="02000300000000000000" pitchFamily="2" charset="-127"/>
+                      </a:endParaRPr>
+                    </a:p>
+                    <a:p>
+                      <a:pPr marL="171450" marR="0" lvl="0" indent="-171450" algn="l" defTabSz="914400" rtl="0" eaLnBrk="1" fontAlgn="base" latinLnBrk="1" hangingPunct="1">
+                        <a:lnSpc>
+                          <a:spcPct val="100000"/>
+                        </a:lnSpc>
+                        <a:spcBef>
+                          <a:spcPct val="20000"/>
+                        </a:spcBef>
+                        <a:spcAft>
+                          <a:spcPct val="0"/>
+                        </a:spcAft>
+                        <a:buClrTx/>
+                        <a:buSzTx/>
+                        <a:buFontTx/>
+                        <a:buChar char="-"/>
+                        <a:tabLst/>
+                        <a:defRPr/>
+                      </a:pPr>
+                      <a:r>
+                        <a:rPr kumimoji="1" lang="ko-KR" altLang="en-US" sz="1050" b="1" i="0" u="none" strike="noStrike" cap="none" normalizeH="0" baseline="0" dirty="0" smtClean="0">
+                          <a:ln>
+                            <a:noFill/>
+                          </a:ln>
+                          <a:solidFill>
+                            <a:schemeClr val="bg2">
+                              <a:lumMod val="75000"/>
+                            </a:schemeClr>
+                          </a:solidFill>
+                          <a:effectLst/>
+                          <a:latin typeface="메이플스토리" panose="02000300000000000000" pitchFamily="2" charset="-127"/>
+                          <a:ea typeface="메이플스토리" panose="02000300000000000000" pitchFamily="2" charset="-127"/>
+                        </a:rPr>
+                        <a:t>언 팩 후 필요한 모델 따로 분류</a:t>
+                      </a:r>
+                      <a:r>
+                        <a:rPr kumimoji="1" lang="en-US" altLang="ko-KR" sz="1050" b="1" i="0" u="none" strike="noStrike" cap="none" normalizeH="0" baseline="0" dirty="0" smtClean="0">
+                          <a:ln>
+                            <a:noFill/>
+                          </a:ln>
+                          <a:solidFill>
+                            <a:schemeClr val="bg2">
+                              <a:lumMod val="75000"/>
+                            </a:schemeClr>
+                          </a:solidFill>
+                          <a:effectLst/>
+                          <a:latin typeface="메이플스토리" panose="02000300000000000000" pitchFamily="2" charset="-127"/>
+                          <a:ea typeface="메이플스토리" panose="02000300000000000000" pitchFamily="2" charset="-127"/>
+                        </a:rPr>
+                        <a:t>, </a:t>
+                      </a:r>
+                      <a:r>
+                        <a:rPr kumimoji="1" lang="ko-KR" altLang="en-US" sz="1050" b="1" i="0" u="none" strike="noStrike" cap="none" normalizeH="0" baseline="0" dirty="0" smtClean="0">
+                          <a:ln>
+                            <a:noFill/>
+                          </a:ln>
+                          <a:solidFill>
+                            <a:schemeClr val="bg2">
+                              <a:lumMod val="75000"/>
+                            </a:schemeClr>
+                          </a:solidFill>
+                          <a:effectLst/>
+                          <a:latin typeface="메이플스토리" panose="02000300000000000000" pitchFamily="2" charset="-127"/>
+                          <a:ea typeface="메이플스토리" panose="02000300000000000000" pitchFamily="2" charset="-127"/>
+                        </a:rPr>
+                        <a:t>정리 </a:t>
+                      </a:r>
+                      <a:endParaRPr kumimoji="1" lang="en-US" altLang="ko-KR" sz="1050" b="1" i="0" u="none" strike="noStrike" cap="none" normalizeH="0" baseline="0" dirty="0" smtClean="0">
+                        <a:ln>
+                          <a:noFill/>
+                        </a:ln>
+                        <a:solidFill>
+                          <a:schemeClr val="bg2">
+                            <a:lumMod val="75000"/>
+                          </a:schemeClr>
+                        </a:solidFill>
+                        <a:effectLst/>
+                        <a:latin typeface="메이플스토리" panose="02000300000000000000" pitchFamily="2" charset="-127"/>
+                        <a:ea typeface="메이플스토리" panose="02000300000000000000" pitchFamily="2" charset="-127"/>
+                      </a:endParaRPr>
+                    </a:p>
+                  </a:txBody>
+                  <a:tcPr horzOverflow="overflow">
+                    <a:lnL w="12700" cap="flat" cmpd="sng" algn="ctr">
+                      <a:solidFill>
+                        <a:schemeClr val="bg1">
+                          <a:lumMod val="75000"/>
+                        </a:schemeClr>
+                      </a:solidFill>
+                      <a:prstDash val="solid"/>
+                      <a:round/>
+                      <a:headEnd type="none" w="med" len="med"/>
+                      <a:tailEnd type="none" w="med" len="med"/>
+                    </a:lnL>
+                    <a:lnR w="12700" cap="flat" cmpd="sng" algn="ctr">
+                      <a:solidFill>
+                        <a:schemeClr val="bg1">
+                          <a:lumMod val="75000"/>
+                        </a:schemeClr>
+                      </a:solidFill>
+                      <a:prstDash val="solid"/>
+                      <a:round/>
+                      <a:headEnd type="none" w="med" len="med"/>
+                      <a:tailEnd type="none" w="med" len="med"/>
+                    </a:lnR>
+                    <a:lnT w="12700" cap="flat" cmpd="sng" algn="ctr">
+                      <a:solidFill>
+                        <a:schemeClr val="bg1">
+                          <a:lumMod val="75000"/>
+                        </a:schemeClr>
+                      </a:solidFill>
+                      <a:prstDash val="solid"/>
+                      <a:round/>
+                      <a:headEnd type="none" w="med" len="med"/>
+                      <a:tailEnd type="none" w="med" len="med"/>
+                    </a:lnT>
+                    <a:lnB w="12700" cap="flat" cmpd="sng" algn="ctr">
+                      <a:solidFill>
+                        <a:schemeClr val="bg1">
+                          <a:lumMod val="75000"/>
+                        </a:schemeClr>
+                      </a:solidFill>
+                      <a:prstDash val="solid"/>
+                      <a:round/>
+                      <a:headEnd type="none" w="med" len="med"/>
+                      <a:tailEnd type="none" w="med" len="med"/>
+                    </a:lnB>
+                    <a:lnTlToBr>
+                      <a:noFill/>
+                    </a:lnTlToBr>
+                    <a:lnBlToTr>
+                      <a:noFill/>
+                    </a:lnBlToTr>
+                    <a:noFill/>
+                  </a:tcPr>
+                </a:tc>
+                <a:tc>
+                  <a:txBody>
+                    <a:bodyPr/>
+                    <a:lstStyle/>
+                    <a:p>
+                      <a:pPr marL="0" marR="0" lvl="0" indent="0" algn="l" defTabSz="914400" rtl="0" eaLnBrk="1" fontAlgn="base" latinLnBrk="1" hangingPunct="1">
+                        <a:lnSpc>
+                          <a:spcPct val="100000"/>
+                        </a:lnSpc>
+                        <a:spcBef>
+                          <a:spcPct val="20000"/>
+                        </a:spcBef>
+                        <a:spcAft>
+                          <a:spcPct val="0"/>
+                        </a:spcAft>
+                        <a:buClrTx/>
+                        <a:buSzTx/>
+                        <a:buFontTx/>
+                        <a:buNone/>
+                        <a:tabLst/>
+                      </a:pPr>
+                      <a:r>
+                        <a:rPr kumimoji="1" lang="en-US" altLang="ko-KR" sz="1050" b="1" i="0" u="none" strike="noStrike" cap="none" normalizeH="0" baseline="0" dirty="0" smtClean="0">
+                          <a:ln>
+                            <a:noFill/>
+                          </a:ln>
+                          <a:solidFill>
+                            <a:schemeClr val="bg2">
+                              <a:lumMod val="75000"/>
+                            </a:schemeClr>
+                          </a:solidFill>
+                          <a:effectLst/>
+                          <a:latin typeface="메이플스토리" panose="02000300000000000000" pitchFamily="2" charset="-127"/>
+                          <a:ea typeface="메이플스토리" panose="02000300000000000000" pitchFamily="2" charset="-127"/>
+                        </a:rPr>
+                        <a:t>21</a:t>
+                      </a:r>
+                    </a:p>
+                    <a:p>
+                      <a:pPr marL="0" marR="0" lvl="0" indent="0" algn="l" defTabSz="914400" rtl="0" eaLnBrk="1" fontAlgn="base" latinLnBrk="1" hangingPunct="1">
+                        <a:lnSpc>
+                          <a:spcPct val="100000"/>
+                        </a:lnSpc>
+                        <a:spcBef>
+                          <a:spcPct val="20000"/>
+                        </a:spcBef>
+                        <a:spcAft>
+                          <a:spcPct val="0"/>
+                        </a:spcAft>
+                        <a:buClrTx/>
+                        <a:buSzTx/>
+                        <a:buFontTx/>
+                        <a:buNone/>
+                        <a:tabLst/>
+                      </a:pPr>
+                      <a:r>
+                        <a:rPr kumimoji="1" lang="ko-KR" altLang="en-US" sz="1050" b="1" i="0" u="none" strike="noStrike" cap="none" normalizeH="0" baseline="0" dirty="0" smtClean="0">
+                          <a:ln>
+                            <a:noFill/>
+                          </a:ln>
+                          <a:solidFill>
+                            <a:schemeClr val="tx1"/>
+                          </a:solidFill>
+                          <a:effectLst/>
+                          <a:latin typeface="메이플스토리" panose="02000300000000000000" pitchFamily="2" charset="-127"/>
+                          <a:ea typeface="메이플스토리" panose="02000300000000000000" pitchFamily="2" charset="-127"/>
+                        </a:rPr>
+                        <a:t>모델 정리 및 툴 제작 시작</a:t>
                       </a:r>
                       <a:endParaRPr kumimoji="1" lang="en-US" altLang="ko-KR" sz="1050" b="1" i="0" u="none" strike="noStrike" cap="none" normalizeH="0" baseline="0" dirty="0" smtClean="0">
                         <a:ln>
@@ -6743,7 +7223,7 @@
                         <a:tabLst/>
                       </a:pPr>
                       <a:r>
-                        <a:rPr kumimoji="1" lang="en-US" altLang="ko-KR" sz="1050" b="1" i="0" u="none" strike="noStrike" cap="none" normalizeH="0" baseline="0" dirty="0" smtClean="0">
+                        <a:rPr kumimoji="1" lang="ko-KR" altLang="en-US" sz="1050" b="1" i="0" u="none" strike="noStrike" cap="none" normalizeH="0" baseline="0" dirty="0" smtClean="0">
                           <a:ln>
                             <a:noFill/>
                           </a:ln>
@@ -6754,200 +7234,21 @@
                           <a:latin typeface="메이플스토리" panose="02000300000000000000" pitchFamily="2" charset="-127"/>
                           <a:ea typeface="메이플스토리" panose="02000300000000000000" pitchFamily="2" charset="-127"/>
                         </a:rPr>
-                        <a:t>(</a:t>
-                      </a:r>
-                      <a:r>
-                        <a:rPr kumimoji="1" lang="ko-KR" altLang="en-US" sz="1050" b="1" i="0" u="none" strike="noStrike" cap="none" normalizeH="0" baseline="0" dirty="0" smtClean="0">
-                          <a:ln>
-                            <a:noFill/>
-                          </a:ln>
-                          <a:solidFill>
-                            <a:schemeClr val="tx1"/>
-                          </a:solidFill>
-                          <a:effectLst/>
-                          <a:latin typeface="메이플스토리" panose="02000300000000000000" pitchFamily="2" charset="-127"/>
-                          <a:ea typeface="메이플스토리" panose="02000300000000000000" pitchFamily="2" charset="-127"/>
-                        </a:rPr>
-                        <a:t>수학</a:t>
-                      </a:r>
-                      <a:r>
-                        <a:rPr kumimoji="1" lang="en-US" altLang="ko-KR" sz="1050" b="1" i="0" u="none" strike="noStrike" cap="none" normalizeH="0" baseline="0" dirty="0" smtClean="0">
-                          <a:ln>
-                            <a:noFill/>
-                          </a:ln>
-                          <a:solidFill>
-                            <a:schemeClr val="tx1"/>
-                          </a:solidFill>
-                          <a:effectLst/>
-                          <a:latin typeface="메이플스토리" panose="02000300000000000000" pitchFamily="2" charset="-127"/>
-                          <a:ea typeface="메이플스토리" panose="02000300000000000000" pitchFamily="2" charset="-127"/>
-                        </a:rPr>
-                        <a:t>, </a:t>
-                      </a:r>
-                      <a:r>
-                        <a:rPr kumimoji="1" lang="ko-KR" altLang="en-US" sz="1050" b="1" i="0" u="none" strike="noStrike" cap="none" normalizeH="0" baseline="0" dirty="0" smtClean="0">
-                          <a:ln>
-                            <a:noFill/>
-                          </a:ln>
-                          <a:solidFill>
-                            <a:schemeClr val="tx1"/>
-                          </a:solidFill>
-                          <a:effectLst/>
-                          <a:latin typeface="메이플스토리" panose="02000300000000000000" pitchFamily="2" charset="-127"/>
-                          <a:ea typeface="메이플스토리" panose="02000300000000000000" pitchFamily="2" charset="-127"/>
-                        </a:rPr>
-                        <a:t>다이렉트 </a:t>
-                      </a:r>
-                      <a:r>
-                        <a:rPr kumimoji="1" lang="en-US" altLang="ko-KR" sz="1050" b="1" i="0" u="none" strike="noStrike" cap="none" normalizeH="0" baseline="0" dirty="0" smtClean="0">
-                          <a:ln>
-                            <a:noFill/>
-                          </a:ln>
-                          <a:solidFill>
-                            <a:schemeClr val="tx1"/>
-                          </a:solidFill>
-                          <a:effectLst/>
-                          <a:latin typeface="메이플스토리" panose="02000300000000000000" pitchFamily="2" charset="-127"/>
-                          <a:ea typeface="메이플스토리" panose="02000300000000000000" pitchFamily="2" charset="-127"/>
-                        </a:rPr>
-                        <a:t>12…)</a:t>
-                      </a:r>
-                    </a:p>
-                    <a:p>
-                      <a:pPr marL="0" marR="0" lvl="0" indent="0" algn="l" defTabSz="914400" rtl="0" eaLnBrk="1" fontAlgn="base" latinLnBrk="1" hangingPunct="1">
-                        <a:lnSpc>
-                          <a:spcPct val="100000"/>
-                        </a:lnSpc>
-                        <a:spcBef>
-                          <a:spcPct val="20000"/>
-                        </a:spcBef>
-                        <a:spcAft>
-                          <a:spcPct val="0"/>
-                        </a:spcAft>
-                        <a:buClrTx/>
-                        <a:buSzTx/>
-                        <a:buFontTx/>
-                        <a:buNone/>
-                        <a:tabLst/>
-                      </a:pPr>
-                      <a:r>
-                        <a:rPr kumimoji="1" lang="ko-KR" altLang="en-US" sz="1050" b="1" i="0" u="none" strike="noStrike" cap="none" normalizeH="0" baseline="0" dirty="0" smtClean="0">
-                          <a:ln>
-                            <a:noFill/>
-                          </a:ln>
-                          <a:solidFill>
-                            <a:schemeClr val="tx1"/>
-                          </a:solidFill>
-                          <a:effectLst/>
-                          <a:latin typeface="메이플스토리" panose="02000300000000000000" pitchFamily="2" charset="-127"/>
-                          <a:ea typeface="메이플스토리" panose="02000300000000000000" pitchFamily="2" charset="-127"/>
-                        </a:rPr>
-                        <a:t>필요한 게임 모델 정리 </a:t>
+                        <a:t>부족한 공부</a:t>
                       </a:r>
                       <a:endParaRPr kumimoji="1" lang="en-US" altLang="ko-KR" sz="1050" b="1" i="0" u="none" strike="noStrike" cap="none" normalizeH="0" baseline="0" dirty="0" smtClean="0">
                         <a:ln>
                           <a:noFill/>
                         </a:ln>
                         <a:solidFill>
-                          <a:schemeClr val="tx1"/>
+                          <a:schemeClr val="bg2">
+                            <a:lumMod val="75000"/>
+                          </a:schemeClr>
                         </a:solidFill>
                         <a:effectLst/>
                         <a:latin typeface="메이플스토리" panose="02000300000000000000" pitchFamily="2" charset="-127"/>
                         <a:ea typeface="메이플스토리" panose="02000300000000000000" pitchFamily="2" charset="-127"/>
                       </a:endParaRPr>
-                    </a:p>
-                  </a:txBody>
-                  <a:tcPr horzOverflow="overflow">
-                    <a:lnL w="12700" cap="flat" cmpd="sng" algn="ctr">
-                      <a:solidFill>
-                        <a:schemeClr val="bg1">
-                          <a:lumMod val="75000"/>
-                        </a:schemeClr>
-                      </a:solidFill>
-                      <a:prstDash val="solid"/>
-                      <a:round/>
-                      <a:headEnd type="none" w="med" len="med"/>
-                      <a:tailEnd type="none" w="med" len="med"/>
-                    </a:lnL>
-                    <a:lnR w="12700" cap="flat" cmpd="sng" algn="ctr">
-                      <a:solidFill>
-                        <a:schemeClr val="bg1">
-                          <a:lumMod val="75000"/>
-                        </a:schemeClr>
-                      </a:solidFill>
-                      <a:prstDash val="solid"/>
-                      <a:round/>
-                      <a:headEnd type="none" w="med" len="med"/>
-                      <a:tailEnd type="none" w="med" len="med"/>
-                    </a:lnR>
-                    <a:lnT w="12700" cap="flat" cmpd="sng" algn="ctr">
-                      <a:solidFill>
-                        <a:schemeClr val="bg1">
-                          <a:lumMod val="75000"/>
-                        </a:schemeClr>
-                      </a:solidFill>
-                      <a:prstDash val="solid"/>
-                      <a:round/>
-                      <a:headEnd type="none" w="med" len="med"/>
-                      <a:tailEnd type="none" w="med" len="med"/>
-                    </a:lnT>
-                    <a:lnB w="12700" cap="flat" cmpd="sng" algn="ctr">
-                      <a:solidFill>
-                        <a:schemeClr val="bg1">
-                          <a:lumMod val="75000"/>
-                        </a:schemeClr>
-                      </a:solidFill>
-                      <a:prstDash val="solid"/>
-                      <a:round/>
-                      <a:headEnd type="none" w="med" len="med"/>
-                      <a:tailEnd type="none" w="med" len="med"/>
-                    </a:lnB>
-                    <a:lnTlToBr>
-                      <a:noFill/>
-                    </a:lnTlToBr>
-                    <a:lnBlToTr>
-                      <a:noFill/>
-                    </a:lnBlToTr>
-                    <a:noFill/>
-                  </a:tcPr>
-                </a:tc>
-                <a:tc>
-                  <a:txBody>
-                    <a:bodyPr/>
-                    <a:lstStyle/>
-                    <a:p>
-                      <a:pPr marL="0" marR="0" lvl="0" indent="0" algn="l" defTabSz="914400" rtl="0" eaLnBrk="1" fontAlgn="base" latinLnBrk="1" hangingPunct="1">
-                        <a:lnSpc>
-                          <a:spcPct val="100000"/>
-                        </a:lnSpc>
-                        <a:spcBef>
-                          <a:spcPct val="20000"/>
-                        </a:spcBef>
-                        <a:spcAft>
-                          <a:spcPct val="0"/>
-                        </a:spcAft>
-                        <a:buClrTx/>
-                        <a:buSzTx/>
-                        <a:buFontTx/>
-                        <a:buNone/>
-                        <a:tabLst/>
-                      </a:pPr>
-                      <a:r>
-                        <a:rPr kumimoji="1" lang="en-US" altLang="ko-KR" sz="1050" b="1" i="0" u="none" strike="noStrike" cap="none" normalizeH="0" baseline="0" dirty="0" smtClean="0">
-                          <a:ln>
-                            <a:noFill/>
-                          </a:ln>
-                          <a:solidFill>
-                            <a:schemeClr val="bg2">
-                              <a:lumMod val="75000"/>
-                            </a:schemeClr>
-                          </a:solidFill>
-                          <a:effectLst/>
-                          <a:latin typeface="메이플스토리" panose="02000300000000000000" pitchFamily="2" charset="-127"/>
-                          <a:ea typeface="메이플스토리" panose="02000300000000000000" pitchFamily="2" charset="-127"/>
-                        </a:rPr>
-                        <a:t>21</a:t>
-                      </a:r>
                     </a:p>
                   </a:txBody>
                   <a:tcPr horzOverflow="overflow">
